--- a/slides/MLCAD25-Hybrid-NL2SVA.pptx
+++ b/slides/MLCAD25-Hybrid-NL2SVA.pptx
@@ -5,7 +5,7 @@
     <p:sldMasterId id="2147483648" r:id="rId1"/>
   </p:sldMasterIdLst>
   <p:notesMasterIdLst>
-    <p:notesMasterId r:id="rId25"/>
+    <p:notesMasterId r:id="rId26"/>
   </p:notesMasterIdLst>
   <p:sldIdLst>
     <p:sldId id="256" r:id="rId2"/>
@@ -15,42 +15,43 @@
     <p:sldId id="260" r:id="rId6"/>
     <p:sldId id="261" r:id="rId7"/>
     <p:sldId id="262" r:id="rId8"/>
-    <p:sldId id="308" r:id="rId9"/>
-    <p:sldId id="264" r:id="rId10"/>
+    <p:sldId id="313" r:id="rId9"/>
+    <p:sldId id="308" r:id="rId10"/>
     <p:sldId id="312" r:id="rId11"/>
-    <p:sldId id="313" r:id="rId12"/>
+    <p:sldId id="323" r:id="rId12"/>
     <p:sldId id="309" r:id="rId13"/>
-    <p:sldId id="310" r:id="rId14"/>
-    <p:sldId id="311" r:id="rId15"/>
-    <p:sldId id="314" r:id="rId16"/>
-    <p:sldId id="317" r:id="rId17"/>
-    <p:sldId id="315" r:id="rId18"/>
-    <p:sldId id="316" r:id="rId19"/>
-    <p:sldId id="318" r:id="rId20"/>
-    <p:sldId id="319" r:id="rId21"/>
-    <p:sldId id="320" r:id="rId22"/>
-    <p:sldId id="321" r:id="rId23"/>
-    <p:sldId id="301" r:id="rId24"/>
+    <p:sldId id="324" r:id="rId14"/>
+    <p:sldId id="310" r:id="rId15"/>
+    <p:sldId id="311" r:id="rId16"/>
+    <p:sldId id="314" r:id="rId17"/>
+    <p:sldId id="317" r:id="rId18"/>
+    <p:sldId id="315" r:id="rId19"/>
+    <p:sldId id="316" r:id="rId20"/>
+    <p:sldId id="318" r:id="rId21"/>
+    <p:sldId id="319" r:id="rId22"/>
+    <p:sldId id="320" r:id="rId23"/>
+    <p:sldId id="321" r:id="rId24"/>
+    <p:sldId id="301" r:id="rId25"/>
   </p:sldIdLst>
   <p:sldSz cx="9144000" cy="5143500" type="screen16x9"/>
   <p:notesSz cx="6858000" cy="9144000"/>
   <p:embeddedFontLst>
     <p:embeddedFont>
       <p:font typeface="Frank Ruhl Libre" panose="00000500000000000000" pitchFamily="2" charset="-79"/>
-      <p:regular r:id="rId26"/>
-      <p:bold r:id="rId27"/>
+      <p:regular r:id="rId27"/>
+      <p:bold r:id="rId28"/>
     </p:embeddedFont>
     <p:embeddedFont>
       <p:font typeface="Montserrat" panose="00000500000000000000" pitchFamily="2" charset="0"/>
-      <p:regular r:id="rId28"/>
-      <p:bold r:id="rId29"/>
+      <p:regular r:id="rId29"/>
+      <p:bold r:id="rId30"/>
     </p:embeddedFont>
     <p:embeddedFont>
       <p:font typeface="Verdana" panose="020B0604030504040204" pitchFamily="34" charset="0"/>
-      <p:regular r:id="rId30"/>
-      <p:bold r:id="rId31"/>
-      <p:italic r:id="rId32"/>
-      <p:boldItalic r:id="rId33"/>
+      <p:regular r:id="rId31"/>
+      <p:bold r:id="rId32"/>
+      <p:italic r:id="rId33"/>
+      <p:boldItalic r:id="rId34"/>
     </p:embeddedFont>
   </p:embeddedFontLst>
   <p:defaultTextStyle>
@@ -1155,7 +1156,7 @@
         <p:cNvPr id="1" name="Shape 102">
           <a:extLst>
             <a:ext uri="{FF2B5EF4-FFF2-40B4-BE49-F238E27FC236}">
-              <a16:creationId xmlns:a16="http://schemas.microsoft.com/office/drawing/2014/main" id="{190BAB49-75E0-E46C-5577-3C30C54CBA8A}"/>
+              <a16:creationId xmlns:a16="http://schemas.microsoft.com/office/drawing/2014/main" id="{B1B18FA1-ADBE-89E5-EF90-A1F422D5CEF5}"/>
             </a:ext>
           </a:extLst>
         </p:cNvPr>
@@ -1175,7 +1176,7 @@
           <p:cNvPr id="103" name="Google Shape;103;g377f5a16067_0_17:notes">
             <a:extLst>
               <a:ext uri="{FF2B5EF4-FFF2-40B4-BE49-F238E27FC236}">
-                <a16:creationId xmlns:a16="http://schemas.microsoft.com/office/drawing/2014/main" id="{5B70F31C-56A0-1E7A-F100-A7948272CF70}"/>
+                <a16:creationId xmlns:a16="http://schemas.microsoft.com/office/drawing/2014/main" id="{D414ABFE-8443-E803-196C-AF8147BF44EB}"/>
               </a:ext>
             </a:extLst>
           </p:cNvPr>
@@ -1232,7 +1233,7 @@
           <p:cNvPr id="104" name="Google Shape;104;g377f5a16067_0_17:notes">
             <a:extLst>
               <a:ext uri="{FF2B5EF4-FFF2-40B4-BE49-F238E27FC236}">
-                <a16:creationId xmlns:a16="http://schemas.microsoft.com/office/drawing/2014/main" id="{7D32C627-EA9B-D1A0-7758-023B5A9C031C}"/>
+                <a16:creationId xmlns:a16="http://schemas.microsoft.com/office/drawing/2014/main" id="{572BCBF8-B8F0-4A29-FBDC-0793DA6493A7}"/>
               </a:ext>
             </a:extLst>
           </p:cNvPr>
@@ -1282,7 +1283,7 @@
     </p:spTree>
     <p:extLst>
       <p:ext uri="{BB962C8B-B14F-4D97-AF65-F5344CB8AC3E}">
-        <p14:creationId xmlns:p14="http://schemas.microsoft.com/office/powerpoint/2010/main" val="303992076"/>
+        <p14:creationId xmlns:p14="http://schemas.microsoft.com/office/powerpoint/2010/main" val="2786292024"/>
       </p:ext>
     </p:extLst>
   </p:cSld>
@@ -1445,6 +1446,151 @@
         <p:cNvPr id="1" name="Shape 102">
           <a:extLst>
             <a:ext uri="{FF2B5EF4-FFF2-40B4-BE49-F238E27FC236}">
+              <a16:creationId xmlns:a16="http://schemas.microsoft.com/office/drawing/2014/main" id="{D15DB2DD-F071-F6E8-6277-D6F34B1AF40A}"/>
+            </a:ext>
+          </a:extLst>
+        </p:cNvPr>
+        <p:cNvGrpSpPr/>
+        <p:nvPr/>
+      </p:nvGrpSpPr>
+      <p:grpSpPr>
+        <a:xfrm>
+          <a:off x="0" y="0"/>
+          <a:ext cx="0" cy="0"/>
+          <a:chOff x="0" y="0"/>
+          <a:chExt cx="0" cy="0"/>
+        </a:xfrm>
+      </p:grpSpPr>
+      <p:sp>
+        <p:nvSpPr>
+          <p:cNvPr id="103" name="Google Shape;103;g377f5a16067_0_17:notes">
+            <a:extLst>
+              <a:ext uri="{FF2B5EF4-FFF2-40B4-BE49-F238E27FC236}">
+                <a16:creationId xmlns:a16="http://schemas.microsoft.com/office/drawing/2014/main" id="{1C1AA82C-1AF9-9B0B-8D3E-435FA57D99F5}"/>
+              </a:ext>
+            </a:extLst>
+          </p:cNvPr>
+          <p:cNvSpPr>
+            <a:spLocks noGrp="1" noRot="1" noChangeAspect="1"/>
+          </p:cNvSpPr>
+          <p:nvPr>
+            <p:ph type="sldImg" idx="2"/>
+          </p:nvPr>
+        </p:nvSpPr>
+        <p:spPr>
+          <a:xfrm>
+            <a:off x="381000" y="685800"/>
+            <a:ext cx="6096000" cy="3429000"/>
+          </a:xfrm>
+          <a:custGeom>
+            <a:avLst/>
+            <a:gdLst/>
+            <a:ahLst/>
+            <a:cxnLst/>
+            <a:rect l="l" t="t" r="r" b="b"/>
+            <a:pathLst>
+              <a:path w="120000" h="120000" extrusionOk="0">
+                <a:moveTo>
+                  <a:pt x="0" y="0"/>
+                </a:moveTo>
+                <a:lnTo>
+                  <a:pt x="120000" y="0"/>
+                </a:lnTo>
+                <a:lnTo>
+                  <a:pt x="120000" y="120000"/>
+                </a:lnTo>
+                <a:lnTo>
+                  <a:pt x="0" y="120000"/>
+                </a:lnTo>
+                <a:close/>
+              </a:path>
+            </a:pathLst>
+          </a:custGeom>
+          <a:noFill/>
+          <a:ln w="9525" cap="flat" cmpd="sng">
+            <a:solidFill>
+              <a:srgbClr val="000000"/>
+            </a:solidFill>
+            <a:prstDash val="solid"/>
+            <a:round/>
+            <a:headEnd type="none" w="sm" len="sm"/>
+            <a:tailEnd type="none" w="sm" len="sm"/>
+          </a:ln>
+        </p:spPr>
+      </p:sp>
+      <p:sp>
+        <p:nvSpPr>
+          <p:cNvPr id="104" name="Google Shape;104;g377f5a16067_0_17:notes">
+            <a:extLst>
+              <a:ext uri="{FF2B5EF4-FFF2-40B4-BE49-F238E27FC236}">
+                <a16:creationId xmlns:a16="http://schemas.microsoft.com/office/drawing/2014/main" id="{F5A5D01B-20EC-F30B-F677-E5AA9045DE11}"/>
+              </a:ext>
+            </a:extLst>
+          </p:cNvPr>
+          <p:cNvSpPr txBox="1">
+            <a:spLocks noGrp="1"/>
+          </p:cNvSpPr>
+          <p:nvPr>
+            <p:ph type="body" idx="1"/>
+          </p:nvPr>
+        </p:nvSpPr>
+        <p:spPr>
+          <a:xfrm>
+            <a:off x="685800" y="4343400"/>
+            <a:ext cx="5486400" cy="4114800"/>
+          </a:xfrm>
+          <a:prstGeom prst="rect">
+            <a:avLst/>
+          </a:prstGeom>
+          <a:noFill/>
+          <a:ln>
+            <a:noFill/>
+          </a:ln>
+        </p:spPr>
+        <p:txBody>
+          <a:bodyPr spcFirstLastPara="1" wrap="square" lIns="91425" tIns="91425" rIns="91425" bIns="91425" anchor="t" anchorCtr="0">
+            <a:noAutofit/>
+          </a:bodyPr>
+          <a:lstStyle/>
+          <a:p>
+            <a:pPr marL="0" lvl="0" indent="0" algn="l" rtl="0">
+              <a:lnSpc>
+                <a:spcPct val="100000"/>
+              </a:lnSpc>
+              <a:spcBef>
+                <a:spcPts val="0"/>
+              </a:spcBef>
+              <a:spcAft>
+                <a:spcPts val="0"/>
+              </a:spcAft>
+              <a:buSzPts val="1100"/>
+              <a:buNone/>
+            </a:pPr>
+            <a:endParaRPr/>
+          </a:p>
+        </p:txBody>
+      </p:sp>
+    </p:spTree>
+    <p:extLst>
+      <p:ext uri="{BB962C8B-B14F-4D97-AF65-F5344CB8AC3E}">
+        <p14:creationId xmlns:p14="http://schemas.microsoft.com/office/powerpoint/2010/main" val="2216493951"/>
+      </p:ext>
+    </p:extLst>
+  </p:cSld>
+  <p:clrMapOvr>
+    <a:masterClrMapping/>
+  </p:clrMapOvr>
+</p:notes>
+</file>
+
+<file path=ppt/notesSlides/notesSlide14.xml><?xml version="1.0" encoding="utf-8"?>
+<p:notes xmlns:a="http://schemas.openxmlformats.org/drawingml/2006/main" xmlns:r="http://schemas.openxmlformats.org/officeDocument/2006/relationships" xmlns:p="http://schemas.openxmlformats.org/presentationml/2006/main" showMasterSp="0" showMasterPhAnim="0">
+  <p:cSld>
+    <p:spTree>
+      <p:nvGrpSpPr>
+        <p:cNvPr id="1" name="Shape 102">
+          <a:extLst>
+            <a:ext uri="{FF2B5EF4-FFF2-40B4-BE49-F238E27FC236}">
               <a16:creationId xmlns:a16="http://schemas.microsoft.com/office/drawing/2014/main" id="{F7EB7E76-8E0F-2EFA-776C-5FCD618E06B7}"/>
             </a:ext>
           </a:extLst>
@@ -1582,7 +1728,7 @@
 </p:notes>
 </file>
 
-<file path=ppt/notesSlides/notesSlide14.xml><?xml version="1.0" encoding="utf-8"?>
+<file path=ppt/notesSlides/notesSlide15.xml><?xml version="1.0" encoding="utf-8"?>
 <p:notes xmlns:a="http://schemas.openxmlformats.org/drawingml/2006/main" xmlns:r="http://schemas.openxmlformats.org/officeDocument/2006/relationships" xmlns:p="http://schemas.openxmlformats.org/presentationml/2006/main" showMasterSp="0" showMasterPhAnim="0">
   <p:cSld>
     <p:spTree>
@@ -1727,7 +1873,7 @@
 </p:notes>
 </file>
 
-<file path=ppt/notesSlides/notesSlide15.xml><?xml version="1.0" encoding="utf-8"?>
+<file path=ppt/notesSlides/notesSlide16.xml><?xml version="1.0" encoding="utf-8"?>
 <p:notes xmlns:a="http://schemas.openxmlformats.org/drawingml/2006/main" xmlns:r="http://schemas.openxmlformats.org/officeDocument/2006/relationships" xmlns:p="http://schemas.openxmlformats.org/presentationml/2006/main" showMasterSp="0" showMasterPhAnim="0">
   <p:cSld>
     <p:spTree>
@@ -1872,7 +2018,7 @@
 </p:notes>
 </file>
 
-<file path=ppt/notesSlides/notesSlide16.xml><?xml version="1.0" encoding="utf-8"?>
+<file path=ppt/notesSlides/notesSlide17.xml><?xml version="1.0" encoding="utf-8"?>
 <p:notes xmlns:a="http://schemas.openxmlformats.org/drawingml/2006/main" xmlns:r="http://schemas.openxmlformats.org/officeDocument/2006/relationships" xmlns:p="http://schemas.openxmlformats.org/presentationml/2006/main" showMasterSp="0" showMasterPhAnim="0">
   <p:cSld>
     <p:spTree>
@@ -2017,7 +2163,7 @@
 </p:notes>
 </file>
 
-<file path=ppt/notesSlides/notesSlide17.xml><?xml version="1.0" encoding="utf-8"?>
+<file path=ppt/notesSlides/notesSlide18.xml><?xml version="1.0" encoding="utf-8"?>
 <p:notes xmlns:a="http://schemas.openxmlformats.org/drawingml/2006/main" xmlns:r="http://schemas.openxmlformats.org/officeDocument/2006/relationships" xmlns:p="http://schemas.openxmlformats.org/presentationml/2006/main" showMasterSp="0" showMasterPhAnim="0">
   <p:cSld>
     <p:spTree>
@@ -2162,7 +2308,7 @@
 </p:notes>
 </file>
 
-<file path=ppt/notesSlides/notesSlide18.xml><?xml version="1.0" encoding="utf-8"?>
+<file path=ppt/notesSlides/notesSlide19.xml><?xml version="1.0" encoding="utf-8"?>
 <p:notes xmlns:a="http://schemas.openxmlformats.org/drawingml/2006/main" xmlns:r="http://schemas.openxmlformats.org/officeDocument/2006/relationships" xmlns:p="http://schemas.openxmlformats.org/presentationml/2006/main" showMasterSp="0" showMasterPhAnim="0">
   <p:cSld>
     <p:spTree>
@@ -2307,7 +2453,129 @@
 </p:notes>
 </file>
 
-<file path=ppt/notesSlides/notesSlide19.xml><?xml version="1.0" encoding="utf-8"?>
+<file path=ppt/notesSlides/notesSlide2.xml><?xml version="1.0" encoding="utf-8"?>
+<p:notes xmlns:a="http://schemas.openxmlformats.org/drawingml/2006/main" xmlns:r="http://schemas.openxmlformats.org/officeDocument/2006/relationships" xmlns:p="http://schemas.openxmlformats.org/presentationml/2006/main" showMasterSp="0" showMasterPhAnim="0">
+  <p:cSld>
+    <p:spTree>
+      <p:nvGrpSpPr>
+        <p:cNvPr id="1" name="Shape 72"/>
+        <p:cNvGrpSpPr/>
+        <p:nvPr/>
+      </p:nvGrpSpPr>
+      <p:grpSpPr>
+        <a:xfrm>
+          <a:off x="0" y="0"/>
+          <a:ext cx="0" cy="0"/>
+          <a:chOff x="0" y="0"/>
+          <a:chExt cx="0" cy="0"/>
+        </a:xfrm>
+      </p:grpSpPr>
+      <p:sp>
+        <p:nvSpPr>
+          <p:cNvPr id="73" name="Google Shape;73;p3:notes"/>
+          <p:cNvSpPr>
+            <a:spLocks noGrp="1" noRot="1" noChangeAspect="1"/>
+          </p:cNvSpPr>
+          <p:nvPr>
+            <p:ph type="sldImg" idx="2"/>
+          </p:nvPr>
+        </p:nvSpPr>
+        <p:spPr>
+          <a:xfrm>
+            <a:off x="381000" y="685800"/>
+            <a:ext cx="6096000" cy="3429000"/>
+          </a:xfrm>
+          <a:custGeom>
+            <a:avLst/>
+            <a:gdLst/>
+            <a:ahLst/>
+            <a:cxnLst/>
+            <a:rect l="l" t="t" r="r" b="b"/>
+            <a:pathLst>
+              <a:path w="120000" h="120000" extrusionOk="0">
+                <a:moveTo>
+                  <a:pt x="0" y="0"/>
+                </a:moveTo>
+                <a:lnTo>
+                  <a:pt x="120000" y="0"/>
+                </a:lnTo>
+                <a:lnTo>
+                  <a:pt x="120000" y="120000"/>
+                </a:lnTo>
+                <a:lnTo>
+                  <a:pt x="0" y="120000"/>
+                </a:lnTo>
+                <a:close/>
+              </a:path>
+            </a:pathLst>
+          </a:custGeom>
+          <a:noFill/>
+          <a:ln w="9525" cap="flat" cmpd="sng">
+            <a:solidFill>
+              <a:srgbClr val="000000"/>
+            </a:solidFill>
+            <a:prstDash val="solid"/>
+            <a:round/>
+            <a:headEnd type="none" w="sm" len="sm"/>
+            <a:tailEnd type="none" w="sm" len="sm"/>
+          </a:ln>
+        </p:spPr>
+      </p:sp>
+      <p:sp>
+        <p:nvSpPr>
+          <p:cNvPr id="74" name="Google Shape;74;p3:notes"/>
+          <p:cNvSpPr txBox="1">
+            <a:spLocks noGrp="1"/>
+          </p:cNvSpPr>
+          <p:nvPr>
+            <p:ph type="body" idx="1"/>
+          </p:nvPr>
+        </p:nvSpPr>
+        <p:spPr>
+          <a:xfrm>
+            <a:off x="685800" y="4343400"/>
+            <a:ext cx="5486400" cy="4114800"/>
+          </a:xfrm>
+          <a:prstGeom prst="rect">
+            <a:avLst/>
+          </a:prstGeom>
+          <a:noFill/>
+          <a:ln>
+            <a:noFill/>
+          </a:ln>
+        </p:spPr>
+        <p:txBody>
+          <a:bodyPr spcFirstLastPara="1" wrap="square" lIns="91425" tIns="91425" rIns="91425" bIns="91425" anchor="t" anchorCtr="0">
+            <a:noAutofit/>
+          </a:bodyPr>
+          <a:lstStyle/>
+          <a:p>
+            <a:pPr marL="0" lvl="0" indent="0" algn="l" rtl="0">
+              <a:lnSpc>
+                <a:spcPct val="100000"/>
+              </a:lnSpc>
+              <a:spcBef>
+                <a:spcPts val="0"/>
+              </a:spcBef>
+              <a:spcAft>
+                <a:spcPts val="0"/>
+              </a:spcAft>
+              <a:buSzPts val="1100"/>
+              <a:buNone/>
+            </a:pPr>
+            <a:endParaRPr/>
+          </a:p>
+        </p:txBody>
+      </p:sp>
+    </p:spTree>
+  </p:cSld>
+  <p:clrMapOvr>
+    <a:masterClrMapping/>
+  </p:clrMapOvr>
+</p:notes>
+</file>
+
+<file path=ppt/notesSlides/notesSlide20.xml><?xml version="1.0" encoding="utf-8"?>
 <p:notes xmlns:a="http://schemas.openxmlformats.org/drawingml/2006/main" xmlns:r="http://schemas.openxmlformats.org/officeDocument/2006/relationships" xmlns:p="http://schemas.openxmlformats.org/presentationml/2006/main" showMasterSp="0" showMasterPhAnim="0">
   <p:cSld>
     <p:spTree>
@@ -2452,129 +2720,7 @@
 </p:notes>
 </file>
 
-<file path=ppt/notesSlides/notesSlide2.xml><?xml version="1.0" encoding="utf-8"?>
-<p:notes xmlns:a="http://schemas.openxmlformats.org/drawingml/2006/main" xmlns:r="http://schemas.openxmlformats.org/officeDocument/2006/relationships" xmlns:p="http://schemas.openxmlformats.org/presentationml/2006/main" showMasterSp="0" showMasterPhAnim="0">
-  <p:cSld>
-    <p:spTree>
-      <p:nvGrpSpPr>
-        <p:cNvPr id="1" name="Shape 72"/>
-        <p:cNvGrpSpPr/>
-        <p:nvPr/>
-      </p:nvGrpSpPr>
-      <p:grpSpPr>
-        <a:xfrm>
-          <a:off x="0" y="0"/>
-          <a:ext cx="0" cy="0"/>
-          <a:chOff x="0" y="0"/>
-          <a:chExt cx="0" cy="0"/>
-        </a:xfrm>
-      </p:grpSpPr>
-      <p:sp>
-        <p:nvSpPr>
-          <p:cNvPr id="73" name="Google Shape;73;p3:notes"/>
-          <p:cNvSpPr>
-            <a:spLocks noGrp="1" noRot="1" noChangeAspect="1"/>
-          </p:cNvSpPr>
-          <p:nvPr>
-            <p:ph type="sldImg" idx="2"/>
-          </p:nvPr>
-        </p:nvSpPr>
-        <p:spPr>
-          <a:xfrm>
-            <a:off x="381000" y="685800"/>
-            <a:ext cx="6096000" cy="3429000"/>
-          </a:xfrm>
-          <a:custGeom>
-            <a:avLst/>
-            <a:gdLst/>
-            <a:ahLst/>
-            <a:cxnLst/>
-            <a:rect l="l" t="t" r="r" b="b"/>
-            <a:pathLst>
-              <a:path w="120000" h="120000" extrusionOk="0">
-                <a:moveTo>
-                  <a:pt x="0" y="0"/>
-                </a:moveTo>
-                <a:lnTo>
-                  <a:pt x="120000" y="0"/>
-                </a:lnTo>
-                <a:lnTo>
-                  <a:pt x="120000" y="120000"/>
-                </a:lnTo>
-                <a:lnTo>
-                  <a:pt x="0" y="120000"/>
-                </a:lnTo>
-                <a:close/>
-              </a:path>
-            </a:pathLst>
-          </a:custGeom>
-          <a:noFill/>
-          <a:ln w="9525" cap="flat" cmpd="sng">
-            <a:solidFill>
-              <a:srgbClr val="000000"/>
-            </a:solidFill>
-            <a:prstDash val="solid"/>
-            <a:round/>
-            <a:headEnd type="none" w="sm" len="sm"/>
-            <a:tailEnd type="none" w="sm" len="sm"/>
-          </a:ln>
-        </p:spPr>
-      </p:sp>
-      <p:sp>
-        <p:nvSpPr>
-          <p:cNvPr id="74" name="Google Shape;74;p3:notes"/>
-          <p:cNvSpPr txBox="1">
-            <a:spLocks noGrp="1"/>
-          </p:cNvSpPr>
-          <p:nvPr>
-            <p:ph type="body" idx="1"/>
-          </p:nvPr>
-        </p:nvSpPr>
-        <p:spPr>
-          <a:xfrm>
-            <a:off x="685800" y="4343400"/>
-            <a:ext cx="5486400" cy="4114800"/>
-          </a:xfrm>
-          <a:prstGeom prst="rect">
-            <a:avLst/>
-          </a:prstGeom>
-          <a:noFill/>
-          <a:ln>
-            <a:noFill/>
-          </a:ln>
-        </p:spPr>
-        <p:txBody>
-          <a:bodyPr spcFirstLastPara="1" wrap="square" lIns="91425" tIns="91425" rIns="91425" bIns="91425" anchor="t" anchorCtr="0">
-            <a:noAutofit/>
-          </a:bodyPr>
-          <a:lstStyle/>
-          <a:p>
-            <a:pPr marL="0" lvl="0" indent="0" algn="l" rtl="0">
-              <a:lnSpc>
-                <a:spcPct val="100000"/>
-              </a:lnSpc>
-              <a:spcBef>
-                <a:spcPts val="0"/>
-              </a:spcBef>
-              <a:spcAft>
-                <a:spcPts val="0"/>
-              </a:spcAft>
-              <a:buSzPts val="1100"/>
-              <a:buNone/>
-            </a:pPr>
-            <a:endParaRPr/>
-          </a:p>
-        </p:txBody>
-      </p:sp>
-    </p:spTree>
-  </p:cSld>
-  <p:clrMapOvr>
-    <a:masterClrMapping/>
-  </p:clrMapOvr>
-</p:notes>
-</file>
-
-<file path=ppt/notesSlides/notesSlide20.xml><?xml version="1.0" encoding="utf-8"?>
+<file path=ppt/notesSlides/notesSlide21.xml><?xml version="1.0" encoding="utf-8"?>
 <p:notes xmlns:a="http://schemas.openxmlformats.org/drawingml/2006/main" xmlns:r="http://schemas.openxmlformats.org/officeDocument/2006/relationships" xmlns:p="http://schemas.openxmlformats.org/presentationml/2006/main" showMasterSp="0" showMasterPhAnim="0">
   <p:cSld>
     <p:spTree>
@@ -2719,7 +2865,7 @@
 </p:notes>
 </file>
 
-<file path=ppt/notesSlides/notesSlide21.xml><?xml version="1.0" encoding="utf-8"?>
+<file path=ppt/notesSlides/notesSlide22.xml><?xml version="1.0" encoding="utf-8"?>
 <p:notes xmlns:a="http://schemas.openxmlformats.org/drawingml/2006/main" xmlns:r="http://schemas.openxmlformats.org/officeDocument/2006/relationships" xmlns:p="http://schemas.openxmlformats.org/presentationml/2006/main" showMasterSp="0" showMasterPhAnim="0">
   <p:cSld>
     <p:spTree>
@@ -2864,7 +3010,7 @@
 </p:notes>
 </file>
 
-<file path=ppt/notesSlides/notesSlide22.xml><?xml version="1.0" encoding="utf-8"?>
+<file path=ppt/notesSlides/notesSlide23.xml><?xml version="1.0" encoding="utf-8"?>
 <p:notes xmlns:a="http://schemas.openxmlformats.org/drawingml/2006/main" xmlns:r="http://schemas.openxmlformats.org/officeDocument/2006/relationships" xmlns:p="http://schemas.openxmlformats.org/presentationml/2006/main" showMasterSp="0" showMasterPhAnim="0">
   <p:cSld>
     <p:spTree>
@@ -3627,6 +3773,151 @@
         <p:cNvPr id="1" name="Shape 102">
           <a:extLst>
             <a:ext uri="{FF2B5EF4-FFF2-40B4-BE49-F238E27FC236}">
+              <a16:creationId xmlns:a16="http://schemas.microsoft.com/office/drawing/2014/main" id="{190BAB49-75E0-E46C-5577-3C30C54CBA8A}"/>
+            </a:ext>
+          </a:extLst>
+        </p:cNvPr>
+        <p:cNvGrpSpPr/>
+        <p:nvPr/>
+      </p:nvGrpSpPr>
+      <p:grpSpPr>
+        <a:xfrm>
+          <a:off x="0" y="0"/>
+          <a:ext cx="0" cy="0"/>
+          <a:chOff x="0" y="0"/>
+          <a:chExt cx="0" cy="0"/>
+        </a:xfrm>
+      </p:grpSpPr>
+      <p:sp>
+        <p:nvSpPr>
+          <p:cNvPr id="103" name="Google Shape;103;g377f5a16067_0_17:notes">
+            <a:extLst>
+              <a:ext uri="{FF2B5EF4-FFF2-40B4-BE49-F238E27FC236}">
+                <a16:creationId xmlns:a16="http://schemas.microsoft.com/office/drawing/2014/main" id="{5B70F31C-56A0-1E7A-F100-A7948272CF70}"/>
+              </a:ext>
+            </a:extLst>
+          </p:cNvPr>
+          <p:cNvSpPr>
+            <a:spLocks noGrp="1" noRot="1" noChangeAspect="1"/>
+          </p:cNvSpPr>
+          <p:nvPr>
+            <p:ph type="sldImg" idx="2"/>
+          </p:nvPr>
+        </p:nvSpPr>
+        <p:spPr>
+          <a:xfrm>
+            <a:off x="381000" y="685800"/>
+            <a:ext cx="6096000" cy="3429000"/>
+          </a:xfrm>
+          <a:custGeom>
+            <a:avLst/>
+            <a:gdLst/>
+            <a:ahLst/>
+            <a:cxnLst/>
+            <a:rect l="l" t="t" r="r" b="b"/>
+            <a:pathLst>
+              <a:path w="120000" h="120000" extrusionOk="0">
+                <a:moveTo>
+                  <a:pt x="0" y="0"/>
+                </a:moveTo>
+                <a:lnTo>
+                  <a:pt x="120000" y="0"/>
+                </a:lnTo>
+                <a:lnTo>
+                  <a:pt x="120000" y="120000"/>
+                </a:lnTo>
+                <a:lnTo>
+                  <a:pt x="0" y="120000"/>
+                </a:lnTo>
+                <a:close/>
+              </a:path>
+            </a:pathLst>
+          </a:custGeom>
+          <a:noFill/>
+          <a:ln w="9525" cap="flat" cmpd="sng">
+            <a:solidFill>
+              <a:srgbClr val="000000"/>
+            </a:solidFill>
+            <a:prstDash val="solid"/>
+            <a:round/>
+            <a:headEnd type="none" w="sm" len="sm"/>
+            <a:tailEnd type="none" w="sm" len="sm"/>
+          </a:ln>
+        </p:spPr>
+      </p:sp>
+      <p:sp>
+        <p:nvSpPr>
+          <p:cNvPr id="104" name="Google Shape;104;g377f5a16067_0_17:notes">
+            <a:extLst>
+              <a:ext uri="{FF2B5EF4-FFF2-40B4-BE49-F238E27FC236}">
+                <a16:creationId xmlns:a16="http://schemas.microsoft.com/office/drawing/2014/main" id="{7D32C627-EA9B-D1A0-7758-023B5A9C031C}"/>
+              </a:ext>
+            </a:extLst>
+          </p:cNvPr>
+          <p:cNvSpPr txBox="1">
+            <a:spLocks noGrp="1"/>
+          </p:cNvSpPr>
+          <p:nvPr>
+            <p:ph type="body" idx="1"/>
+          </p:nvPr>
+        </p:nvSpPr>
+        <p:spPr>
+          <a:xfrm>
+            <a:off x="685800" y="4343400"/>
+            <a:ext cx="5486400" cy="4114800"/>
+          </a:xfrm>
+          <a:prstGeom prst="rect">
+            <a:avLst/>
+          </a:prstGeom>
+          <a:noFill/>
+          <a:ln>
+            <a:noFill/>
+          </a:ln>
+        </p:spPr>
+        <p:txBody>
+          <a:bodyPr spcFirstLastPara="1" wrap="square" lIns="91425" tIns="91425" rIns="91425" bIns="91425" anchor="t" anchorCtr="0">
+            <a:noAutofit/>
+          </a:bodyPr>
+          <a:lstStyle/>
+          <a:p>
+            <a:pPr marL="0" lvl="0" indent="0" algn="l" rtl="0">
+              <a:lnSpc>
+                <a:spcPct val="100000"/>
+              </a:lnSpc>
+              <a:spcBef>
+                <a:spcPts val="0"/>
+              </a:spcBef>
+              <a:spcAft>
+                <a:spcPts val="0"/>
+              </a:spcAft>
+              <a:buSzPts val="1100"/>
+              <a:buNone/>
+            </a:pPr>
+            <a:endParaRPr/>
+          </a:p>
+        </p:txBody>
+      </p:sp>
+    </p:spTree>
+    <p:extLst>
+      <p:ext uri="{BB962C8B-B14F-4D97-AF65-F5344CB8AC3E}">
+        <p14:creationId xmlns:p14="http://schemas.microsoft.com/office/powerpoint/2010/main" val="303992076"/>
+      </p:ext>
+    </p:extLst>
+  </p:cSld>
+  <p:clrMapOvr>
+    <a:masterClrMapping/>
+  </p:clrMapOvr>
+</p:notes>
+</file>
+
+<file path=ppt/notesSlides/notesSlide9.xml><?xml version="1.0" encoding="utf-8"?>
+<p:notes xmlns:a="http://schemas.openxmlformats.org/drawingml/2006/main" xmlns:r="http://schemas.openxmlformats.org/officeDocument/2006/relationships" xmlns:p="http://schemas.openxmlformats.org/presentationml/2006/main" showMasterSp="0" showMasterPhAnim="0">
+  <p:cSld>
+    <p:spTree>
+      <p:nvGrpSpPr>
+        <p:cNvPr id="1" name="Shape 102">
+          <a:extLst>
+            <a:ext uri="{FF2B5EF4-FFF2-40B4-BE49-F238E27FC236}">
               <a16:creationId xmlns:a16="http://schemas.microsoft.com/office/drawing/2014/main" id="{54D51549-1319-EEAC-DA14-E16AE0403DE8}"/>
             </a:ext>
           </a:extLst>
@@ -3757,172 +4048,6 @@
         <p14:creationId xmlns:p14="http://schemas.microsoft.com/office/powerpoint/2010/main" val="773716358"/>
       </p:ext>
     </p:extLst>
-  </p:cSld>
-  <p:clrMapOvr>
-    <a:masterClrMapping/>
-  </p:clrMapOvr>
-</p:notes>
-</file>
-
-<file path=ppt/notesSlides/notesSlide9.xml><?xml version="1.0" encoding="utf-8"?>
-<p:notes xmlns:a="http://schemas.openxmlformats.org/drawingml/2006/main" xmlns:r="http://schemas.openxmlformats.org/officeDocument/2006/relationships" xmlns:p="http://schemas.openxmlformats.org/presentationml/2006/main" showMasterSp="0" showMasterPhAnim="0">
-  <p:cSld>
-    <p:spTree>
-      <p:nvGrpSpPr>
-        <p:cNvPr id="1" name="Shape 238"/>
-        <p:cNvGrpSpPr/>
-        <p:nvPr/>
-      </p:nvGrpSpPr>
-      <p:grpSpPr>
-        <a:xfrm>
-          <a:off x="0" y="0"/>
-          <a:ext cx="0" cy="0"/>
-          <a:chOff x="0" y="0"/>
-          <a:chExt cx="0" cy="0"/>
-        </a:xfrm>
-      </p:grpSpPr>
-      <p:sp>
-        <p:nvSpPr>
-          <p:cNvPr id="239" name="Google Shape;239;g2afa511e966_0_39:notes"/>
-          <p:cNvSpPr>
-            <a:spLocks noGrp="1" noRot="1" noChangeAspect="1"/>
-          </p:cNvSpPr>
-          <p:nvPr>
-            <p:ph type="sldImg" idx="2"/>
-          </p:nvPr>
-        </p:nvSpPr>
-        <p:spPr>
-          <a:xfrm>
-            <a:off x="381000" y="685800"/>
-            <a:ext cx="6096000" cy="3429000"/>
-          </a:xfrm>
-          <a:custGeom>
-            <a:avLst/>
-            <a:gdLst/>
-            <a:ahLst/>
-            <a:cxnLst/>
-            <a:rect l="l" t="t" r="r" b="b"/>
-            <a:pathLst>
-              <a:path w="120000" h="120000" extrusionOk="0">
-                <a:moveTo>
-                  <a:pt x="0" y="0"/>
-                </a:moveTo>
-                <a:lnTo>
-                  <a:pt x="120000" y="0"/>
-                </a:lnTo>
-                <a:lnTo>
-                  <a:pt x="120000" y="120000"/>
-                </a:lnTo>
-                <a:lnTo>
-                  <a:pt x="0" y="120000"/>
-                </a:lnTo>
-                <a:close/>
-              </a:path>
-            </a:pathLst>
-          </a:custGeom>
-          <a:noFill/>
-          <a:ln w="9525" cap="flat" cmpd="sng">
-            <a:solidFill>
-              <a:srgbClr val="000000"/>
-            </a:solidFill>
-            <a:prstDash val="solid"/>
-            <a:round/>
-            <a:headEnd type="none" w="sm" len="sm"/>
-            <a:tailEnd type="none" w="sm" len="sm"/>
-          </a:ln>
-        </p:spPr>
-      </p:sp>
-      <p:sp>
-        <p:nvSpPr>
-          <p:cNvPr id="240" name="Google Shape;240;g2afa511e966_0_39:notes"/>
-          <p:cNvSpPr txBox="1">
-            <a:spLocks noGrp="1"/>
-          </p:cNvSpPr>
-          <p:nvPr>
-            <p:ph type="body" idx="1"/>
-          </p:nvPr>
-        </p:nvSpPr>
-        <p:spPr>
-          <a:xfrm>
-            <a:off x="685800" y="4343400"/>
-            <a:ext cx="5486400" cy="4114800"/>
-          </a:xfrm>
-          <a:prstGeom prst="rect">
-            <a:avLst/>
-          </a:prstGeom>
-          <a:noFill/>
-          <a:ln>
-            <a:noFill/>
-          </a:ln>
-        </p:spPr>
-        <p:txBody>
-          <a:bodyPr spcFirstLastPara="1" wrap="square" lIns="91425" tIns="91425" rIns="91425" bIns="91425" anchor="t" anchorCtr="0">
-            <a:noAutofit/>
-          </a:bodyPr>
-          <a:lstStyle/>
-          <a:p>
-            <a:pPr marL="0" lvl="0" indent="0" algn="l" rtl="0">
-              <a:lnSpc>
-                <a:spcPct val="100000"/>
-              </a:lnSpc>
-              <a:spcBef>
-                <a:spcPts val="0"/>
-              </a:spcBef>
-              <a:spcAft>
-                <a:spcPts val="0"/>
-              </a:spcAft>
-              <a:buSzPts val="1100"/>
-              <a:buNone/>
-            </a:pPr>
-            <a:r>
-              <a:rPr lang="en"/>
-              <a:t>Two database:</a:t>
-            </a:r>
-            <a:endParaRPr/>
-          </a:p>
-          <a:p>
-            <a:pPr marL="457200" lvl="0" indent="-298450" algn="l" rtl="0">
-              <a:lnSpc>
-                <a:spcPct val="100000"/>
-              </a:lnSpc>
-              <a:spcBef>
-                <a:spcPts val="0"/>
-              </a:spcBef>
-              <a:spcAft>
-                <a:spcPts val="0"/>
-              </a:spcAft>
-              <a:buSzPts val="1100"/>
-              <a:buAutoNum type="arabicPeriod"/>
-            </a:pPr>
-            <a:r>
-              <a:rPr lang="en"/>
-              <a:t>Text database</a:t>
-            </a:r>
-            <a:endParaRPr/>
-          </a:p>
-          <a:p>
-            <a:pPr marL="457200" lvl="0" indent="-298450" algn="l" rtl="0">
-              <a:lnSpc>
-                <a:spcPct val="100000"/>
-              </a:lnSpc>
-              <a:spcBef>
-                <a:spcPts val="0"/>
-              </a:spcBef>
-              <a:spcAft>
-                <a:spcPts val="0"/>
-              </a:spcAft>
-              <a:buSzPts val="1100"/>
-              <a:buAutoNum type="arabicPeriod"/>
-            </a:pPr>
-            <a:r>
-              <a:rPr lang="en"/>
-              <a:t>Code database</a:t>
-            </a:r>
-            <a:endParaRPr/>
-          </a:p>
-        </p:txBody>
-      </p:sp>
-    </p:spTree>
   </p:cSld>
   <p:clrMapOvr>
     <a:masterClrMapping/>
@@ -12415,10 +12540,10 @@
       </p:sp>
       <p:pic>
         <p:nvPicPr>
-          <p:cNvPr id="3" name="图片 2">
+          <p:cNvPr id="4" name="图片 3">
             <a:extLst>
               <a:ext uri="{FF2B5EF4-FFF2-40B4-BE49-F238E27FC236}">
-                <a16:creationId xmlns:a16="http://schemas.microsoft.com/office/drawing/2014/main" id="{8FA3BEB1-B8CD-6194-512A-375AE63B2C72}"/>
+                <a16:creationId xmlns:a16="http://schemas.microsoft.com/office/drawing/2014/main" id="{3AFC94ED-72D6-4061-0D83-F5C56EEBC2F2}"/>
               </a:ext>
             </a:extLst>
           </p:cNvPr>
@@ -12435,14 +12560,102 @@
         </p:blipFill>
         <p:spPr>
           <a:xfrm>
-            <a:off x="1100738" y="806359"/>
-            <a:ext cx="6744047" cy="3530781"/>
+            <a:off x="1212111" y="839444"/>
+            <a:ext cx="6897317" cy="3640112"/>
           </a:xfrm>
           <a:prstGeom prst="rect">
             <a:avLst/>
           </a:prstGeom>
         </p:spPr>
       </p:pic>
+      <p:sp>
+        <p:nvSpPr>
+          <p:cNvPr id="5" name="文本框 4">
+            <a:extLst>
+              <a:ext uri="{FF2B5EF4-FFF2-40B4-BE49-F238E27FC236}">
+                <a16:creationId xmlns:a16="http://schemas.microsoft.com/office/drawing/2014/main" id="{80DEA9B7-25BC-6618-B102-F6E913D07C28}"/>
+              </a:ext>
+            </a:extLst>
+          </p:cNvPr>
+          <p:cNvSpPr txBox="1"/>
+          <p:nvPr/>
+        </p:nvSpPr>
+        <p:spPr>
+          <a:xfrm>
+            <a:off x="2823185" y="4479556"/>
+            <a:ext cx="1748815" cy="307777"/>
+          </a:xfrm>
+          <a:prstGeom prst="rect">
+            <a:avLst/>
+          </a:prstGeom>
+          <a:noFill/>
+        </p:spPr>
+        <p:txBody>
+          <a:bodyPr wrap="square">
+            <a:spAutoFit/>
+          </a:bodyPr>
+          <a:lstStyle/>
+          <a:p>
+            <a:r>
+              <a:rPr lang="en-US" altLang="zh-CN" b="1" dirty="0">
+                <a:solidFill>
+                  <a:srgbClr val="C00000"/>
+                </a:solidFill>
+              </a:rPr>
+              <a:t>Retrieval Path 2</a:t>
+            </a:r>
+            <a:endParaRPr lang="zh-CN" altLang="en-US" dirty="0">
+              <a:solidFill>
+                <a:srgbClr val="C00000"/>
+              </a:solidFill>
+            </a:endParaRPr>
+          </a:p>
+        </p:txBody>
+      </p:sp>
+      <p:sp>
+        <p:nvSpPr>
+          <p:cNvPr id="6" name="文本框 5">
+            <a:extLst>
+              <a:ext uri="{FF2B5EF4-FFF2-40B4-BE49-F238E27FC236}">
+                <a16:creationId xmlns:a16="http://schemas.microsoft.com/office/drawing/2014/main" id="{F1ACD30C-84AA-6D72-280A-633149C2D245}"/>
+              </a:ext>
+            </a:extLst>
+          </p:cNvPr>
+          <p:cNvSpPr txBox="1"/>
+          <p:nvPr/>
+        </p:nvSpPr>
+        <p:spPr>
+          <a:xfrm>
+            <a:off x="3308739" y="591584"/>
+            <a:ext cx="1748815" cy="307777"/>
+          </a:xfrm>
+          <a:prstGeom prst="rect">
+            <a:avLst/>
+          </a:prstGeom>
+          <a:noFill/>
+        </p:spPr>
+        <p:txBody>
+          <a:bodyPr wrap="square">
+            <a:spAutoFit/>
+          </a:bodyPr>
+          <a:lstStyle/>
+          <a:p>
+            <a:r>
+              <a:rPr lang="en-US" altLang="zh-CN" b="1" dirty="0">
+                <a:solidFill>
+                  <a:srgbClr val="0070C0"/>
+                </a:solidFill>
+              </a:rPr>
+              <a:t>Retrieval Path 1</a:t>
+            </a:r>
+            <a:endParaRPr lang="zh-CN" altLang="en-US" dirty="0">
+              <a:solidFill>
+                <a:srgbClr val="0070C0"/>
+              </a:solidFill>
+            </a:endParaRPr>
+          </a:p>
+        </p:txBody>
+      </p:sp>
     </p:spTree>
     <p:extLst>
       <p:ext uri="{BB962C8B-B14F-4D97-AF65-F5344CB8AC3E}">
@@ -12464,7 +12677,7 @@
         <p:cNvPr id="1" name="Shape 105">
           <a:extLst>
             <a:ext uri="{FF2B5EF4-FFF2-40B4-BE49-F238E27FC236}">
-              <a16:creationId xmlns:a16="http://schemas.microsoft.com/office/drawing/2014/main" id="{0C0E3A13-C5B2-118A-B899-9ED4D256E649}"/>
+              <a16:creationId xmlns:a16="http://schemas.microsoft.com/office/drawing/2014/main" id="{610A4A3E-F290-DA34-E3CE-D19ACAD44D9F}"/>
             </a:ext>
           </a:extLst>
         </p:cNvPr>
@@ -12484,7 +12697,7 @@
           <p:cNvPr id="107" name="Google Shape;107;g377f5a16067_0_17">
             <a:extLst>
               <a:ext uri="{FF2B5EF4-FFF2-40B4-BE49-F238E27FC236}">
-                <a16:creationId xmlns:a16="http://schemas.microsoft.com/office/drawing/2014/main" id="{317EF766-632A-E303-C5D6-186855FB5034}"/>
+                <a16:creationId xmlns:a16="http://schemas.microsoft.com/office/drawing/2014/main" id="{49E60D98-EF1D-43CD-17BB-881B78C890DD}"/>
               </a:ext>
             </a:extLst>
           </p:cNvPr>
@@ -12540,7 +12753,7 @@
           <p:cNvPr id="108" name="Google Shape;108;g377f5a16067_0_17">
             <a:extLst>
               <a:ext uri="{FF2B5EF4-FFF2-40B4-BE49-F238E27FC236}">
-                <a16:creationId xmlns:a16="http://schemas.microsoft.com/office/drawing/2014/main" id="{60505058-07C6-F25B-5D31-8C58B8CC9370}"/>
+                <a16:creationId xmlns:a16="http://schemas.microsoft.com/office/drawing/2014/main" id="{58C14FB7-CBF1-F4B1-350A-E0CA6DFA48AB}"/>
               </a:ext>
             </a:extLst>
           </p:cNvPr>
@@ -12572,31 +12785,31 @@
           <a:p>
             <a:pPr lvl="0"/>
             <a:r>
-              <a:rPr lang="en-GB" altLang="zh-CN" sz="2000" dirty="0"/>
+              <a:rPr lang="en-GB" altLang="zh-CN" dirty="0"/>
               <a:t>Customized RAG Framework</a:t>
             </a:r>
             <a:r>
-              <a:rPr lang="en-US" altLang="zh-CN" sz="2000" dirty="0"/>
+              <a:rPr lang="en-US" altLang="zh-CN" dirty="0"/>
               <a:t>:</a:t>
             </a:r>
             <a:r>
-              <a:rPr lang="zh-CN" altLang="en-US" sz="2000" dirty="0"/>
+              <a:rPr lang="zh-CN" altLang="en-US" dirty="0"/>
               <a:t> </a:t>
             </a:r>
             <a:r>
-              <a:rPr lang="en-US" altLang="zh-CN" sz="2000" dirty="0"/>
-              <a:t>Overall Flow</a:t>
+              <a:rPr lang="en-US" altLang="zh-CN" dirty="0"/>
+              <a:t>Rechecking</a:t>
             </a:r>
-            <a:endParaRPr sz="2000" dirty="0"/>
+            <a:endParaRPr dirty="0"/>
           </a:p>
         </p:txBody>
       </p:sp>
       <p:pic>
         <p:nvPicPr>
-          <p:cNvPr id="4" name="图片 3">
+          <p:cNvPr id="3" name="图片 2">
             <a:extLst>
               <a:ext uri="{FF2B5EF4-FFF2-40B4-BE49-F238E27FC236}">
-                <a16:creationId xmlns:a16="http://schemas.microsoft.com/office/drawing/2014/main" id="{17EE209C-721B-FA15-F8C6-E7CA5E8FC868}"/>
+                <a16:creationId xmlns:a16="http://schemas.microsoft.com/office/drawing/2014/main" id="{3586753B-F552-8C53-45F7-62CA908D8BFC}"/>
               </a:ext>
             </a:extLst>
           </p:cNvPr>
@@ -12613,8 +12826,8 @@
         </p:blipFill>
         <p:spPr>
           <a:xfrm>
-            <a:off x="1092021" y="880383"/>
-            <a:ext cx="6790249" cy="3382733"/>
+            <a:off x="1746213" y="913990"/>
+            <a:ext cx="5651574" cy="3315520"/>
           </a:xfrm>
           <a:prstGeom prst="rect">
             <a:avLst/>
@@ -12624,7 +12837,7 @@
     </p:spTree>
     <p:extLst>
       <p:ext uri="{BB962C8B-B14F-4D97-AF65-F5344CB8AC3E}">
-        <p14:creationId xmlns:p14="http://schemas.microsoft.com/office/powerpoint/2010/main" val="2340852419"/>
+        <p14:creationId xmlns:p14="http://schemas.microsoft.com/office/powerpoint/2010/main" val="653013808"/>
       </p:ext>
     </p:extLst>
   </p:cSld>
@@ -12757,12 +12970,67 @@
           </a:p>
         </p:txBody>
       </p:sp>
+      <p:sp>
+        <p:nvSpPr>
+          <p:cNvPr id="5" name="文本框 4">
+            <a:extLst>
+              <a:ext uri="{FF2B5EF4-FFF2-40B4-BE49-F238E27FC236}">
+                <a16:creationId xmlns:a16="http://schemas.microsoft.com/office/drawing/2014/main" id="{608FA144-20E0-BD63-17A1-FF942FA8425F}"/>
+              </a:ext>
+            </a:extLst>
+          </p:cNvPr>
+          <p:cNvSpPr txBox="1"/>
+          <p:nvPr/>
+        </p:nvSpPr>
+        <p:spPr>
+          <a:xfrm>
+            <a:off x="2078666" y="3512440"/>
+            <a:ext cx="4582632" cy="307777"/>
+          </a:xfrm>
+          <a:prstGeom prst="rect">
+            <a:avLst/>
+          </a:prstGeom>
+          <a:noFill/>
+        </p:spPr>
+        <p:txBody>
+          <a:bodyPr wrap="square">
+            <a:spAutoFit/>
+          </a:bodyPr>
+          <a:lstStyle>
+            <a:defPPr marR="0" lvl="0" algn="l" rtl="0">
+              <a:lnSpc>
+                <a:spcPct val="100000"/>
+              </a:lnSpc>
+              <a:spcBef>
+                <a:spcPts val="0"/>
+              </a:spcBef>
+              <a:spcAft>
+                <a:spcPts val="0"/>
+              </a:spcAft>
+            </a:defPPr>
+            <a:lvl1pPr algn="ctr">
+              <a:defRPr b="1">
+                <a:solidFill>
+                  <a:schemeClr val="bg2"/>
+                </a:solidFill>
+              </a:defRPr>
+            </a:lvl1pPr>
+          </a:lstStyle>
+          <a:p>
+            <a:r>
+              <a:rPr lang="en-US" altLang="zh-CN" dirty="0"/>
+              <a:t>Four layers of an example concurrent assertion.</a:t>
+            </a:r>
+            <a:endParaRPr lang="zh-CN" altLang="en-US" dirty="0"/>
+          </a:p>
+        </p:txBody>
+      </p:sp>
       <p:pic>
         <p:nvPicPr>
-          <p:cNvPr id="3" name="图片 2">
+          <p:cNvPr id="2" name="图片 1">
             <a:extLst>
               <a:ext uri="{FF2B5EF4-FFF2-40B4-BE49-F238E27FC236}">
-                <a16:creationId xmlns:a16="http://schemas.microsoft.com/office/drawing/2014/main" id="{DA3AEF85-C0AE-D9DD-1D09-C5370F6F30A9}"/>
+                <a16:creationId xmlns:a16="http://schemas.microsoft.com/office/drawing/2014/main" id="{043DA751-E1A6-E557-89B7-8A2C1B53B446}"/>
               </a:ext>
             </a:extLst>
           </p:cNvPr>
@@ -12779,8 +13047,8 @@
         </p:blipFill>
         <p:spPr>
           <a:xfrm>
-            <a:off x="1107445" y="1325775"/>
-            <a:ext cx="3032164" cy="1245975"/>
+            <a:off x="2142348" y="1325775"/>
+            <a:ext cx="4223010" cy="1735317"/>
           </a:xfrm>
           <a:prstGeom prst="rect">
             <a:avLst/>
@@ -12789,10 +13057,56 @@
       </p:pic>
       <p:sp>
         <p:nvSpPr>
-          <p:cNvPr id="5" name="文本框 4">
+          <p:cNvPr id="4" name="矩形 3">
             <a:extLst>
               <a:ext uri="{FF2B5EF4-FFF2-40B4-BE49-F238E27FC236}">
-                <a16:creationId xmlns:a16="http://schemas.microsoft.com/office/drawing/2014/main" id="{608FA144-20E0-BD63-17A1-FF942FA8425F}"/>
+                <a16:creationId xmlns:a16="http://schemas.microsoft.com/office/drawing/2014/main" id="{34427588-8609-5652-E324-D0258FF5F854}"/>
+              </a:ext>
+            </a:extLst>
+          </p:cNvPr>
+          <p:cNvSpPr/>
+          <p:nvPr/>
+        </p:nvSpPr>
+        <p:spPr>
+          <a:xfrm>
+            <a:off x="1572354" y="2340888"/>
+            <a:ext cx="5710605" cy="833710"/>
+          </a:xfrm>
+          <a:prstGeom prst="rect">
+            <a:avLst/>
+          </a:prstGeom>
+        </p:spPr>
+        <p:style>
+          <a:lnRef idx="2">
+            <a:schemeClr val="accent1">
+              <a:shade val="15000"/>
+            </a:schemeClr>
+          </a:lnRef>
+          <a:fillRef idx="1">
+            <a:schemeClr val="accent1"/>
+          </a:fillRef>
+          <a:effectRef idx="0">
+            <a:schemeClr val="accent1"/>
+          </a:effectRef>
+          <a:fontRef idx="minor">
+            <a:schemeClr val="lt1"/>
+          </a:fontRef>
+        </p:style>
+        <p:txBody>
+          <a:bodyPr rtlCol="0" anchor="ctr"/>
+          <a:lstStyle/>
+          <a:p>
+            <a:pPr algn="ctr"/>
+            <a:endParaRPr lang="zh-CN" altLang="en-US" sz="2400"/>
+          </a:p>
+        </p:txBody>
+      </p:sp>
+      <p:sp>
+        <p:nvSpPr>
+          <p:cNvPr id="6" name="文本框 5">
+            <a:extLst>
+              <a:ext uri="{FF2B5EF4-FFF2-40B4-BE49-F238E27FC236}">
+                <a16:creationId xmlns:a16="http://schemas.microsoft.com/office/drawing/2014/main" id="{DCA956F7-E9D3-E4A0-FD73-8663F24005C7}"/>
               </a:ext>
             </a:extLst>
           </p:cNvPr>
@@ -12801,8 +13115,8 @@
         </p:nvSpPr>
         <p:spPr>
           <a:xfrm>
-            <a:off x="795671" y="3160677"/>
-            <a:ext cx="4582632" cy="954107"/>
+            <a:off x="1855892" y="2498558"/>
+            <a:ext cx="5178422" cy="461665"/>
           </a:xfrm>
           <a:prstGeom prst="rect">
             <a:avLst/>
@@ -12815,82 +13129,23 @@
           </a:bodyPr>
           <a:lstStyle/>
           <a:p>
-            <a:pPr algn="l"/>
+            <a:pPr algn="ctr"/>
             <a:r>
-              <a:rPr lang="en-US" altLang="zh-CN" sz="1400" b="0" i="0" u="none" strike="noStrike" baseline="0" dirty="0">
-                <a:latin typeface="+mj-lt"/>
+              <a:rPr lang="en-US" altLang="zh-CN" sz="2400" b="1" i="1" dirty="0">
+                <a:solidFill>
+                  <a:schemeClr val="bg1"/>
+                </a:solidFill>
               </a:rPr>
-              <a:t>for every rising edge of the clock at which a given reference signal </a:t>
+              <a:t>SVA Construction: Layer-by-Layer</a:t>
             </a:r>
-            <a:r>
-              <a:rPr lang="en-US" altLang="zh-CN" sz="1400" b="0" i="0" u="none" strike="noStrike" baseline="0" dirty="0" err="1">
-                <a:latin typeface="+mj-lt"/>
-              </a:rPr>
-              <a:t>refSig</a:t>
-            </a:r>
-            <a:r>
-              <a:rPr lang="en-US" altLang="zh-CN" sz="1400" b="0" i="0" u="none" strike="noStrike" baseline="0" dirty="0">
-                <a:latin typeface="+mj-lt"/>
-              </a:rPr>
-              <a:t> is true, the stable-value check</a:t>
-            </a:r>
-          </a:p>
-          <a:p>
-            <a:pPr algn="l"/>
-            <a:r>
-              <a:rPr lang="en-US" altLang="zh-CN" sz="1400" b="0" i="0" u="none" strike="noStrike" baseline="0" dirty="0">
-                <a:latin typeface="+mj-lt"/>
-              </a:rPr>
-              <a:t>on another signal </a:t>
-            </a:r>
-            <a:r>
-              <a:rPr lang="en-US" altLang="zh-CN" sz="1400" b="0" i="0" u="none" strike="noStrike" baseline="0" dirty="0" err="1">
-                <a:latin typeface="+mj-lt"/>
-              </a:rPr>
-              <a:t>StableSig</a:t>
-            </a:r>
-            <a:r>
-              <a:rPr lang="en-US" altLang="zh-CN" sz="1400" b="0" i="0" u="none" strike="noStrike" baseline="0" dirty="0">
-                <a:latin typeface="+mj-lt"/>
-              </a:rPr>
-              <a:t> succeeds in that same cycle.</a:t>
-            </a:r>
-            <a:endParaRPr lang="zh-CN" altLang="en-US" dirty="0">
-              <a:latin typeface="+mj-lt"/>
+            <a:endParaRPr lang="zh-CN" altLang="en-US" sz="2400" b="1" i="1" dirty="0">
+              <a:solidFill>
+                <a:schemeClr val="bg1"/>
+              </a:solidFill>
             </a:endParaRPr>
           </a:p>
         </p:txBody>
       </p:sp>
-      <p:pic>
-        <p:nvPicPr>
-          <p:cNvPr id="7" name="图片 6">
-            <a:extLst>
-              <a:ext uri="{FF2B5EF4-FFF2-40B4-BE49-F238E27FC236}">
-                <a16:creationId xmlns:a16="http://schemas.microsoft.com/office/drawing/2014/main" id="{E1F9A9D7-15DC-1E7A-C786-AD8A3C50A853}"/>
-              </a:ext>
-            </a:extLst>
-          </p:cNvPr>
-          <p:cNvPicPr>
-            <a:picLocks noChangeAspect="1"/>
-          </p:cNvPicPr>
-          <p:nvPr/>
-        </p:nvPicPr>
-        <p:blipFill>
-          <a:blip r:embed="rId4"/>
-          <a:stretch>
-            <a:fillRect/>
-          </a:stretch>
-        </p:blipFill>
-        <p:spPr>
-          <a:xfrm>
-            <a:off x="5777023" y="682764"/>
-            <a:ext cx="2977305" cy="3953471"/>
-          </a:xfrm>
-          <a:prstGeom prst="rect">
-            <a:avLst/>
-          </a:prstGeom>
-        </p:spPr>
-      </p:pic>
     </p:spTree>
     <p:extLst>
       <p:ext uri="{BB962C8B-B14F-4D97-AF65-F5344CB8AC3E}">
@@ -12901,10 +13156,847 @@
   <p:clrMapOvr>
     <a:masterClrMapping/>
   </p:clrMapOvr>
+  <p:timing>
+    <p:tnLst>
+      <p:par>
+        <p:cTn id="1" dur="indefinite" restart="never" nodeType="tmRoot">
+          <p:childTnLst>
+            <p:seq concurrent="1" nextAc="seek">
+              <p:cTn id="2" dur="indefinite" nodeType="mainSeq">
+                <p:childTnLst>
+                  <p:par>
+                    <p:cTn id="3" fill="hold">
+                      <p:stCondLst>
+                        <p:cond delay="indefinite"/>
+                      </p:stCondLst>
+                      <p:childTnLst>
+                        <p:par>
+                          <p:cTn id="4" fill="hold">
+                            <p:stCondLst>
+                              <p:cond delay="0"/>
+                            </p:stCondLst>
+                            <p:childTnLst>
+                              <p:par>
+                                <p:cTn id="5" presetID="10" presetClass="entr" presetSubtype="0" fill="hold" grpId="0" nodeType="clickEffect">
+                                  <p:stCondLst>
+                                    <p:cond delay="0"/>
+                                  </p:stCondLst>
+                                  <p:childTnLst>
+                                    <p:set>
+                                      <p:cBhvr>
+                                        <p:cTn id="6" dur="1" fill="hold">
+                                          <p:stCondLst>
+                                            <p:cond delay="0"/>
+                                          </p:stCondLst>
+                                        </p:cTn>
+                                        <p:tgtEl>
+                                          <p:spTgt spid="4"/>
+                                        </p:tgtEl>
+                                        <p:attrNameLst>
+                                          <p:attrName>style.visibility</p:attrName>
+                                        </p:attrNameLst>
+                                      </p:cBhvr>
+                                      <p:to>
+                                        <p:strVal val="visible"/>
+                                      </p:to>
+                                    </p:set>
+                                    <p:animEffect transition="in" filter="fade">
+                                      <p:cBhvr>
+                                        <p:cTn id="7" dur="500"/>
+                                        <p:tgtEl>
+                                          <p:spTgt spid="4"/>
+                                        </p:tgtEl>
+                                      </p:cBhvr>
+                                    </p:animEffect>
+                                  </p:childTnLst>
+                                </p:cTn>
+                              </p:par>
+                              <p:par>
+                                <p:cTn id="8" presetID="10" presetClass="entr" presetSubtype="0" fill="hold" grpId="0" nodeType="withEffect">
+                                  <p:stCondLst>
+                                    <p:cond delay="0"/>
+                                  </p:stCondLst>
+                                  <p:childTnLst>
+                                    <p:set>
+                                      <p:cBhvr>
+                                        <p:cTn id="9" dur="1" fill="hold">
+                                          <p:stCondLst>
+                                            <p:cond delay="0"/>
+                                          </p:stCondLst>
+                                        </p:cTn>
+                                        <p:tgtEl>
+                                          <p:spTgt spid="6"/>
+                                        </p:tgtEl>
+                                        <p:attrNameLst>
+                                          <p:attrName>style.visibility</p:attrName>
+                                        </p:attrNameLst>
+                                      </p:cBhvr>
+                                      <p:to>
+                                        <p:strVal val="visible"/>
+                                      </p:to>
+                                    </p:set>
+                                    <p:animEffect transition="in" filter="fade">
+                                      <p:cBhvr>
+                                        <p:cTn id="10" dur="500"/>
+                                        <p:tgtEl>
+                                          <p:spTgt spid="6"/>
+                                        </p:tgtEl>
+                                      </p:cBhvr>
+                                    </p:animEffect>
+                                  </p:childTnLst>
+                                </p:cTn>
+                              </p:par>
+                            </p:childTnLst>
+                          </p:cTn>
+                        </p:par>
+                      </p:childTnLst>
+                    </p:cTn>
+                  </p:par>
+                </p:childTnLst>
+              </p:cTn>
+              <p:prevCondLst>
+                <p:cond evt="onPrev" delay="0">
+                  <p:tgtEl>
+                    <p:sldTgt/>
+                  </p:tgtEl>
+                </p:cond>
+              </p:prevCondLst>
+              <p:nextCondLst>
+                <p:cond evt="onNext" delay="0">
+                  <p:tgtEl>
+                    <p:sldTgt/>
+                  </p:tgtEl>
+                </p:cond>
+              </p:nextCondLst>
+            </p:seq>
+          </p:childTnLst>
+        </p:cTn>
+      </p:par>
+    </p:tnLst>
+    <p:bldLst>
+      <p:bldP spid="4" grpId="0" animBg="1"/>
+      <p:bldP spid="6" grpId="0"/>
+    </p:bldLst>
+  </p:timing>
 </p:sld>
 </file>
 
 <file path=ppt/slides/slide13.xml><?xml version="1.0" encoding="utf-8"?>
+<p:sld xmlns:a="http://schemas.openxmlformats.org/drawingml/2006/main" xmlns:r="http://schemas.openxmlformats.org/officeDocument/2006/relationships" xmlns:p="http://schemas.openxmlformats.org/presentationml/2006/main">
+  <p:cSld>
+    <p:spTree>
+      <p:nvGrpSpPr>
+        <p:cNvPr id="1" name="Shape 105">
+          <a:extLst>
+            <a:ext uri="{FF2B5EF4-FFF2-40B4-BE49-F238E27FC236}">
+              <a16:creationId xmlns:a16="http://schemas.microsoft.com/office/drawing/2014/main" id="{CD88B256-B487-8C7A-C11E-921A9AC6B8BC}"/>
+            </a:ext>
+          </a:extLst>
+        </p:cNvPr>
+        <p:cNvGrpSpPr/>
+        <p:nvPr/>
+      </p:nvGrpSpPr>
+      <p:grpSpPr>
+        <a:xfrm>
+          <a:off x="0" y="0"/>
+          <a:ext cx="0" cy="0"/>
+          <a:chOff x="0" y="0"/>
+          <a:chExt cx="0" cy="0"/>
+        </a:xfrm>
+      </p:grpSpPr>
+      <p:sp>
+        <p:nvSpPr>
+          <p:cNvPr id="8" name="Google Shape;86;g377f5a16067_0_8">
+            <a:extLst>
+              <a:ext uri="{FF2B5EF4-FFF2-40B4-BE49-F238E27FC236}">
+                <a16:creationId xmlns:a16="http://schemas.microsoft.com/office/drawing/2014/main" id="{ACEDB70D-F3BD-5878-7696-8A45B05EAE68}"/>
+              </a:ext>
+            </a:extLst>
+          </p:cNvPr>
+          <p:cNvSpPr/>
+          <p:nvPr/>
+        </p:nvSpPr>
+        <p:spPr>
+          <a:xfrm>
+            <a:off x="102428" y="2836063"/>
+            <a:ext cx="2467991" cy="1228680"/>
+          </a:xfrm>
+          <a:prstGeom prst="roundRect">
+            <a:avLst>
+              <a:gd name="adj" fmla="val 16667"/>
+            </a:avLst>
+          </a:prstGeom>
+          <a:solidFill>
+            <a:schemeClr val="lt2"/>
+          </a:solidFill>
+          <a:ln w="19050" cap="flat" cmpd="sng">
+            <a:solidFill>
+              <a:schemeClr val="dk2"/>
+            </a:solidFill>
+            <a:prstDash val="solid"/>
+            <a:round/>
+            <a:headEnd type="none" w="sm" len="sm"/>
+            <a:tailEnd type="none" w="sm" len="sm"/>
+          </a:ln>
+        </p:spPr>
+        <p:txBody>
+          <a:bodyPr spcFirstLastPara="1" wrap="square" lIns="91425" tIns="91425" rIns="91425" bIns="91425" anchor="ctr" anchorCtr="0">
+            <a:noAutofit/>
+          </a:bodyPr>
+          <a:lstStyle/>
+          <a:p>
+            <a:pPr marL="0" lvl="0" indent="0" algn="ctr" rtl="0">
+              <a:spcBef>
+                <a:spcPts val="0"/>
+              </a:spcBef>
+              <a:spcAft>
+                <a:spcPts val="0"/>
+              </a:spcAft>
+              <a:buNone/>
+            </a:pPr>
+            <a:endParaRPr/>
+          </a:p>
+        </p:txBody>
+      </p:sp>
+      <p:sp>
+        <p:nvSpPr>
+          <p:cNvPr id="107" name="Google Shape;107;g377f5a16067_0_17">
+            <a:extLst>
+              <a:ext uri="{FF2B5EF4-FFF2-40B4-BE49-F238E27FC236}">
+                <a16:creationId xmlns:a16="http://schemas.microsoft.com/office/drawing/2014/main" id="{7EF34279-5AEB-582D-68D0-673D3C1E9DA0}"/>
+              </a:ext>
+            </a:extLst>
+          </p:cNvPr>
+          <p:cNvSpPr txBox="1">
+            <a:spLocks noGrp="1"/>
+          </p:cNvSpPr>
+          <p:nvPr>
+            <p:ph type="sldNum" idx="12"/>
+          </p:nvPr>
+        </p:nvSpPr>
+        <p:spPr>
+          <a:xfrm>
+            <a:off x="8595300" y="4879200"/>
+            <a:ext cx="548700" cy="264300"/>
+          </a:xfrm>
+          <a:prstGeom prst="rect">
+            <a:avLst/>
+          </a:prstGeom>
+          <a:noFill/>
+          <a:ln>
+            <a:noFill/>
+          </a:ln>
+        </p:spPr>
+        <p:txBody>
+          <a:bodyPr spcFirstLastPara="1" wrap="square" lIns="91425" tIns="91425" rIns="91425" bIns="91425" anchor="ctr" anchorCtr="0">
+            <a:noAutofit/>
+          </a:bodyPr>
+          <a:lstStyle/>
+          <a:p>
+            <a:pPr marL="0" lvl="0" indent="0" algn="r" rtl="0">
+              <a:lnSpc>
+                <a:spcPct val="100000"/>
+              </a:lnSpc>
+              <a:spcBef>
+                <a:spcPts val="0"/>
+              </a:spcBef>
+              <a:spcAft>
+                <a:spcPts val="0"/>
+              </a:spcAft>
+              <a:buSzPts val="1000"/>
+              <a:buNone/>
+            </a:pPr>
+            <a:fld id="{00000000-1234-1234-1234-123412341234}" type="slidenum">
+              <a:rPr lang="en-GB"/>
+              <a:t>13</a:t>
+            </a:fld>
+            <a:endParaRPr/>
+          </a:p>
+        </p:txBody>
+      </p:sp>
+      <p:sp>
+        <p:nvSpPr>
+          <p:cNvPr id="108" name="Google Shape;108;g377f5a16067_0_17">
+            <a:extLst>
+              <a:ext uri="{FF2B5EF4-FFF2-40B4-BE49-F238E27FC236}">
+                <a16:creationId xmlns:a16="http://schemas.microsoft.com/office/drawing/2014/main" id="{B0465220-39E6-2CC9-894A-FCC12E38C49A}"/>
+              </a:ext>
+            </a:extLst>
+          </p:cNvPr>
+          <p:cNvSpPr txBox="1">
+            <a:spLocks noGrp="1"/>
+          </p:cNvSpPr>
+          <p:nvPr>
+            <p:ph type="title"/>
+          </p:nvPr>
+        </p:nvSpPr>
+        <p:spPr>
+          <a:xfrm>
+            <a:off x="311700" y="0"/>
+            <a:ext cx="8520600" cy="439800"/>
+          </a:xfrm>
+          <a:prstGeom prst="rect">
+            <a:avLst/>
+          </a:prstGeom>
+          <a:noFill/>
+          <a:ln>
+            <a:noFill/>
+          </a:ln>
+        </p:spPr>
+        <p:txBody>
+          <a:bodyPr spcFirstLastPara="1" wrap="square" lIns="91425" tIns="91425" rIns="91425" bIns="91425" anchor="ctr" anchorCtr="0">
+            <a:noAutofit/>
+          </a:bodyPr>
+          <a:lstStyle/>
+          <a:p>
+            <a:pPr lvl="0"/>
+            <a:r>
+              <a:rPr lang="en-GB" altLang="zh-CN" dirty="0"/>
+              <a:t>Synthetic Fine-tuning Dataset</a:t>
+            </a:r>
+            <a:endParaRPr dirty="0"/>
+          </a:p>
+        </p:txBody>
+      </p:sp>
+      <p:sp>
+        <p:nvSpPr>
+          <p:cNvPr id="5" name="文本框 4">
+            <a:extLst>
+              <a:ext uri="{FF2B5EF4-FFF2-40B4-BE49-F238E27FC236}">
+                <a16:creationId xmlns:a16="http://schemas.microsoft.com/office/drawing/2014/main" id="{CE7897DE-B641-4AC9-2FF1-CC6F3D8CE0E2}"/>
+              </a:ext>
+            </a:extLst>
+          </p:cNvPr>
+          <p:cNvSpPr txBox="1"/>
+          <p:nvPr/>
+        </p:nvSpPr>
+        <p:spPr>
+          <a:xfrm>
+            <a:off x="137147" y="2864414"/>
+            <a:ext cx="2467991" cy="1200329"/>
+          </a:xfrm>
+          <a:prstGeom prst="rect">
+            <a:avLst/>
+          </a:prstGeom>
+          <a:noFill/>
+        </p:spPr>
+        <p:txBody>
+          <a:bodyPr wrap="square" rtlCol="0">
+            <a:spAutoFit/>
+          </a:bodyPr>
+          <a:lstStyle>
+            <a:defPPr marR="0" lvl="0" algn="l" rtl="0">
+              <a:lnSpc>
+                <a:spcPct val="100000"/>
+              </a:lnSpc>
+              <a:spcBef>
+                <a:spcPts val="0"/>
+              </a:spcBef>
+              <a:spcAft>
+                <a:spcPts val="0"/>
+              </a:spcAft>
+            </a:defPPr>
+            <a:lvl1pPr>
+              <a:defRPr sz="1200">
+                <a:solidFill>
+                  <a:schemeClr val="bg2"/>
+                </a:solidFill>
+              </a:defRPr>
+            </a:lvl1pPr>
+          </a:lstStyle>
+          <a:p>
+            <a:r>
+              <a:rPr lang="en-US" altLang="zh-CN" dirty="0"/>
+              <a:t>for every rising edge of the clock </a:t>
+            </a:r>
+            <a:r>
+              <a:rPr lang="en-US" altLang="zh-CN" dirty="0">
+                <a:latin typeface="Courier New" panose="02070309020205020404" pitchFamily="49" charset="0"/>
+                <a:cs typeface="Courier New" panose="02070309020205020404" pitchFamily="49" charset="0"/>
+              </a:rPr>
+              <a:t>pclk</a:t>
+            </a:r>
+            <a:r>
+              <a:rPr lang="en-US" altLang="zh-CN" dirty="0"/>
+              <a:t> at which a given reference signal </a:t>
+            </a:r>
+            <a:r>
+              <a:rPr lang="en-US" altLang="zh-CN" dirty="0" err="1">
+                <a:latin typeface="Courier New" panose="02070309020205020404" pitchFamily="49" charset="0"/>
+                <a:cs typeface="Courier New" panose="02070309020205020404" pitchFamily="49" charset="0"/>
+              </a:rPr>
+              <a:t>refSig</a:t>
+            </a:r>
+            <a:r>
+              <a:rPr lang="en-US" altLang="zh-CN" dirty="0"/>
+              <a:t> is true, the stable-value check on another signal </a:t>
+            </a:r>
+            <a:r>
+              <a:rPr lang="en-US" altLang="zh-CN" dirty="0" err="1">
+                <a:latin typeface="Courier New" panose="02070309020205020404" pitchFamily="49" charset="0"/>
+                <a:cs typeface="Courier New" panose="02070309020205020404" pitchFamily="49" charset="0"/>
+              </a:rPr>
+              <a:t>StableSig</a:t>
+            </a:r>
+            <a:r>
+              <a:rPr lang="en-US" altLang="zh-CN" dirty="0"/>
+              <a:t> succeeds in that same cycle.</a:t>
+            </a:r>
+            <a:endParaRPr lang="zh-CN" altLang="en-US" dirty="0"/>
+          </a:p>
+        </p:txBody>
+      </p:sp>
+      <p:pic>
+        <p:nvPicPr>
+          <p:cNvPr id="4" name="图片 3">
+            <a:extLst>
+              <a:ext uri="{FF2B5EF4-FFF2-40B4-BE49-F238E27FC236}">
+                <a16:creationId xmlns:a16="http://schemas.microsoft.com/office/drawing/2014/main" id="{E24A61E1-B039-89ED-3C5A-0701A5AA4317}"/>
+              </a:ext>
+            </a:extLst>
+          </p:cNvPr>
+          <p:cNvPicPr>
+            <a:picLocks noChangeAspect="1"/>
+          </p:cNvPicPr>
+          <p:nvPr/>
+        </p:nvPicPr>
+        <p:blipFill>
+          <a:blip r:embed="rId3"/>
+          <a:stretch>
+            <a:fillRect/>
+          </a:stretch>
+        </p:blipFill>
+        <p:spPr>
+          <a:xfrm>
+            <a:off x="5486401" y="509676"/>
+            <a:ext cx="3267926" cy="4313916"/>
+          </a:xfrm>
+          <a:prstGeom prst="rect">
+            <a:avLst/>
+          </a:prstGeom>
+        </p:spPr>
+      </p:pic>
+      <p:sp>
+        <p:nvSpPr>
+          <p:cNvPr id="6" name="Google Shape;86;g377f5a16067_0_8">
+            <a:extLst>
+              <a:ext uri="{FF2B5EF4-FFF2-40B4-BE49-F238E27FC236}">
+                <a16:creationId xmlns:a16="http://schemas.microsoft.com/office/drawing/2014/main" id="{087812D2-E6A6-12E7-9740-660D77F207A3}"/>
+              </a:ext>
+            </a:extLst>
+          </p:cNvPr>
+          <p:cNvSpPr/>
+          <p:nvPr/>
+        </p:nvSpPr>
+        <p:spPr>
+          <a:xfrm>
+            <a:off x="389672" y="1215281"/>
+            <a:ext cx="2123320" cy="879140"/>
+          </a:xfrm>
+          <a:prstGeom prst="roundRect">
+            <a:avLst>
+              <a:gd name="adj" fmla="val 16667"/>
+            </a:avLst>
+          </a:prstGeom>
+          <a:solidFill>
+            <a:schemeClr val="lt2"/>
+          </a:solidFill>
+          <a:ln w="19050" cap="flat" cmpd="sng">
+            <a:solidFill>
+              <a:schemeClr val="dk2"/>
+            </a:solidFill>
+            <a:prstDash val="solid"/>
+            <a:round/>
+            <a:headEnd type="none" w="sm" len="sm"/>
+            <a:tailEnd type="none" w="sm" len="sm"/>
+          </a:ln>
+        </p:spPr>
+        <p:txBody>
+          <a:bodyPr spcFirstLastPara="1" wrap="square" lIns="91425" tIns="91425" rIns="91425" bIns="91425" anchor="ctr" anchorCtr="0">
+            <a:noAutofit/>
+          </a:bodyPr>
+          <a:lstStyle/>
+          <a:p>
+            <a:pPr marL="0" lvl="0" indent="0" algn="ctr" rtl="0">
+              <a:spcBef>
+                <a:spcPts val="0"/>
+              </a:spcBef>
+              <a:spcAft>
+                <a:spcPts val="0"/>
+              </a:spcAft>
+              <a:buNone/>
+            </a:pPr>
+            <a:endParaRPr/>
+          </a:p>
+        </p:txBody>
+      </p:sp>
+      <p:sp>
+        <p:nvSpPr>
+          <p:cNvPr id="9" name="文本框 8">
+            <a:extLst>
+              <a:ext uri="{FF2B5EF4-FFF2-40B4-BE49-F238E27FC236}">
+                <a16:creationId xmlns:a16="http://schemas.microsoft.com/office/drawing/2014/main" id="{AA1D9FFB-3273-FB3A-B998-B24E82FEBE92}"/>
+              </a:ext>
+            </a:extLst>
+          </p:cNvPr>
+          <p:cNvSpPr txBox="1"/>
+          <p:nvPr/>
+        </p:nvSpPr>
+        <p:spPr>
+          <a:xfrm>
+            <a:off x="485200" y="1263423"/>
+            <a:ext cx="2123319" cy="830997"/>
+          </a:xfrm>
+          <a:prstGeom prst="rect">
+            <a:avLst/>
+          </a:prstGeom>
+          <a:noFill/>
+        </p:spPr>
+        <p:txBody>
+          <a:bodyPr wrap="square" rtlCol="0">
+            <a:spAutoFit/>
+          </a:bodyPr>
+          <a:lstStyle/>
+          <a:p>
+            <a:r>
+              <a:rPr lang="en-US" altLang="zh-CN" sz="1200" dirty="0">
+                <a:solidFill>
+                  <a:schemeClr val="bg2"/>
+                </a:solidFill>
+                <a:latin typeface="Courier New" panose="02070309020205020404" pitchFamily="49" charset="0"/>
+                <a:cs typeface="Courier New" panose="02070309020205020404" pitchFamily="49" charset="0"/>
+              </a:rPr>
+              <a:t>assert property(</a:t>
+            </a:r>
+          </a:p>
+          <a:p>
+            <a:r>
+              <a:rPr lang="en-US" altLang="zh-CN" sz="1200" dirty="0">
+                <a:solidFill>
+                  <a:schemeClr val="bg2"/>
+                </a:solidFill>
+                <a:latin typeface="Courier New" panose="02070309020205020404" pitchFamily="49" charset="0"/>
+                <a:cs typeface="Courier New" panose="02070309020205020404" pitchFamily="49" charset="0"/>
+              </a:rPr>
+              <a:t>@(posedge pclk)</a:t>
+            </a:r>
+          </a:p>
+          <a:p>
+            <a:r>
+              <a:rPr lang="en-US" altLang="zh-CN" sz="1200" dirty="0" err="1">
+                <a:solidFill>
+                  <a:schemeClr val="bg2"/>
+                </a:solidFill>
+                <a:latin typeface="Courier New" panose="02070309020205020404" pitchFamily="49" charset="0"/>
+                <a:cs typeface="Courier New" panose="02070309020205020404" pitchFamily="49" charset="0"/>
+              </a:rPr>
+              <a:t>refSig</a:t>
+            </a:r>
+            <a:r>
+              <a:rPr lang="en-US" altLang="zh-CN" sz="1200" dirty="0">
+                <a:solidFill>
+                  <a:schemeClr val="bg2"/>
+                </a:solidFill>
+                <a:latin typeface="Courier New" panose="02070309020205020404" pitchFamily="49" charset="0"/>
+                <a:cs typeface="Courier New" panose="02070309020205020404" pitchFamily="49" charset="0"/>
+              </a:rPr>
+              <a:t> |-&gt; $stable(</a:t>
+            </a:r>
+            <a:r>
+              <a:rPr lang="en-US" altLang="zh-CN" sz="1200" dirty="0" err="1">
+                <a:solidFill>
+                  <a:schemeClr val="bg2"/>
+                </a:solidFill>
+                <a:latin typeface="Courier New" panose="02070309020205020404" pitchFamily="49" charset="0"/>
+                <a:cs typeface="Courier New" panose="02070309020205020404" pitchFamily="49" charset="0"/>
+              </a:rPr>
+              <a:t>StableSig</a:t>
+            </a:r>
+            <a:r>
+              <a:rPr lang="en-US" altLang="zh-CN" sz="1200" dirty="0">
+                <a:solidFill>
+                  <a:schemeClr val="bg2"/>
+                </a:solidFill>
+                <a:latin typeface="Courier New" panose="02070309020205020404" pitchFamily="49" charset="0"/>
+                <a:cs typeface="Courier New" panose="02070309020205020404" pitchFamily="49" charset="0"/>
+              </a:rPr>
+              <a:t>));</a:t>
+            </a:r>
+            <a:endParaRPr lang="zh-CN" altLang="en-US" sz="1200" dirty="0">
+              <a:solidFill>
+                <a:schemeClr val="bg2"/>
+              </a:solidFill>
+              <a:latin typeface="Courier New" panose="02070309020205020404" pitchFamily="49" charset="0"/>
+              <a:cs typeface="Courier New" panose="02070309020205020404" pitchFamily="49" charset="0"/>
+            </a:endParaRPr>
+          </a:p>
+        </p:txBody>
+      </p:sp>
+      <p:cxnSp>
+        <p:nvCxnSpPr>
+          <p:cNvPr id="10" name="直接箭头连接符 9">
+            <a:extLst>
+              <a:ext uri="{FF2B5EF4-FFF2-40B4-BE49-F238E27FC236}">
+                <a16:creationId xmlns:a16="http://schemas.microsoft.com/office/drawing/2014/main" id="{338E3C6D-0B1F-68F1-61BC-614805C4AB23}"/>
+              </a:ext>
+            </a:extLst>
+          </p:cNvPr>
+          <p:cNvCxnSpPr>
+            <a:cxnSpLocks/>
+          </p:cNvCxnSpPr>
+          <p:nvPr/>
+        </p:nvCxnSpPr>
+        <p:spPr>
+          <a:xfrm>
+            <a:off x="3107170" y="2313460"/>
+            <a:ext cx="555564" cy="0"/>
+          </a:xfrm>
+          <a:prstGeom prst="straightConnector1">
+            <a:avLst/>
+          </a:prstGeom>
+          <a:noFill/>
+          <a:ln w="28575" cap="flat" cmpd="sng">
+            <a:solidFill>
+              <a:schemeClr val="dk2"/>
+            </a:solidFill>
+            <a:prstDash val="solid"/>
+            <a:round/>
+            <a:headEnd type="none" w="med" len="med"/>
+            <a:tailEnd type="arrow" w="med" len="med"/>
+          </a:ln>
+        </p:spPr>
+      </p:cxnSp>
+      <p:pic>
+        <p:nvPicPr>
+          <p:cNvPr id="11" name="Picture 4" descr="GPT logo">
+            <a:extLst>
+              <a:ext uri="{FF2B5EF4-FFF2-40B4-BE49-F238E27FC236}">
+                <a16:creationId xmlns:a16="http://schemas.microsoft.com/office/drawing/2014/main" id="{FEFB1F24-FA73-EB9A-17BA-213262D08AF9}"/>
+              </a:ext>
+            </a:extLst>
+          </p:cNvPr>
+          <p:cNvPicPr>
+            <a:picLocks noChangeAspect="1" noChangeArrowheads="1"/>
+          </p:cNvPicPr>
+          <p:nvPr/>
+        </p:nvPicPr>
+        <p:blipFill rotWithShape="1">
+          <a:blip r:embed="rId4">
+            <a:extLst>
+              <a:ext uri="{28A0092B-C50C-407E-A947-70E740481C1C}">
+                <a14:useLocalDpi xmlns:a14="http://schemas.microsoft.com/office/drawing/2010/main" val="0"/>
+              </a:ext>
+            </a:extLst>
+          </a:blip>
+          <a:srcRect l="29974" t="18605" r="30240" b="18828"/>
+          <a:stretch>
+            <a:fillRect/>
+          </a:stretch>
+        </p:blipFill>
+        <p:spPr bwMode="auto">
+          <a:xfrm>
+            <a:off x="3755134" y="1859003"/>
+            <a:ext cx="914789" cy="908915"/>
+          </a:xfrm>
+          <a:prstGeom prst="rect">
+            <a:avLst/>
+          </a:prstGeom>
+          <a:noFill/>
+          <a:extLst>
+            <a:ext uri="{909E8E84-426E-40DD-AFC4-6F175D3DCCD1}">
+              <a14:hiddenFill xmlns:a14="http://schemas.microsoft.com/office/drawing/2010/main">
+                <a:solidFill>
+                  <a:srgbClr val="FFFFFF"/>
+                </a:solidFill>
+              </a14:hiddenFill>
+            </a:ext>
+          </a:extLst>
+        </p:spPr>
+      </p:pic>
+      <p:cxnSp>
+        <p:nvCxnSpPr>
+          <p:cNvPr id="12" name="直接箭头连接符 11">
+            <a:extLst>
+              <a:ext uri="{FF2B5EF4-FFF2-40B4-BE49-F238E27FC236}">
+                <a16:creationId xmlns:a16="http://schemas.microsoft.com/office/drawing/2014/main" id="{76CC2F37-2BA4-6586-0D57-EE11D2E6DCE1}"/>
+              </a:ext>
+            </a:extLst>
+          </p:cNvPr>
+          <p:cNvCxnSpPr>
+            <a:cxnSpLocks/>
+          </p:cNvCxnSpPr>
+          <p:nvPr/>
+        </p:nvCxnSpPr>
+        <p:spPr>
+          <a:xfrm flipV="1">
+            <a:off x="2605138" y="1666284"/>
+            <a:ext cx="502032" cy="1"/>
+          </a:xfrm>
+          <a:prstGeom prst="straightConnector1">
+            <a:avLst/>
+          </a:prstGeom>
+          <a:noFill/>
+          <a:ln w="28575" cap="flat" cmpd="sng">
+            <a:solidFill>
+              <a:schemeClr val="dk2"/>
+            </a:solidFill>
+            <a:prstDash val="solid"/>
+            <a:round/>
+            <a:headEnd type="none" w="med" len="med"/>
+            <a:tailEnd type="none" w="med" len="med"/>
+          </a:ln>
+        </p:spPr>
+      </p:cxnSp>
+      <p:cxnSp>
+        <p:nvCxnSpPr>
+          <p:cNvPr id="13" name="直接箭头连接符 12">
+            <a:extLst>
+              <a:ext uri="{FF2B5EF4-FFF2-40B4-BE49-F238E27FC236}">
+                <a16:creationId xmlns:a16="http://schemas.microsoft.com/office/drawing/2014/main" id="{A344482B-85C4-2FC9-A69F-F19026BD9AF2}"/>
+              </a:ext>
+            </a:extLst>
+          </p:cNvPr>
+          <p:cNvCxnSpPr>
+            <a:cxnSpLocks/>
+          </p:cNvCxnSpPr>
+          <p:nvPr/>
+        </p:nvCxnSpPr>
+        <p:spPr>
+          <a:xfrm>
+            <a:off x="3107170" y="1656599"/>
+            <a:ext cx="0" cy="650838"/>
+          </a:xfrm>
+          <a:prstGeom prst="straightConnector1">
+            <a:avLst/>
+          </a:prstGeom>
+          <a:noFill/>
+          <a:ln w="28575" cap="flat" cmpd="sng">
+            <a:solidFill>
+              <a:schemeClr val="dk2"/>
+            </a:solidFill>
+            <a:prstDash val="solid"/>
+            <a:round/>
+            <a:headEnd type="none" w="med" len="med"/>
+            <a:tailEnd type="none" w="med" len="med"/>
+          </a:ln>
+        </p:spPr>
+      </p:cxnSp>
+      <p:cxnSp>
+        <p:nvCxnSpPr>
+          <p:cNvPr id="19" name="直接箭头连接符 18">
+            <a:extLst>
+              <a:ext uri="{FF2B5EF4-FFF2-40B4-BE49-F238E27FC236}">
+                <a16:creationId xmlns:a16="http://schemas.microsoft.com/office/drawing/2014/main" id="{404F8C20-F562-CDB3-FF96-288571906967}"/>
+              </a:ext>
+            </a:extLst>
+          </p:cNvPr>
+          <p:cNvCxnSpPr>
+            <a:cxnSpLocks/>
+          </p:cNvCxnSpPr>
+          <p:nvPr/>
+        </p:nvCxnSpPr>
+        <p:spPr>
+          <a:xfrm flipV="1">
+            <a:off x="2605138" y="3524236"/>
+            <a:ext cx="502032" cy="1"/>
+          </a:xfrm>
+          <a:prstGeom prst="straightConnector1">
+            <a:avLst/>
+          </a:prstGeom>
+          <a:noFill/>
+          <a:ln w="28575" cap="flat" cmpd="sng">
+            <a:solidFill>
+              <a:schemeClr val="dk2"/>
+            </a:solidFill>
+            <a:prstDash val="solid"/>
+            <a:round/>
+            <a:headEnd type="none" w="med" len="med"/>
+            <a:tailEnd type="none" w="med" len="med"/>
+          </a:ln>
+        </p:spPr>
+      </p:cxnSp>
+      <p:cxnSp>
+        <p:nvCxnSpPr>
+          <p:cNvPr id="20" name="直接箭头连接符 19">
+            <a:extLst>
+              <a:ext uri="{FF2B5EF4-FFF2-40B4-BE49-F238E27FC236}">
+                <a16:creationId xmlns:a16="http://schemas.microsoft.com/office/drawing/2014/main" id="{8D0DC629-5D3B-CCA9-6087-1FDACAF4B034}"/>
+              </a:ext>
+            </a:extLst>
+          </p:cNvPr>
+          <p:cNvCxnSpPr>
+            <a:cxnSpLocks/>
+          </p:cNvCxnSpPr>
+          <p:nvPr/>
+        </p:nvCxnSpPr>
+        <p:spPr>
+          <a:xfrm>
+            <a:off x="3107170" y="2303697"/>
+            <a:ext cx="0" cy="1220539"/>
+          </a:xfrm>
+          <a:prstGeom prst="straightConnector1">
+            <a:avLst/>
+          </a:prstGeom>
+          <a:noFill/>
+          <a:ln w="28575" cap="flat" cmpd="sng">
+            <a:solidFill>
+              <a:schemeClr val="dk2"/>
+            </a:solidFill>
+            <a:prstDash val="solid"/>
+            <a:round/>
+            <a:headEnd type="none" w="med" len="med"/>
+            <a:tailEnd type="none" w="med" len="med"/>
+          </a:ln>
+        </p:spPr>
+      </p:cxnSp>
+      <p:cxnSp>
+        <p:nvCxnSpPr>
+          <p:cNvPr id="22" name="直接箭头连接符 21">
+            <a:extLst>
+              <a:ext uri="{FF2B5EF4-FFF2-40B4-BE49-F238E27FC236}">
+                <a16:creationId xmlns:a16="http://schemas.microsoft.com/office/drawing/2014/main" id="{EF8316B7-956D-8136-21D2-8F7B56EC296F}"/>
+              </a:ext>
+            </a:extLst>
+          </p:cNvPr>
+          <p:cNvCxnSpPr>
+            <a:cxnSpLocks/>
+          </p:cNvCxnSpPr>
+          <p:nvPr/>
+        </p:nvCxnSpPr>
+        <p:spPr>
+          <a:xfrm>
+            <a:off x="4737680" y="2302803"/>
+            <a:ext cx="555564" cy="0"/>
+          </a:xfrm>
+          <a:prstGeom prst="straightConnector1">
+            <a:avLst/>
+          </a:prstGeom>
+          <a:noFill/>
+          <a:ln w="28575" cap="flat" cmpd="sng">
+            <a:solidFill>
+              <a:schemeClr val="dk2"/>
+            </a:solidFill>
+            <a:prstDash val="solid"/>
+            <a:round/>
+            <a:headEnd type="none" w="med" len="med"/>
+            <a:tailEnd type="arrow" w="med" len="med"/>
+          </a:ln>
+        </p:spPr>
+      </p:cxnSp>
+    </p:spTree>
+    <p:extLst>
+      <p:ext uri="{BB962C8B-B14F-4D97-AF65-F5344CB8AC3E}">
+        <p14:creationId xmlns:p14="http://schemas.microsoft.com/office/powerpoint/2010/main" val="750979071"/>
+      </p:ext>
+    </p:extLst>
+  </p:cSld>
+  <p:clrMapOvr>
+    <a:masterClrMapping/>
+  </p:clrMapOvr>
+</p:sld>
+</file>
+
+<file path=ppt/slides/slide14.xml><?xml version="1.0" encoding="utf-8"?>
 <p:sld xmlns:a="http://schemas.openxmlformats.org/drawingml/2006/main" xmlns:r="http://schemas.openxmlformats.org/officeDocument/2006/relationships" xmlns:p="http://schemas.openxmlformats.org/presentationml/2006/main">
   <p:cSld>
     <p:spTree>
@@ -13232,7 +14324,7 @@
             </a:pPr>
             <a:fld id="{00000000-1234-1234-1234-123412341234}" type="slidenum">
               <a:rPr lang="en-GB"/>
-              <a:t>13</a:t>
+              <a:t>14</a:t>
             </a:fld>
             <a:endParaRPr/>
           </a:p>
@@ -13372,7 +14464,7 @@
 </p:sld>
 </file>
 
-<file path=ppt/slides/slide14.xml><?xml version="1.0" encoding="utf-8"?>
+<file path=ppt/slides/slide15.xml><?xml version="1.0" encoding="utf-8"?>
 <p:sld xmlns:a="http://schemas.openxmlformats.org/drawingml/2006/main" xmlns:r="http://schemas.openxmlformats.org/officeDocument/2006/relationships" xmlns:p="http://schemas.openxmlformats.org/presentationml/2006/main">
   <p:cSld>
     <p:spTree>
@@ -13637,7 +14729,7 @@
             </a:pPr>
             <a:fld id="{00000000-1234-1234-1234-123412341234}" type="slidenum">
               <a:rPr lang="en-GB"/>
-              <a:t>14</a:t>
+              <a:t>15</a:t>
             </a:fld>
             <a:endParaRPr/>
           </a:p>
@@ -13709,85 +14801,10 @@
   <p:clrMapOvr>
     <a:masterClrMapping/>
   </p:clrMapOvr>
-  <p:timing>
-    <p:tnLst>
-      <p:par>
-        <p:cTn id="1" dur="indefinite" restart="never" nodeType="tmRoot">
-          <p:childTnLst>
-            <p:seq concurrent="1" nextAc="seek">
-              <p:cTn id="2" dur="indefinite" nodeType="mainSeq">
-                <p:childTnLst>
-                  <p:par>
-                    <p:cTn id="3" fill="hold">
-                      <p:stCondLst>
-                        <p:cond delay="indefinite"/>
-                      </p:stCondLst>
-                      <p:childTnLst>
-                        <p:par>
-                          <p:cTn id="4" fill="hold">
-                            <p:stCondLst>
-                              <p:cond delay="0"/>
-                            </p:stCondLst>
-                            <p:childTnLst>
-                              <p:par>
-                                <p:cTn id="5" presetID="1" presetClass="entr" presetSubtype="0" fill="hold" nodeType="clickEffect">
-                                  <p:stCondLst>
-                                    <p:cond delay="0"/>
-                                  </p:stCondLst>
-                                  <p:childTnLst>
-                                    <p:set>
-                                      <p:cBhvr>
-                                        <p:cTn id="6" dur="1" fill="hold">
-                                          <p:stCondLst>
-                                            <p:cond delay="0"/>
-                                          </p:stCondLst>
-                                        </p:cTn>
-                                        <p:tgtEl>
-                                          <p:spTgt spid="106"/>
-                                        </p:tgtEl>
-                                        <p:attrNameLst>
-                                          <p:attrName>style.visibility</p:attrName>
-                                        </p:attrNameLst>
-                                      </p:cBhvr>
-                                      <p:to>
-                                        <p:strVal val="visible"/>
-                                      </p:to>
-                                    </p:set>
-                                  </p:childTnLst>
-                                </p:cTn>
-                              </p:par>
-                            </p:childTnLst>
-                          </p:cTn>
-                        </p:par>
-                      </p:childTnLst>
-                    </p:cTn>
-                  </p:par>
-                </p:childTnLst>
-              </p:cTn>
-              <p:prevCondLst>
-                <p:cond evt="onPrev" delay="0">
-                  <p:tgtEl>
-                    <p:sldTgt/>
-                  </p:tgtEl>
-                </p:cond>
-              </p:prevCondLst>
-              <p:nextCondLst>
-                <p:cond evt="onNext" delay="0">
-                  <p:tgtEl>
-                    <p:sldTgt/>
-                  </p:tgtEl>
-                </p:cond>
-              </p:nextCondLst>
-            </p:seq>
-          </p:childTnLst>
-        </p:cTn>
-      </p:par>
-    </p:tnLst>
-  </p:timing>
 </p:sld>
 </file>
 
-<file path=ppt/slides/slide15.xml><?xml version="1.0" encoding="utf-8"?>
+<file path=ppt/slides/slide16.xml><?xml version="1.0" encoding="utf-8"?>
 <p:sld xmlns:a="http://schemas.openxmlformats.org/drawingml/2006/main" xmlns:r="http://schemas.openxmlformats.org/officeDocument/2006/relationships" xmlns:p="http://schemas.openxmlformats.org/presentationml/2006/main">
   <p:cSld>
     <p:spTree>
@@ -14182,7 +15199,7 @@
             </a:pPr>
             <a:fld id="{00000000-1234-1234-1234-123412341234}" type="slidenum">
               <a:rPr lang="en-GB"/>
-              <a:t>15</a:t>
+              <a:t>16</a:t>
             </a:fld>
             <a:endParaRPr/>
           </a:p>
@@ -14245,7 +15262,7 @@
 </p:sld>
 </file>
 
-<file path=ppt/slides/slide16.xml><?xml version="1.0" encoding="utf-8"?>
+<file path=ppt/slides/slide17.xml><?xml version="1.0" encoding="utf-8"?>
 <p:sld xmlns:a="http://schemas.openxmlformats.org/drawingml/2006/main" xmlns:r="http://schemas.openxmlformats.org/officeDocument/2006/relationships" xmlns:p="http://schemas.openxmlformats.org/presentationml/2006/main">
   <p:cSld>
     <p:spTree>
@@ -14294,7 +15311,7 @@
             </a:pPr>
             <a:fld id="{00000000-1234-1234-1234-123412341234}" type="slidenum">
               <a:rPr lang="en-GB" smtClean="0"/>
-              <a:t>16</a:t>
+              <a:t>17</a:t>
             </a:fld>
             <a:endParaRPr lang="en-GB"/>
           </a:p>
@@ -14372,7 +15389,7 @@
 </p:sld>
 </file>
 
-<file path=ppt/slides/slide17.xml><?xml version="1.0" encoding="utf-8"?>
+<file path=ppt/slides/slide18.xml><?xml version="1.0" encoding="utf-8"?>
 <p:sld xmlns:a="http://schemas.openxmlformats.org/drawingml/2006/main" xmlns:r="http://schemas.openxmlformats.org/officeDocument/2006/relationships" xmlns:p="http://schemas.openxmlformats.org/presentationml/2006/main">
   <p:cSld>
     <p:spTree>
@@ -14445,7 +15462,7 @@
             </a:pPr>
             <a:fld id="{00000000-1234-1234-1234-123412341234}" type="slidenum">
               <a:rPr lang="en-GB"/>
-              <a:t>17</a:t>
+              <a:t>18</a:t>
             </a:fld>
             <a:endParaRPr/>
           </a:p>
@@ -14538,7 +15555,7 @@
 </p:sld>
 </file>
 
-<file path=ppt/slides/slide18.xml><?xml version="1.0" encoding="utf-8"?>
+<file path=ppt/slides/slide19.xml><?xml version="1.0" encoding="utf-8"?>
 <p:sld xmlns:a="http://schemas.openxmlformats.org/drawingml/2006/main" xmlns:r="http://schemas.openxmlformats.org/officeDocument/2006/relationships" xmlns:p="http://schemas.openxmlformats.org/presentationml/2006/main">
   <p:cSld>
     <p:spTree>
@@ -14611,7 +15628,7 @@
             </a:pPr>
             <a:fld id="{00000000-1234-1234-1234-123412341234}" type="slidenum">
               <a:rPr lang="en-GB"/>
-              <a:t>18</a:t>
+              <a:t>19</a:t>
             </a:fld>
             <a:endParaRPr/>
           </a:p>
@@ -14704,7 +15721,318 @@
 </p:sld>
 </file>
 
-<file path=ppt/slides/slide19.xml><?xml version="1.0" encoding="utf-8"?>
+<file path=ppt/slides/slide2.xml><?xml version="1.0" encoding="utf-8"?>
+<p:sld xmlns:a="http://schemas.openxmlformats.org/drawingml/2006/main" xmlns:r="http://schemas.openxmlformats.org/officeDocument/2006/relationships" xmlns:p="http://schemas.openxmlformats.org/presentationml/2006/main">
+  <p:cSld>
+    <p:spTree>
+      <p:nvGrpSpPr>
+        <p:cNvPr id="1" name="Shape 75"/>
+        <p:cNvGrpSpPr/>
+        <p:nvPr/>
+      </p:nvGrpSpPr>
+      <p:grpSpPr>
+        <a:xfrm>
+          <a:off x="0" y="0"/>
+          <a:ext cx="0" cy="0"/>
+          <a:chOff x="0" y="0"/>
+          <a:chExt cx="0" cy="0"/>
+        </a:xfrm>
+      </p:grpSpPr>
+      <p:sp>
+        <p:nvSpPr>
+          <p:cNvPr id="76" name="Google Shape;76;p3"/>
+          <p:cNvSpPr txBox="1"/>
+          <p:nvPr/>
+        </p:nvSpPr>
+        <p:spPr>
+          <a:xfrm>
+            <a:off x="891425" y="1101975"/>
+            <a:ext cx="4515000" cy="2619000"/>
+          </a:xfrm>
+          <a:prstGeom prst="rect">
+            <a:avLst/>
+          </a:prstGeom>
+          <a:noFill/>
+          <a:ln>
+            <a:noFill/>
+          </a:ln>
+        </p:spPr>
+        <p:txBody>
+          <a:bodyPr spcFirstLastPara="1" wrap="square" lIns="91425" tIns="91425" rIns="91425" bIns="91425" anchor="t" anchorCtr="0">
+            <a:noAutofit/>
+          </a:bodyPr>
+          <a:lstStyle/>
+          <a:p>
+            <a:pPr marL="457200" lvl="0" indent="-381000" algn="l" rtl="0">
+              <a:spcBef>
+                <a:spcPts val="0"/>
+              </a:spcBef>
+              <a:spcAft>
+                <a:spcPts val="0"/>
+              </a:spcAft>
+              <a:buClr>
+                <a:schemeClr val="dk2"/>
+              </a:buClr>
+              <a:buSzPts val="2400"/>
+              <a:buChar char="❏"/>
+            </a:pPr>
+            <a:r>
+              <a:rPr lang="en-GB" sz="2400">
+                <a:solidFill>
+                  <a:schemeClr val="dk2"/>
+                </a:solidFill>
+              </a:rPr>
+              <a:t>Introduction</a:t>
+            </a:r>
+            <a:endParaRPr sz="2400">
+              <a:solidFill>
+                <a:schemeClr val="dk2"/>
+              </a:solidFill>
+            </a:endParaRPr>
+          </a:p>
+          <a:p>
+            <a:pPr marL="457200" lvl="0" indent="0" algn="l" rtl="0">
+              <a:spcBef>
+                <a:spcPts val="0"/>
+              </a:spcBef>
+              <a:spcAft>
+                <a:spcPts val="0"/>
+              </a:spcAft>
+              <a:buNone/>
+            </a:pPr>
+            <a:endParaRPr sz="2400">
+              <a:solidFill>
+                <a:schemeClr val="dk2"/>
+              </a:solidFill>
+            </a:endParaRPr>
+          </a:p>
+          <a:p>
+            <a:pPr marL="457200" lvl="0" indent="-381000" algn="l" rtl="0">
+              <a:spcBef>
+                <a:spcPts val="0"/>
+              </a:spcBef>
+              <a:spcAft>
+                <a:spcPts val="0"/>
+              </a:spcAft>
+              <a:buClr>
+                <a:srgbClr val="C2C2C2"/>
+              </a:buClr>
+              <a:buSzPts val="2400"/>
+              <a:buChar char="❏"/>
+            </a:pPr>
+            <a:r>
+              <a:rPr lang="en-GB" sz="2400">
+                <a:solidFill>
+                  <a:srgbClr val="C2C2C2"/>
+                </a:solidFill>
+              </a:rPr>
+              <a:t>Methodology</a:t>
+            </a:r>
+            <a:endParaRPr sz="2400">
+              <a:solidFill>
+                <a:srgbClr val="C2C2C2"/>
+              </a:solidFill>
+            </a:endParaRPr>
+          </a:p>
+          <a:p>
+            <a:pPr marL="457200" lvl="0" indent="0" algn="l" rtl="0">
+              <a:spcBef>
+                <a:spcPts val="0"/>
+              </a:spcBef>
+              <a:spcAft>
+                <a:spcPts val="0"/>
+              </a:spcAft>
+              <a:buNone/>
+            </a:pPr>
+            <a:endParaRPr sz="2400">
+              <a:solidFill>
+                <a:srgbClr val="C2C2C2"/>
+              </a:solidFill>
+            </a:endParaRPr>
+          </a:p>
+          <a:p>
+            <a:pPr marL="457200" lvl="0" indent="-381000" algn="l" rtl="0">
+              <a:spcBef>
+                <a:spcPts val="0"/>
+              </a:spcBef>
+              <a:spcAft>
+                <a:spcPts val="0"/>
+              </a:spcAft>
+              <a:buClr>
+                <a:srgbClr val="C2C2C2"/>
+              </a:buClr>
+              <a:buSzPts val="2400"/>
+              <a:buChar char="❏"/>
+            </a:pPr>
+            <a:r>
+              <a:rPr lang="en-GB" sz="2400">
+                <a:solidFill>
+                  <a:srgbClr val="C2C2C2"/>
+                </a:solidFill>
+              </a:rPr>
+              <a:t>Experimental Results</a:t>
+            </a:r>
+            <a:endParaRPr sz="2400">
+              <a:solidFill>
+                <a:srgbClr val="C2C2C2"/>
+              </a:solidFill>
+            </a:endParaRPr>
+          </a:p>
+          <a:p>
+            <a:pPr marL="457200" lvl="0" indent="0" algn="l" rtl="0">
+              <a:spcBef>
+                <a:spcPts val="0"/>
+              </a:spcBef>
+              <a:spcAft>
+                <a:spcPts val="0"/>
+              </a:spcAft>
+              <a:buNone/>
+            </a:pPr>
+            <a:endParaRPr sz="2400">
+              <a:solidFill>
+                <a:srgbClr val="C2C2C2"/>
+              </a:solidFill>
+            </a:endParaRPr>
+          </a:p>
+          <a:p>
+            <a:pPr marL="457200" lvl="0" indent="-381000" algn="l" rtl="0">
+              <a:spcBef>
+                <a:spcPts val="0"/>
+              </a:spcBef>
+              <a:spcAft>
+                <a:spcPts val="0"/>
+              </a:spcAft>
+              <a:buClr>
+                <a:srgbClr val="C2C2C2"/>
+              </a:buClr>
+              <a:buSzPts val="2400"/>
+              <a:buChar char="❏"/>
+            </a:pPr>
+            <a:r>
+              <a:rPr lang="en-GB" sz="2400">
+                <a:solidFill>
+                  <a:srgbClr val="C2C2C2"/>
+                </a:solidFill>
+              </a:rPr>
+              <a:t>Conclusion</a:t>
+            </a:r>
+            <a:endParaRPr sz="2400">
+              <a:solidFill>
+                <a:srgbClr val="C2C2C2"/>
+              </a:solidFill>
+            </a:endParaRPr>
+          </a:p>
+        </p:txBody>
+      </p:sp>
+      <p:sp>
+        <p:nvSpPr>
+          <p:cNvPr id="77" name="Google Shape;77;p3"/>
+          <p:cNvSpPr txBox="1">
+            <a:spLocks noGrp="1"/>
+          </p:cNvSpPr>
+          <p:nvPr>
+            <p:ph type="sldNum" idx="12"/>
+          </p:nvPr>
+        </p:nvSpPr>
+        <p:spPr>
+          <a:xfrm>
+            <a:off x="8595300" y="4879200"/>
+            <a:ext cx="548700" cy="264300"/>
+          </a:xfrm>
+          <a:prstGeom prst="rect">
+            <a:avLst/>
+          </a:prstGeom>
+          <a:noFill/>
+          <a:ln>
+            <a:noFill/>
+          </a:ln>
+        </p:spPr>
+        <p:txBody>
+          <a:bodyPr spcFirstLastPara="1" wrap="square" lIns="91425" tIns="91425" rIns="91425" bIns="91425" anchor="ctr" anchorCtr="0">
+            <a:noAutofit/>
+          </a:bodyPr>
+          <a:lstStyle/>
+          <a:p>
+            <a:pPr marL="0" lvl="0" indent="0" algn="r" rtl="0">
+              <a:lnSpc>
+                <a:spcPct val="100000"/>
+              </a:lnSpc>
+              <a:spcBef>
+                <a:spcPts val="0"/>
+              </a:spcBef>
+              <a:spcAft>
+                <a:spcPts val="0"/>
+              </a:spcAft>
+              <a:buSzPts val="1000"/>
+              <a:buNone/>
+            </a:pPr>
+            <a:fld id="{00000000-1234-1234-1234-123412341234}" type="slidenum">
+              <a:rPr lang="en-GB"/>
+              <a:t>2</a:t>
+            </a:fld>
+            <a:endParaRPr/>
+          </a:p>
+        </p:txBody>
+      </p:sp>
+      <p:sp>
+        <p:nvSpPr>
+          <p:cNvPr id="78" name="Google Shape;78;p3"/>
+          <p:cNvSpPr txBox="1">
+            <a:spLocks noGrp="1"/>
+          </p:cNvSpPr>
+          <p:nvPr>
+            <p:ph type="title"/>
+          </p:nvPr>
+        </p:nvSpPr>
+        <p:spPr>
+          <a:xfrm>
+            <a:off x="311700" y="0"/>
+            <a:ext cx="8520600" cy="439800"/>
+          </a:xfrm>
+          <a:prstGeom prst="rect">
+            <a:avLst/>
+          </a:prstGeom>
+          <a:noFill/>
+          <a:ln>
+            <a:noFill/>
+          </a:ln>
+        </p:spPr>
+        <p:txBody>
+          <a:bodyPr spcFirstLastPara="1" wrap="square" lIns="91425" tIns="91425" rIns="91425" bIns="91425" anchor="ctr" anchorCtr="0">
+            <a:noAutofit/>
+          </a:bodyPr>
+          <a:lstStyle/>
+          <a:p>
+            <a:pPr marL="0" lvl="0" indent="0" algn="l" rtl="0">
+              <a:lnSpc>
+                <a:spcPct val="100000"/>
+              </a:lnSpc>
+              <a:spcBef>
+                <a:spcPts val="0"/>
+              </a:spcBef>
+              <a:spcAft>
+                <a:spcPts val="0"/>
+              </a:spcAft>
+              <a:buSzPts val="2200"/>
+              <a:buNone/>
+            </a:pPr>
+            <a:r>
+              <a:rPr lang="en-GB"/>
+              <a:t>Outline</a:t>
+            </a:r>
+            <a:endParaRPr/>
+          </a:p>
+        </p:txBody>
+      </p:sp>
+    </p:spTree>
+  </p:cSld>
+  <p:clrMapOvr>
+    <a:masterClrMapping/>
+  </p:clrMapOvr>
+</p:sld>
+</file>
+
+<file path=ppt/slides/slide20.xml><?xml version="1.0" encoding="utf-8"?>
 <p:sld xmlns:a="http://schemas.openxmlformats.org/drawingml/2006/main" xmlns:r="http://schemas.openxmlformats.org/officeDocument/2006/relationships" xmlns:p="http://schemas.openxmlformats.org/presentationml/2006/main">
   <p:cSld>
     <p:spTree>
@@ -15084,7 +16412,7 @@
             </a:pPr>
             <a:fld id="{00000000-1234-1234-1234-123412341234}" type="slidenum">
               <a:rPr lang="en-GB"/>
-              <a:t>19</a:t>
+              <a:t>20</a:t>
             </a:fld>
             <a:endParaRPr/>
           </a:p>
@@ -15147,393 +16475,7 @@
 </p:sld>
 </file>
 
-<file path=ppt/slides/slide2.xml><?xml version="1.0" encoding="utf-8"?>
-<p:sld xmlns:a="http://schemas.openxmlformats.org/drawingml/2006/main" xmlns:r="http://schemas.openxmlformats.org/officeDocument/2006/relationships" xmlns:p="http://schemas.openxmlformats.org/presentationml/2006/main">
-  <p:cSld>
-    <p:spTree>
-      <p:nvGrpSpPr>
-        <p:cNvPr id="1" name="Shape 75"/>
-        <p:cNvGrpSpPr/>
-        <p:nvPr/>
-      </p:nvGrpSpPr>
-      <p:grpSpPr>
-        <a:xfrm>
-          <a:off x="0" y="0"/>
-          <a:ext cx="0" cy="0"/>
-          <a:chOff x="0" y="0"/>
-          <a:chExt cx="0" cy="0"/>
-        </a:xfrm>
-      </p:grpSpPr>
-      <p:sp>
-        <p:nvSpPr>
-          <p:cNvPr id="76" name="Google Shape;76;p3"/>
-          <p:cNvSpPr txBox="1"/>
-          <p:nvPr/>
-        </p:nvSpPr>
-        <p:spPr>
-          <a:xfrm>
-            <a:off x="891425" y="1101975"/>
-            <a:ext cx="4515000" cy="2619000"/>
-          </a:xfrm>
-          <a:prstGeom prst="rect">
-            <a:avLst/>
-          </a:prstGeom>
-          <a:noFill/>
-          <a:ln>
-            <a:noFill/>
-          </a:ln>
-        </p:spPr>
-        <p:txBody>
-          <a:bodyPr spcFirstLastPara="1" wrap="square" lIns="91425" tIns="91425" rIns="91425" bIns="91425" anchor="t" anchorCtr="0">
-            <a:noAutofit/>
-          </a:bodyPr>
-          <a:lstStyle/>
-          <a:p>
-            <a:pPr marL="457200" lvl="0" indent="-381000" algn="l" rtl="0">
-              <a:spcBef>
-                <a:spcPts val="0"/>
-              </a:spcBef>
-              <a:spcAft>
-                <a:spcPts val="0"/>
-              </a:spcAft>
-              <a:buClr>
-                <a:schemeClr val="dk2"/>
-              </a:buClr>
-              <a:buSzPts val="2400"/>
-              <a:buChar char="❏"/>
-            </a:pPr>
-            <a:r>
-              <a:rPr lang="en-GB" sz="2400">
-                <a:solidFill>
-                  <a:schemeClr val="dk2"/>
-                </a:solidFill>
-              </a:rPr>
-              <a:t>Introduction</a:t>
-            </a:r>
-            <a:endParaRPr sz="2400">
-              <a:solidFill>
-                <a:schemeClr val="dk2"/>
-              </a:solidFill>
-            </a:endParaRPr>
-          </a:p>
-          <a:p>
-            <a:pPr marL="457200" lvl="0" indent="0" algn="l" rtl="0">
-              <a:spcBef>
-                <a:spcPts val="0"/>
-              </a:spcBef>
-              <a:spcAft>
-                <a:spcPts val="0"/>
-              </a:spcAft>
-              <a:buNone/>
-            </a:pPr>
-            <a:endParaRPr sz="2400">
-              <a:solidFill>
-                <a:schemeClr val="dk2"/>
-              </a:solidFill>
-            </a:endParaRPr>
-          </a:p>
-          <a:p>
-            <a:pPr marL="457200" lvl="0" indent="-381000" algn="l" rtl="0">
-              <a:spcBef>
-                <a:spcPts val="0"/>
-              </a:spcBef>
-              <a:spcAft>
-                <a:spcPts val="0"/>
-              </a:spcAft>
-              <a:buClr>
-                <a:srgbClr val="C2C2C2"/>
-              </a:buClr>
-              <a:buSzPts val="2400"/>
-              <a:buChar char="❏"/>
-            </a:pPr>
-            <a:r>
-              <a:rPr lang="en-GB" sz="2400">
-                <a:solidFill>
-                  <a:srgbClr val="C2C2C2"/>
-                </a:solidFill>
-              </a:rPr>
-              <a:t>Methodology</a:t>
-            </a:r>
-            <a:endParaRPr sz="2400">
-              <a:solidFill>
-                <a:srgbClr val="C2C2C2"/>
-              </a:solidFill>
-            </a:endParaRPr>
-          </a:p>
-          <a:p>
-            <a:pPr marL="457200" lvl="0" indent="0" algn="l" rtl="0">
-              <a:spcBef>
-                <a:spcPts val="0"/>
-              </a:spcBef>
-              <a:spcAft>
-                <a:spcPts val="0"/>
-              </a:spcAft>
-              <a:buNone/>
-            </a:pPr>
-            <a:endParaRPr sz="2400">
-              <a:solidFill>
-                <a:srgbClr val="C2C2C2"/>
-              </a:solidFill>
-            </a:endParaRPr>
-          </a:p>
-          <a:p>
-            <a:pPr marL="457200" lvl="0" indent="-381000" algn="l" rtl="0">
-              <a:spcBef>
-                <a:spcPts val="0"/>
-              </a:spcBef>
-              <a:spcAft>
-                <a:spcPts val="0"/>
-              </a:spcAft>
-              <a:buClr>
-                <a:srgbClr val="C2C2C2"/>
-              </a:buClr>
-              <a:buSzPts val="2400"/>
-              <a:buChar char="❏"/>
-            </a:pPr>
-            <a:r>
-              <a:rPr lang="en-GB" sz="2400">
-                <a:solidFill>
-                  <a:srgbClr val="C2C2C2"/>
-                </a:solidFill>
-              </a:rPr>
-              <a:t>Experimental Results</a:t>
-            </a:r>
-            <a:endParaRPr sz="2400">
-              <a:solidFill>
-                <a:srgbClr val="C2C2C2"/>
-              </a:solidFill>
-            </a:endParaRPr>
-          </a:p>
-          <a:p>
-            <a:pPr marL="457200" lvl="0" indent="0" algn="l" rtl="0">
-              <a:spcBef>
-                <a:spcPts val="0"/>
-              </a:spcBef>
-              <a:spcAft>
-                <a:spcPts val="0"/>
-              </a:spcAft>
-              <a:buNone/>
-            </a:pPr>
-            <a:endParaRPr sz="2400">
-              <a:solidFill>
-                <a:srgbClr val="C2C2C2"/>
-              </a:solidFill>
-            </a:endParaRPr>
-          </a:p>
-          <a:p>
-            <a:pPr marL="457200" lvl="0" indent="-381000" algn="l" rtl="0">
-              <a:spcBef>
-                <a:spcPts val="0"/>
-              </a:spcBef>
-              <a:spcAft>
-                <a:spcPts val="0"/>
-              </a:spcAft>
-              <a:buClr>
-                <a:srgbClr val="C2C2C2"/>
-              </a:buClr>
-              <a:buSzPts val="2400"/>
-              <a:buChar char="❏"/>
-            </a:pPr>
-            <a:r>
-              <a:rPr lang="en-GB" sz="2400">
-                <a:solidFill>
-                  <a:srgbClr val="C2C2C2"/>
-                </a:solidFill>
-              </a:rPr>
-              <a:t>Conclusion</a:t>
-            </a:r>
-            <a:endParaRPr sz="2400">
-              <a:solidFill>
-                <a:srgbClr val="C2C2C2"/>
-              </a:solidFill>
-            </a:endParaRPr>
-          </a:p>
-        </p:txBody>
-      </p:sp>
-      <p:sp>
-        <p:nvSpPr>
-          <p:cNvPr id="77" name="Google Shape;77;p3"/>
-          <p:cNvSpPr txBox="1">
-            <a:spLocks noGrp="1"/>
-          </p:cNvSpPr>
-          <p:nvPr>
-            <p:ph type="sldNum" idx="12"/>
-          </p:nvPr>
-        </p:nvSpPr>
-        <p:spPr>
-          <a:xfrm>
-            <a:off x="8595300" y="4879200"/>
-            <a:ext cx="548700" cy="264300"/>
-          </a:xfrm>
-          <a:prstGeom prst="rect">
-            <a:avLst/>
-          </a:prstGeom>
-          <a:noFill/>
-          <a:ln>
-            <a:noFill/>
-          </a:ln>
-        </p:spPr>
-        <p:txBody>
-          <a:bodyPr spcFirstLastPara="1" wrap="square" lIns="91425" tIns="91425" rIns="91425" bIns="91425" anchor="ctr" anchorCtr="0">
-            <a:noAutofit/>
-          </a:bodyPr>
-          <a:lstStyle/>
-          <a:p>
-            <a:pPr marL="0" lvl="0" indent="0" algn="r" rtl="0">
-              <a:lnSpc>
-                <a:spcPct val="100000"/>
-              </a:lnSpc>
-              <a:spcBef>
-                <a:spcPts val="0"/>
-              </a:spcBef>
-              <a:spcAft>
-                <a:spcPts val="0"/>
-              </a:spcAft>
-              <a:buSzPts val="1000"/>
-              <a:buNone/>
-            </a:pPr>
-            <a:fld id="{00000000-1234-1234-1234-123412341234}" type="slidenum">
-              <a:rPr lang="en-GB"/>
-              <a:t>2</a:t>
-            </a:fld>
-            <a:endParaRPr/>
-          </a:p>
-        </p:txBody>
-      </p:sp>
-      <p:sp>
-        <p:nvSpPr>
-          <p:cNvPr id="78" name="Google Shape;78;p3"/>
-          <p:cNvSpPr txBox="1">
-            <a:spLocks noGrp="1"/>
-          </p:cNvSpPr>
-          <p:nvPr>
-            <p:ph type="title"/>
-          </p:nvPr>
-        </p:nvSpPr>
-        <p:spPr>
-          <a:xfrm>
-            <a:off x="311700" y="0"/>
-            <a:ext cx="8520600" cy="439800"/>
-          </a:xfrm>
-          <a:prstGeom prst="rect">
-            <a:avLst/>
-          </a:prstGeom>
-          <a:noFill/>
-          <a:ln>
-            <a:noFill/>
-          </a:ln>
-        </p:spPr>
-        <p:txBody>
-          <a:bodyPr spcFirstLastPara="1" wrap="square" lIns="91425" tIns="91425" rIns="91425" bIns="91425" anchor="ctr" anchorCtr="0">
-            <a:noAutofit/>
-          </a:bodyPr>
-          <a:lstStyle/>
-          <a:p>
-            <a:pPr marL="0" lvl="0" indent="0" algn="l" rtl="0">
-              <a:lnSpc>
-                <a:spcPct val="100000"/>
-              </a:lnSpc>
-              <a:spcBef>
-                <a:spcPts val="0"/>
-              </a:spcBef>
-              <a:spcAft>
-                <a:spcPts val="0"/>
-              </a:spcAft>
-              <a:buSzPts val="2200"/>
-              <a:buNone/>
-            </a:pPr>
-            <a:r>
-              <a:rPr lang="en-GB"/>
-              <a:t>Outline</a:t>
-            </a:r>
-            <a:endParaRPr/>
-          </a:p>
-        </p:txBody>
-      </p:sp>
-    </p:spTree>
-  </p:cSld>
-  <p:clrMapOvr>
-    <a:masterClrMapping/>
-  </p:clrMapOvr>
-  <p:timing>
-    <p:tnLst>
-      <p:par>
-        <p:cTn id="1" dur="indefinite" restart="never" nodeType="tmRoot">
-          <p:childTnLst>
-            <p:seq concurrent="1" nextAc="seek">
-              <p:cTn id="2" dur="indefinite" nodeType="mainSeq">
-                <p:childTnLst>
-                  <p:par>
-                    <p:cTn id="3" fill="hold">
-                      <p:stCondLst>
-                        <p:cond delay="indefinite"/>
-                      </p:stCondLst>
-                      <p:childTnLst>
-                        <p:par>
-                          <p:cTn id="4" fill="hold">
-                            <p:stCondLst>
-                              <p:cond delay="0"/>
-                            </p:stCondLst>
-                            <p:childTnLst>
-                              <p:par>
-                                <p:cTn id="5" presetID="1" presetClass="entr" presetSubtype="0" fill="hold" nodeType="clickEffect">
-                                  <p:stCondLst>
-                                    <p:cond delay="0"/>
-                                  </p:stCondLst>
-                                  <p:childTnLst>
-                                    <p:set>
-                                      <p:cBhvr>
-                                        <p:cTn id="6" dur="1" fill="hold">
-                                          <p:stCondLst>
-                                            <p:cond delay="0"/>
-                                          </p:stCondLst>
-                                        </p:cTn>
-                                        <p:tgtEl>
-                                          <p:spTgt spid="76"/>
-                                        </p:tgtEl>
-                                        <p:attrNameLst>
-                                          <p:attrName>style.visibility</p:attrName>
-                                        </p:attrNameLst>
-                                      </p:cBhvr>
-                                      <p:to>
-                                        <p:strVal val="visible"/>
-                                      </p:to>
-                                    </p:set>
-                                  </p:childTnLst>
-                                </p:cTn>
-                              </p:par>
-                            </p:childTnLst>
-                          </p:cTn>
-                        </p:par>
-                      </p:childTnLst>
-                    </p:cTn>
-                  </p:par>
-                </p:childTnLst>
-              </p:cTn>
-              <p:prevCondLst>
-                <p:cond evt="onPrev" delay="0">
-                  <p:tgtEl>
-                    <p:sldTgt/>
-                  </p:tgtEl>
-                </p:cond>
-              </p:prevCondLst>
-              <p:nextCondLst>
-                <p:cond evt="onNext" delay="0">
-                  <p:tgtEl>
-                    <p:sldTgt/>
-                  </p:tgtEl>
-                </p:cond>
-              </p:nextCondLst>
-            </p:seq>
-          </p:childTnLst>
-        </p:cTn>
-      </p:par>
-    </p:tnLst>
-  </p:timing>
-</p:sld>
-</file>
-
-<file path=ppt/slides/slide20.xml><?xml version="1.0" encoding="utf-8"?>
+<file path=ppt/slides/slide21.xml><?xml version="1.0" encoding="utf-8"?>
 <p:sld xmlns:a="http://schemas.openxmlformats.org/drawingml/2006/main" xmlns:r="http://schemas.openxmlformats.org/officeDocument/2006/relationships" xmlns:p="http://schemas.openxmlformats.org/presentationml/2006/main">
   <p:cSld>
     <p:spTree>
@@ -15606,7 +16548,7 @@
             </a:pPr>
             <a:fld id="{00000000-1234-1234-1234-123412341234}" type="slidenum">
               <a:rPr lang="en-GB"/>
-              <a:t>20</a:t>
+              <a:t>21</a:t>
             </a:fld>
             <a:endParaRPr/>
           </a:p>
@@ -15699,7 +16641,7 @@
 </p:sld>
 </file>
 
-<file path=ppt/slides/slide21.xml><?xml version="1.0" encoding="utf-8"?>
+<file path=ppt/slides/slide22.xml><?xml version="1.0" encoding="utf-8"?>
 <p:sld xmlns:a="http://schemas.openxmlformats.org/drawingml/2006/main" xmlns:r="http://schemas.openxmlformats.org/officeDocument/2006/relationships" xmlns:p="http://schemas.openxmlformats.org/presentationml/2006/main">
   <p:cSld>
     <p:spTree>
@@ -15964,7 +16906,7 @@
             </a:pPr>
             <a:fld id="{00000000-1234-1234-1234-123412341234}" type="slidenum">
               <a:rPr lang="en-GB"/>
-              <a:t>21</a:t>
+              <a:t>22</a:t>
             </a:fld>
             <a:endParaRPr/>
           </a:p>
@@ -16036,85 +16978,10 @@
   <p:clrMapOvr>
     <a:masterClrMapping/>
   </p:clrMapOvr>
-  <p:timing>
-    <p:tnLst>
-      <p:par>
-        <p:cTn id="1" dur="indefinite" restart="never" nodeType="tmRoot">
-          <p:childTnLst>
-            <p:seq concurrent="1" nextAc="seek">
-              <p:cTn id="2" dur="indefinite" nodeType="mainSeq">
-                <p:childTnLst>
-                  <p:par>
-                    <p:cTn id="3" fill="hold">
-                      <p:stCondLst>
-                        <p:cond delay="indefinite"/>
-                      </p:stCondLst>
-                      <p:childTnLst>
-                        <p:par>
-                          <p:cTn id="4" fill="hold">
-                            <p:stCondLst>
-                              <p:cond delay="0"/>
-                            </p:stCondLst>
-                            <p:childTnLst>
-                              <p:par>
-                                <p:cTn id="5" presetID="1" presetClass="entr" presetSubtype="0" fill="hold" nodeType="clickEffect">
-                                  <p:stCondLst>
-                                    <p:cond delay="0"/>
-                                  </p:stCondLst>
-                                  <p:childTnLst>
-                                    <p:set>
-                                      <p:cBhvr>
-                                        <p:cTn id="6" dur="1" fill="hold">
-                                          <p:stCondLst>
-                                            <p:cond delay="0"/>
-                                          </p:stCondLst>
-                                        </p:cTn>
-                                        <p:tgtEl>
-                                          <p:spTgt spid="106"/>
-                                        </p:tgtEl>
-                                        <p:attrNameLst>
-                                          <p:attrName>style.visibility</p:attrName>
-                                        </p:attrNameLst>
-                                      </p:cBhvr>
-                                      <p:to>
-                                        <p:strVal val="visible"/>
-                                      </p:to>
-                                    </p:set>
-                                  </p:childTnLst>
-                                </p:cTn>
-                              </p:par>
-                            </p:childTnLst>
-                          </p:cTn>
-                        </p:par>
-                      </p:childTnLst>
-                    </p:cTn>
-                  </p:par>
-                </p:childTnLst>
-              </p:cTn>
-              <p:prevCondLst>
-                <p:cond evt="onPrev" delay="0">
-                  <p:tgtEl>
-                    <p:sldTgt/>
-                  </p:tgtEl>
-                </p:cond>
-              </p:prevCondLst>
-              <p:nextCondLst>
-                <p:cond evt="onNext" delay="0">
-                  <p:tgtEl>
-                    <p:sldTgt/>
-                  </p:tgtEl>
-                </p:cond>
-              </p:nextCondLst>
-            </p:seq>
-          </p:childTnLst>
-        </p:cTn>
-      </p:par>
-    </p:tnLst>
-  </p:timing>
 </p:sld>
 </file>
 
-<file path=ppt/slides/slide22.xml><?xml version="1.0" encoding="utf-8"?>
+<file path=ppt/slides/slide23.xml><?xml version="1.0" encoding="utf-8"?>
 <p:sld xmlns:a="http://schemas.openxmlformats.org/drawingml/2006/main" xmlns:r="http://schemas.openxmlformats.org/officeDocument/2006/relationships" xmlns:p="http://schemas.openxmlformats.org/presentationml/2006/main">
   <p:cSld>
     <p:spTree>
@@ -16178,10 +17045,18 @@
             <a:r>
               <a:rPr lang="en-US" altLang="zh-CN" dirty="0">
                 <a:solidFill>
+                  <a:srgbClr val="C00000"/>
+                </a:solidFill>
+              </a:rPr>
+              <a:t>Customized RAG framework </a:t>
+            </a:r>
+            <a:r>
+              <a:rPr lang="en-US" altLang="zh-CN" dirty="0">
+                <a:solidFill>
                   <a:schemeClr val="bg2"/>
                 </a:solidFill>
               </a:rPr>
-              <a:t>Customized RAG framework for NL2SVA</a:t>
+              <a:t>for NL2SVA</a:t>
             </a:r>
           </a:p>
           <a:p>
@@ -16227,7 +17102,15 @@
                   <a:schemeClr val="bg2"/>
                 </a:solidFill>
               </a:rPr>
-              <a:t>Synthetic fine-tuning dataset with prompt-guided explanations</a:t>
+              <a:t>Synthetic fine-tuning dataset with </a:t>
+            </a:r>
+            <a:r>
+              <a:rPr lang="en-US" altLang="zh-CN" dirty="0">
+                <a:solidFill>
+                  <a:srgbClr val="C00000"/>
+                </a:solidFill>
+              </a:rPr>
+              <a:t>prompt-guided explanations</a:t>
             </a:r>
           </a:p>
           <a:p>
@@ -16270,10 +17153,18 @@
             <a:r>
               <a:rPr lang="en-US" altLang="zh-CN" dirty="0">
                 <a:solidFill>
+                  <a:srgbClr val="C00000"/>
+                </a:solidFill>
+              </a:rPr>
+              <a:t>Largest</a:t>
+            </a:r>
+            <a:r>
+              <a:rPr lang="en-US" altLang="zh-CN" dirty="0">
+                <a:solidFill>
                   <a:schemeClr val="bg2"/>
                 </a:solidFill>
               </a:rPr>
-              <a:t>Largest NL2SVA evaluation dataset to date</a:t>
+              <a:t> NL2SVA evaluation dataset to date</a:t>
             </a:r>
           </a:p>
           <a:p>
@@ -16319,7 +17210,23 @@
                   <a:schemeClr val="bg2"/>
                 </a:solidFill>
               </a:rPr>
-              <a:t>Evaluation across LLMs (GPT-4o-mini, CodeX, DeepSeek-V3, fine-tuned Qwen2.5-Coder-7B)</a:t>
+              <a:t>Evaluation </a:t>
+            </a:r>
+            <a:r>
+              <a:rPr lang="en-US" altLang="zh-CN" dirty="0">
+                <a:solidFill>
+                  <a:srgbClr val="C00000"/>
+                </a:solidFill>
+              </a:rPr>
+              <a:t>across LLMs </a:t>
+            </a:r>
+            <a:r>
+              <a:rPr lang="en-US" altLang="zh-CN" dirty="0">
+                <a:solidFill>
+                  <a:schemeClr val="bg2"/>
+                </a:solidFill>
+              </a:rPr>
+              <a:t>(GPT-4o-mini, CodeX, DeepSeek-V3, fine-tuned Qwen2.5-Coder-7B)</a:t>
             </a:r>
             <a:endParaRPr dirty="0">
               <a:solidFill>
@@ -16499,7 +17406,7 @@
             </a:pPr>
             <a:fld id="{00000000-1234-1234-1234-123412341234}" type="slidenum">
               <a:rPr lang="en-GB"/>
-              <a:t>22</a:t>
+              <a:t>23</a:t>
             </a:fld>
             <a:endParaRPr/>
           </a:p>
@@ -16562,7 +17469,7 @@
 </p:sld>
 </file>
 
-<file path=ppt/slides/slide23.xml><?xml version="1.0" encoding="utf-8"?>
+<file path=ppt/slides/slide24.xml><?xml version="1.0" encoding="utf-8"?>
 <p:sld xmlns:a="http://schemas.openxmlformats.org/drawingml/2006/main" xmlns:r="http://schemas.openxmlformats.org/officeDocument/2006/relationships" xmlns:p="http://schemas.openxmlformats.org/presentationml/2006/main">
   <p:cSld>
     <p:spTree>
@@ -16623,7 +17530,7 @@
             </a:pPr>
             <a:fld id="{00000000-1234-1234-1234-123412341234}" type="slidenum">
               <a:rPr lang="en-GB"/>
-              <a:t>23</a:t>
+              <a:t>24</a:t>
             </a:fld>
             <a:endParaRPr/>
           </a:p>
@@ -18125,351 +19032,6 @@
   <p:clrMapOvr>
     <a:masterClrMapping/>
   </p:clrMapOvr>
-  <p:timing>
-    <p:tnLst>
-      <p:par>
-        <p:cTn id="1" dur="indefinite" restart="never" nodeType="tmRoot">
-          <p:childTnLst>
-            <p:seq concurrent="1" nextAc="seek">
-              <p:cTn id="2" dur="indefinite" nodeType="mainSeq">
-                <p:childTnLst>
-                  <p:par>
-                    <p:cTn id="3" fill="hold">
-                      <p:stCondLst>
-                        <p:cond delay="indefinite"/>
-                      </p:stCondLst>
-                      <p:childTnLst>
-                        <p:par>
-                          <p:cTn id="4" fill="hold">
-                            <p:stCondLst>
-                              <p:cond delay="0"/>
-                            </p:stCondLst>
-                            <p:childTnLst>
-                              <p:par>
-                                <p:cTn id="5" presetID="1" presetClass="entr" presetSubtype="0" fill="hold" nodeType="clickEffect">
-                                  <p:stCondLst>
-                                    <p:cond delay="0"/>
-                                  </p:stCondLst>
-                                  <p:childTnLst>
-                                    <p:set>
-                                      <p:cBhvr>
-                                        <p:cTn id="6" dur="1" fill="hold">
-                                          <p:stCondLst>
-                                            <p:cond delay="0"/>
-                                          </p:stCondLst>
-                                        </p:cTn>
-                                        <p:tgtEl>
-                                          <p:spTgt spid="87"/>
-                                        </p:tgtEl>
-                                        <p:attrNameLst>
-                                          <p:attrName>style.visibility</p:attrName>
-                                        </p:attrNameLst>
-                                      </p:cBhvr>
-                                      <p:to>
-                                        <p:strVal val="visible"/>
-                                      </p:to>
-                                    </p:set>
-                                  </p:childTnLst>
-                                </p:cTn>
-                              </p:par>
-                            </p:childTnLst>
-                          </p:cTn>
-                        </p:par>
-                      </p:childTnLst>
-                    </p:cTn>
-                  </p:par>
-                  <p:par>
-                    <p:cTn id="7" fill="hold">
-                      <p:stCondLst>
-                        <p:cond delay="indefinite"/>
-                      </p:stCondLst>
-                      <p:childTnLst>
-                        <p:par>
-                          <p:cTn id="8" fill="hold">
-                            <p:stCondLst>
-                              <p:cond delay="0"/>
-                            </p:stCondLst>
-                            <p:childTnLst>
-                              <p:par>
-                                <p:cTn id="9" presetID="1" presetClass="entr" presetSubtype="0" fill="hold" nodeType="clickEffect">
-                                  <p:stCondLst>
-                                    <p:cond delay="0"/>
-                                  </p:stCondLst>
-                                  <p:childTnLst>
-                                    <p:set>
-                                      <p:cBhvr>
-                                        <p:cTn id="10" dur="1" fill="hold">
-                                          <p:stCondLst>
-                                            <p:cond delay="0"/>
-                                          </p:stCondLst>
-                                        </p:cTn>
-                                        <p:tgtEl>
-                                          <p:spTgt spid="12"/>
-                                        </p:tgtEl>
-                                        <p:attrNameLst>
-                                          <p:attrName>style.visibility</p:attrName>
-                                        </p:attrNameLst>
-                                      </p:cBhvr>
-                                      <p:to>
-                                        <p:strVal val="visible"/>
-                                      </p:to>
-                                    </p:set>
-                                  </p:childTnLst>
-                                </p:cTn>
-                              </p:par>
-                            </p:childTnLst>
-                          </p:cTn>
-                        </p:par>
-                      </p:childTnLst>
-                    </p:cTn>
-                  </p:par>
-                  <p:par>
-                    <p:cTn id="11" fill="hold">
-                      <p:stCondLst>
-                        <p:cond delay="indefinite"/>
-                      </p:stCondLst>
-                      <p:childTnLst>
-                        <p:par>
-                          <p:cTn id="12" fill="hold">
-                            <p:stCondLst>
-                              <p:cond delay="0"/>
-                            </p:stCondLst>
-                            <p:childTnLst>
-                              <p:par>
-                                <p:cTn id="13" presetID="1" presetClass="entr" presetSubtype="0" fill="hold" nodeType="clickEffect">
-                                  <p:stCondLst>
-                                    <p:cond delay="0"/>
-                                  </p:stCondLst>
-                                  <p:childTnLst>
-                                    <p:set>
-                                      <p:cBhvr>
-                                        <p:cTn id="14" dur="1" fill="hold">
-                                          <p:stCondLst>
-                                            <p:cond delay="0"/>
-                                          </p:stCondLst>
-                                        </p:cTn>
-                                        <p:tgtEl>
-                                          <p:spTgt spid="22"/>
-                                        </p:tgtEl>
-                                        <p:attrNameLst>
-                                          <p:attrName>style.visibility</p:attrName>
-                                        </p:attrNameLst>
-                                      </p:cBhvr>
-                                      <p:to>
-                                        <p:strVal val="visible"/>
-                                      </p:to>
-                                    </p:set>
-                                  </p:childTnLst>
-                                </p:cTn>
-                              </p:par>
-                            </p:childTnLst>
-                          </p:cTn>
-                        </p:par>
-                      </p:childTnLst>
-                    </p:cTn>
-                  </p:par>
-                  <p:par>
-                    <p:cTn id="15" fill="hold">
-                      <p:stCondLst>
-                        <p:cond delay="indefinite"/>
-                      </p:stCondLst>
-                      <p:childTnLst>
-                        <p:par>
-                          <p:cTn id="16" fill="hold">
-                            <p:stCondLst>
-                              <p:cond delay="0"/>
-                            </p:stCondLst>
-                            <p:childTnLst>
-                              <p:par>
-                                <p:cTn id="17" presetID="1" presetClass="entr" presetSubtype="0" fill="hold" nodeType="clickEffect">
-                                  <p:stCondLst>
-                                    <p:cond delay="0"/>
-                                  </p:stCondLst>
-                                  <p:childTnLst>
-                                    <p:set>
-                                      <p:cBhvr>
-                                        <p:cTn id="18" dur="1" fill="hold">
-                                          <p:stCondLst>
-                                            <p:cond delay="0"/>
-                                          </p:stCondLst>
-                                        </p:cTn>
-                                        <p:tgtEl>
-                                          <p:spTgt spid="31"/>
-                                        </p:tgtEl>
-                                        <p:attrNameLst>
-                                          <p:attrName>style.visibility</p:attrName>
-                                        </p:attrNameLst>
-                                      </p:cBhvr>
-                                      <p:to>
-                                        <p:strVal val="visible"/>
-                                      </p:to>
-                                    </p:set>
-                                  </p:childTnLst>
-                                </p:cTn>
-                              </p:par>
-                            </p:childTnLst>
-                          </p:cTn>
-                        </p:par>
-                      </p:childTnLst>
-                    </p:cTn>
-                  </p:par>
-                  <p:par>
-                    <p:cTn id="19" fill="hold">
-                      <p:stCondLst>
-                        <p:cond delay="indefinite"/>
-                      </p:stCondLst>
-                      <p:childTnLst>
-                        <p:par>
-                          <p:cTn id="20" fill="hold">
-                            <p:stCondLst>
-                              <p:cond delay="0"/>
-                            </p:stCondLst>
-                            <p:childTnLst>
-                              <p:par>
-                                <p:cTn id="21" presetID="1" presetClass="entr" presetSubtype="0" fill="hold" nodeType="clickEffect">
-                                  <p:stCondLst>
-                                    <p:cond delay="0"/>
-                                  </p:stCondLst>
-                                  <p:childTnLst>
-                                    <p:set>
-                                      <p:cBhvr>
-                                        <p:cTn id="22" dur="1" fill="hold">
-                                          <p:stCondLst>
-                                            <p:cond delay="0"/>
-                                          </p:stCondLst>
-                                        </p:cTn>
-                                        <p:tgtEl>
-                                          <p:spTgt spid="37"/>
-                                        </p:tgtEl>
-                                        <p:attrNameLst>
-                                          <p:attrName>style.visibility</p:attrName>
-                                        </p:attrNameLst>
-                                      </p:cBhvr>
-                                      <p:to>
-                                        <p:strVal val="visible"/>
-                                      </p:to>
-                                    </p:set>
-                                  </p:childTnLst>
-                                </p:cTn>
-                              </p:par>
-                            </p:childTnLst>
-                          </p:cTn>
-                        </p:par>
-                      </p:childTnLst>
-                    </p:cTn>
-                  </p:par>
-                  <p:par>
-                    <p:cTn id="23" fill="hold">
-                      <p:stCondLst>
-                        <p:cond delay="indefinite"/>
-                      </p:stCondLst>
-                      <p:childTnLst>
-                        <p:par>
-                          <p:cTn id="24" fill="hold">
-                            <p:stCondLst>
-                              <p:cond delay="0"/>
-                            </p:stCondLst>
-                            <p:childTnLst>
-                              <p:par>
-                                <p:cTn id="25" presetID="1" presetClass="entr" presetSubtype="0" fill="hold" nodeType="clickEffect">
-                                  <p:stCondLst>
-                                    <p:cond delay="0"/>
-                                  </p:stCondLst>
-                                  <p:childTnLst>
-                                    <p:set>
-                                      <p:cBhvr>
-                                        <p:cTn id="26" dur="1" fill="hold">
-                                          <p:stCondLst>
-                                            <p:cond delay="0"/>
-                                          </p:stCondLst>
-                                        </p:cTn>
-                                        <p:tgtEl>
-                                          <p:spTgt spid="39"/>
-                                        </p:tgtEl>
-                                        <p:attrNameLst>
-                                          <p:attrName>style.visibility</p:attrName>
-                                        </p:attrNameLst>
-                                      </p:cBhvr>
-                                      <p:to>
-                                        <p:strVal val="visible"/>
-                                      </p:to>
-                                    </p:set>
-                                  </p:childTnLst>
-                                </p:cTn>
-                              </p:par>
-                            </p:childTnLst>
-                          </p:cTn>
-                        </p:par>
-                      </p:childTnLst>
-                    </p:cTn>
-                  </p:par>
-                  <p:par>
-                    <p:cTn id="27" fill="hold">
-                      <p:stCondLst>
-                        <p:cond delay="indefinite"/>
-                      </p:stCondLst>
-                      <p:childTnLst>
-                        <p:par>
-                          <p:cTn id="28" fill="hold">
-                            <p:stCondLst>
-                              <p:cond delay="0"/>
-                            </p:stCondLst>
-                            <p:childTnLst>
-                              <p:par>
-                                <p:cTn id="29" presetID="1" presetClass="entr" presetSubtype="0" fill="hold" nodeType="clickEffect">
-                                  <p:stCondLst>
-                                    <p:cond delay="0"/>
-                                  </p:stCondLst>
-                                  <p:childTnLst>
-                                    <p:set>
-                                      <p:cBhvr>
-                                        <p:cTn id="30" dur="1" fill="hold">
-                                          <p:stCondLst>
-                                            <p:cond delay="0"/>
-                                          </p:stCondLst>
-                                        </p:cTn>
-                                        <p:tgtEl>
-                                          <p:spTgt spid="41"/>
-                                        </p:tgtEl>
-                                        <p:attrNameLst>
-                                          <p:attrName>style.visibility</p:attrName>
-                                        </p:attrNameLst>
-                                      </p:cBhvr>
-                                      <p:to>
-                                        <p:strVal val="visible"/>
-                                      </p:to>
-                                    </p:set>
-                                  </p:childTnLst>
-                                </p:cTn>
-                              </p:par>
-                            </p:childTnLst>
-                          </p:cTn>
-                        </p:par>
-                      </p:childTnLst>
-                    </p:cTn>
-                  </p:par>
-                </p:childTnLst>
-              </p:cTn>
-              <p:prevCondLst>
-                <p:cond evt="onPrev" delay="0">
-                  <p:tgtEl>
-                    <p:sldTgt/>
-                  </p:tgtEl>
-                </p:cond>
-              </p:prevCondLst>
-              <p:nextCondLst>
-                <p:cond evt="onNext" delay="0">
-                  <p:tgtEl>
-                    <p:sldTgt/>
-                  </p:tgtEl>
-                </p:cond>
-              </p:nextCondLst>
-            </p:seq>
-          </p:childTnLst>
-        </p:cTn>
-      </p:par>
-    </p:tnLst>
-  </p:timing>
 </p:sld>
 </file>
 
@@ -19411,9 +19973,7 @@
           </a:prstGeom>
           <a:noFill/>
           <a:ln>
-            <a:solidFill>
-              <a:srgbClr val="0070C0"/>
-            </a:solidFill>
+            <a:noFill/>
           </a:ln>
         </p:spPr>
         <p:txBody>
@@ -20379,6 +20939,468 @@
   <p:clrMapOvr>
     <a:masterClrMapping/>
   </p:clrMapOvr>
+  <p:timing>
+    <p:tnLst>
+      <p:par>
+        <p:cTn id="1" dur="indefinite" restart="never" nodeType="tmRoot">
+          <p:childTnLst>
+            <p:seq concurrent="1" nextAc="seek">
+              <p:cTn id="2" dur="indefinite" nodeType="mainSeq">
+                <p:childTnLst>
+                  <p:par>
+                    <p:cTn id="3" fill="hold">
+                      <p:stCondLst>
+                        <p:cond delay="indefinite"/>
+                      </p:stCondLst>
+                      <p:childTnLst>
+                        <p:par>
+                          <p:cTn id="4" fill="hold">
+                            <p:stCondLst>
+                              <p:cond delay="0"/>
+                            </p:stCondLst>
+                            <p:childTnLst>
+                              <p:par>
+                                <p:cTn id="5" presetID="10" presetClass="entr" presetSubtype="0" fill="hold" grpId="0" nodeType="clickEffect">
+                                  <p:stCondLst>
+                                    <p:cond delay="0"/>
+                                  </p:stCondLst>
+                                  <p:childTnLst>
+                                    <p:set>
+                                      <p:cBhvr>
+                                        <p:cTn id="6" dur="1" fill="hold">
+                                          <p:stCondLst>
+                                            <p:cond delay="0"/>
+                                          </p:stCondLst>
+                                        </p:cTn>
+                                        <p:tgtEl>
+                                          <p:spTgt spid="20"/>
+                                        </p:tgtEl>
+                                        <p:attrNameLst>
+                                          <p:attrName>style.visibility</p:attrName>
+                                        </p:attrNameLst>
+                                      </p:cBhvr>
+                                      <p:to>
+                                        <p:strVal val="visible"/>
+                                      </p:to>
+                                    </p:set>
+                                    <p:animEffect transition="in" filter="fade">
+                                      <p:cBhvr>
+                                        <p:cTn id="7" dur="500"/>
+                                        <p:tgtEl>
+                                          <p:spTgt spid="20"/>
+                                        </p:tgtEl>
+                                      </p:cBhvr>
+                                    </p:animEffect>
+                                  </p:childTnLst>
+                                </p:cTn>
+                              </p:par>
+                              <p:par>
+                                <p:cTn id="8" presetID="10" presetClass="entr" presetSubtype="0" fill="hold" grpId="0" nodeType="withEffect">
+                                  <p:stCondLst>
+                                    <p:cond delay="0"/>
+                                  </p:stCondLst>
+                                  <p:childTnLst>
+                                    <p:set>
+                                      <p:cBhvr>
+                                        <p:cTn id="9" dur="1" fill="hold">
+                                          <p:stCondLst>
+                                            <p:cond delay="0"/>
+                                          </p:stCondLst>
+                                        </p:cTn>
+                                        <p:tgtEl>
+                                          <p:spTgt spid="22"/>
+                                        </p:tgtEl>
+                                        <p:attrNameLst>
+                                          <p:attrName>style.visibility</p:attrName>
+                                        </p:attrNameLst>
+                                      </p:cBhvr>
+                                      <p:to>
+                                        <p:strVal val="visible"/>
+                                      </p:to>
+                                    </p:set>
+                                    <p:animEffect transition="in" filter="fade">
+                                      <p:cBhvr>
+                                        <p:cTn id="10" dur="500"/>
+                                        <p:tgtEl>
+                                          <p:spTgt spid="22"/>
+                                        </p:tgtEl>
+                                      </p:cBhvr>
+                                    </p:animEffect>
+                                  </p:childTnLst>
+                                </p:cTn>
+                              </p:par>
+                            </p:childTnLst>
+                          </p:cTn>
+                        </p:par>
+                      </p:childTnLst>
+                    </p:cTn>
+                  </p:par>
+                  <p:par>
+                    <p:cTn id="11" fill="hold">
+                      <p:stCondLst>
+                        <p:cond delay="indefinite"/>
+                      </p:stCondLst>
+                      <p:childTnLst>
+                        <p:par>
+                          <p:cTn id="12" fill="hold">
+                            <p:stCondLst>
+                              <p:cond delay="0"/>
+                            </p:stCondLst>
+                            <p:childTnLst>
+                              <p:par>
+                                <p:cTn id="13" presetID="10" presetClass="entr" presetSubtype="0" fill="hold" nodeType="clickEffect">
+                                  <p:stCondLst>
+                                    <p:cond delay="0"/>
+                                  </p:stCondLst>
+                                  <p:childTnLst>
+                                    <p:set>
+                                      <p:cBhvr>
+                                        <p:cTn id="14" dur="1" fill="hold">
+                                          <p:stCondLst>
+                                            <p:cond delay="0"/>
+                                          </p:stCondLst>
+                                        </p:cTn>
+                                        <p:tgtEl>
+                                          <p:spTgt spid="25"/>
+                                        </p:tgtEl>
+                                        <p:attrNameLst>
+                                          <p:attrName>style.visibility</p:attrName>
+                                        </p:attrNameLst>
+                                      </p:cBhvr>
+                                      <p:to>
+                                        <p:strVal val="visible"/>
+                                      </p:to>
+                                    </p:set>
+                                    <p:animEffect transition="in" filter="fade">
+                                      <p:cBhvr>
+                                        <p:cTn id="15" dur="500"/>
+                                        <p:tgtEl>
+                                          <p:spTgt spid="25"/>
+                                        </p:tgtEl>
+                                      </p:cBhvr>
+                                    </p:animEffect>
+                                  </p:childTnLst>
+                                </p:cTn>
+                              </p:par>
+                              <p:par>
+                                <p:cTn id="16" presetID="10" presetClass="entr" presetSubtype="0" fill="hold" nodeType="withEffect">
+                                  <p:stCondLst>
+                                    <p:cond delay="0"/>
+                                  </p:stCondLst>
+                                  <p:childTnLst>
+                                    <p:set>
+                                      <p:cBhvr>
+                                        <p:cTn id="17" dur="1" fill="hold">
+                                          <p:stCondLst>
+                                            <p:cond delay="0"/>
+                                          </p:stCondLst>
+                                        </p:cTn>
+                                        <p:tgtEl>
+                                          <p:spTgt spid="27"/>
+                                        </p:tgtEl>
+                                        <p:attrNameLst>
+                                          <p:attrName>style.visibility</p:attrName>
+                                        </p:attrNameLst>
+                                      </p:cBhvr>
+                                      <p:to>
+                                        <p:strVal val="visible"/>
+                                      </p:to>
+                                    </p:set>
+                                    <p:animEffect transition="in" filter="fade">
+                                      <p:cBhvr>
+                                        <p:cTn id="18" dur="500"/>
+                                        <p:tgtEl>
+                                          <p:spTgt spid="27"/>
+                                        </p:tgtEl>
+                                      </p:cBhvr>
+                                    </p:animEffect>
+                                  </p:childTnLst>
+                                </p:cTn>
+                              </p:par>
+                              <p:par>
+                                <p:cTn id="19" presetID="10" presetClass="entr" presetSubtype="0" fill="hold" grpId="0" nodeType="withEffect">
+                                  <p:stCondLst>
+                                    <p:cond delay="0"/>
+                                  </p:stCondLst>
+                                  <p:childTnLst>
+                                    <p:set>
+                                      <p:cBhvr>
+                                        <p:cTn id="20" dur="1" fill="hold">
+                                          <p:stCondLst>
+                                            <p:cond delay="0"/>
+                                          </p:stCondLst>
+                                        </p:cTn>
+                                        <p:tgtEl>
+                                          <p:spTgt spid="23"/>
+                                        </p:tgtEl>
+                                        <p:attrNameLst>
+                                          <p:attrName>style.visibility</p:attrName>
+                                        </p:attrNameLst>
+                                      </p:cBhvr>
+                                      <p:to>
+                                        <p:strVal val="visible"/>
+                                      </p:to>
+                                    </p:set>
+                                    <p:animEffect transition="in" filter="fade">
+                                      <p:cBhvr>
+                                        <p:cTn id="21" dur="500"/>
+                                        <p:tgtEl>
+                                          <p:spTgt spid="23"/>
+                                        </p:tgtEl>
+                                      </p:cBhvr>
+                                    </p:animEffect>
+                                  </p:childTnLst>
+                                </p:cTn>
+                              </p:par>
+                              <p:par>
+                                <p:cTn id="22" presetID="10" presetClass="entr" presetSubtype="0" fill="hold" grpId="0" nodeType="withEffect">
+                                  <p:stCondLst>
+                                    <p:cond delay="0"/>
+                                  </p:stCondLst>
+                                  <p:childTnLst>
+                                    <p:set>
+                                      <p:cBhvr>
+                                        <p:cTn id="23" dur="1" fill="hold">
+                                          <p:stCondLst>
+                                            <p:cond delay="0"/>
+                                          </p:stCondLst>
+                                        </p:cTn>
+                                        <p:tgtEl>
+                                          <p:spTgt spid="24"/>
+                                        </p:tgtEl>
+                                        <p:attrNameLst>
+                                          <p:attrName>style.visibility</p:attrName>
+                                        </p:attrNameLst>
+                                      </p:cBhvr>
+                                      <p:to>
+                                        <p:strVal val="visible"/>
+                                      </p:to>
+                                    </p:set>
+                                    <p:animEffect transition="in" filter="fade">
+                                      <p:cBhvr>
+                                        <p:cTn id="24" dur="500"/>
+                                        <p:tgtEl>
+                                          <p:spTgt spid="24"/>
+                                        </p:tgtEl>
+                                      </p:cBhvr>
+                                    </p:animEffect>
+                                  </p:childTnLst>
+                                </p:cTn>
+                              </p:par>
+                              <p:par>
+                                <p:cTn id="25" presetID="10" presetClass="entr" presetSubtype="0" fill="hold" grpId="0" nodeType="withEffect">
+                                  <p:stCondLst>
+                                    <p:cond delay="0"/>
+                                  </p:stCondLst>
+                                  <p:childTnLst>
+                                    <p:set>
+                                      <p:cBhvr>
+                                        <p:cTn id="26" dur="1" fill="hold">
+                                          <p:stCondLst>
+                                            <p:cond delay="0"/>
+                                          </p:stCondLst>
+                                        </p:cTn>
+                                        <p:tgtEl>
+                                          <p:spTgt spid="37"/>
+                                        </p:tgtEl>
+                                        <p:attrNameLst>
+                                          <p:attrName>style.visibility</p:attrName>
+                                        </p:attrNameLst>
+                                      </p:cBhvr>
+                                      <p:to>
+                                        <p:strVal val="visible"/>
+                                      </p:to>
+                                    </p:set>
+                                    <p:animEffect transition="in" filter="fade">
+                                      <p:cBhvr>
+                                        <p:cTn id="27" dur="500"/>
+                                        <p:tgtEl>
+                                          <p:spTgt spid="37"/>
+                                        </p:tgtEl>
+                                      </p:cBhvr>
+                                    </p:animEffect>
+                                  </p:childTnLst>
+                                </p:cTn>
+                              </p:par>
+                            </p:childTnLst>
+                          </p:cTn>
+                        </p:par>
+                      </p:childTnLst>
+                    </p:cTn>
+                  </p:par>
+                  <p:par>
+                    <p:cTn id="28" fill="hold">
+                      <p:stCondLst>
+                        <p:cond delay="indefinite"/>
+                      </p:stCondLst>
+                      <p:childTnLst>
+                        <p:par>
+                          <p:cTn id="29" fill="hold">
+                            <p:stCondLst>
+                              <p:cond delay="0"/>
+                            </p:stCondLst>
+                            <p:childTnLst>
+                              <p:par>
+                                <p:cTn id="30" presetID="10" presetClass="entr" presetSubtype="0" fill="hold" grpId="0" nodeType="clickEffect">
+                                  <p:stCondLst>
+                                    <p:cond delay="0"/>
+                                  </p:stCondLst>
+                                  <p:childTnLst>
+                                    <p:set>
+                                      <p:cBhvr>
+                                        <p:cTn id="31" dur="1" fill="hold">
+                                          <p:stCondLst>
+                                            <p:cond delay="0"/>
+                                          </p:stCondLst>
+                                        </p:cTn>
+                                        <p:tgtEl>
+                                          <p:spTgt spid="49"/>
+                                        </p:tgtEl>
+                                        <p:attrNameLst>
+                                          <p:attrName>style.visibility</p:attrName>
+                                        </p:attrNameLst>
+                                      </p:cBhvr>
+                                      <p:to>
+                                        <p:strVal val="visible"/>
+                                      </p:to>
+                                    </p:set>
+                                    <p:animEffect transition="in" filter="fade">
+                                      <p:cBhvr>
+                                        <p:cTn id="32" dur="500"/>
+                                        <p:tgtEl>
+                                          <p:spTgt spid="49"/>
+                                        </p:tgtEl>
+                                      </p:cBhvr>
+                                    </p:animEffect>
+                                  </p:childTnLst>
+                                </p:cTn>
+                              </p:par>
+                            </p:childTnLst>
+                          </p:cTn>
+                        </p:par>
+                      </p:childTnLst>
+                    </p:cTn>
+                  </p:par>
+                  <p:par>
+                    <p:cTn id="33" fill="hold">
+                      <p:stCondLst>
+                        <p:cond delay="indefinite"/>
+                      </p:stCondLst>
+                      <p:childTnLst>
+                        <p:par>
+                          <p:cTn id="34" fill="hold">
+                            <p:stCondLst>
+                              <p:cond delay="0"/>
+                            </p:stCondLst>
+                            <p:childTnLst>
+                              <p:par>
+                                <p:cTn id="35" presetID="10" presetClass="entr" presetSubtype="0" fill="hold" grpId="0" nodeType="clickEffect">
+                                  <p:stCondLst>
+                                    <p:cond delay="0"/>
+                                  </p:stCondLst>
+                                  <p:childTnLst>
+                                    <p:set>
+                                      <p:cBhvr>
+                                        <p:cTn id="36" dur="1" fill="hold">
+                                          <p:stCondLst>
+                                            <p:cond delay="0"/>
+                                          </p:stCondLst>
+                                        </p:cTn>
+                                        <p:tgtEl>
+                                          <p:spTgt spid="15"/>
+                                        </p:tgtEl>
+                                        <p:attrNameLst>
+                                          <p:attrName>style.visibility</p:attrName>
+                                        </p:attrNameLst>
+                                      </p:cBhvr>
+                                      <p:to>
+                                        <p:strVal val="visible"/>
+                                      </p:to>
+                                    </p:set>
+                                    <p:animEffect transition="in" filter="fade">
+                                      <p:cBhvr>
+                                        <p:cTn id="37" dur="500"/>
+                                        <p:tgtEl>
+                                          <p:spTgt spid="15"/>
+                                        </p:tgtEl>
+                                      </p:cBhvr>
+                                    </p:animEffect>
+                                  </p:childTnLst>
+                                </p:cTn>
+                              </p:par>
+                              <p:par>
+                                <p:cTn id="38" presetID="10" presetClass="entr" presetSubtype="0" fill="hold" grpId="0" nodeType="withEffect">
+                                  <p:stCondLst>
+                                    <p:cond delay="0"/>
+                                  </p:stCondLst>
+                                  <p:childTnLst>
+                                    <p:set>
+                                      <p:cBhvr>
+                                        <p:cTn id="39" dur="1" fill="hold">
+                                          <p:stCondLst>
+                                            <p:cond delay="0"/>
+                                          </p:stCondLst>
+                                        </p:cTn>
+                                        <p:tgtEl>
+                                          <p:spTgt spid="14"/>
+                                        </p:tgtEl>
+                                        <p:attrNameLst>
+                                          <p:attrName>style.visibility</p:attrName>
+                                        </p:attrNameLst>
+                                      </p:cBhvr>
+                                      <p:to>
+                                        <p:strVal val="visible"/>
+                                      </p:to>
+                                    </p:set>
+                                    <p:animEffect transition="in" filter="fade">
+                                      <p:cBhvr>
+                                        <p:cTn id="40" dur="500"/>
+                                        <p:tgtEl>
+                                          <p:spTgt spid="14"/>
+                                        </p:tgtEl>
+                                      </p:cBhvr>
+                                    </p:animEffect>
+                                  </p:childTnLst>
+                                </p:cTn>
+                              </p:par>
+                            </p:childTnLst>
+                          </p:cTn>
+                        </p:par>
+                      </p:childTnLst>
+                    </p:cTn>
+                  </p:par>
+                </p:childTnLst>
+              </p:cTn>
+              <p:prevCondLst>
+                <p:cond evt="onPrev" delay="0">
+                  <p:tgtEl>
+                    <p:sldTgt/>
+                  </p:tgtEl>
+                </p:cond>
+              </p:prevCondLst>
+              <p:nextCondLst>
+                <p:cond evt="onNext" delay="0">
+                  <p:tgtEl>
+                    <p:sldTgt/>
+                  </p:tgtEl>
+                </p:cond>
+              </p:nextCondLst>
+            </p:seq>
+          </p:childTnLst>
+        </p:cTn>
+      </p:par>
+    </p:tnLst>
+    <p:bldLst>
+      <p:bldP spid="20" grpId="0" animBg="1"/>
+      <p:bldP spid="22" grpId="0"/>
+      <p:bldP spid="23" grpId="0" animBg="1"/>
+      <p:bldP spid="24" grpId="0"/>
+      <p:bldP spid="37" grpId="0"/>
+      <p:bldP spid="49" grpId="0"/>
+      <p:bldP spid="14" grpId="0" animBg="1"/>
+      <p:bldP spid="15" grpId="0"/>
+    </p:bldLst>
+  </p:timing>
 </p:sld>
 </file>
 
@@ -21278,6 +22300,128 @@
   <p:clrMapOvr>
     <a:masterClrMapping/>
   </p:clrMapOvr>
+  <p:timing>
+    <p:tnLst>
+      <p:par>
+        <p:cTn id="1" dur="indefinite" restart="never" nodeType="tmRoot">
+          <p:childTnLst>
+            <p:seq concurrent="1" nextAc="seek">
+              <p:cTn id="2" dur="indefinite" nodeType="mainSeq">
+                <p:childTnLst>
+                  <p:par>
+                    <p:cTn id="3" fill="hold">
+                      <p:stCondLst>
+                        <p:cond delay="indefinite"/>
+                      </p:stCondLst>
+                      <p:childTnLst>
+                        <p:par>
+                          <p:cTn id="4" fill="hold">
+                            <p:stCondLst>
+                              <p:cond delay="0"/>
+                            </p:stCondLst>
+                            <p:childTnLst>
+                              <p:par>
+                                <p:cTn id="5" presetID="10" presetClass="entr" presetSubtype="0" fill="hold" grpId="0" nodeType="clickEffect">
+                                  <p:stCondLst>
+                                    <p:cond delay="0"/>
+                                  </p:stCondLst>
+                                  <p:childTnLst>
+                                    <p:set>
+                                      <p:cBhvr>
+                                        <p:cTn id="6" dur="1" fill="hold">
+                                          <p:stCondLst>
+                                            <p:cond delay="0"/>
+                                          </p:stCondLst>
+                                        </p:cTn>
+                                        <p:tgtEl>
+                                          <p:spTgt spid="53"/>
+                                        </p:tgtEl>
+                                        <p:attrNameLst>
+                                          <p:attrName>style.visibility</p:attrName>
+                                        </p:attrNameLst>
+                                      </p:cBhvr>
+                                      <p:to>
+                                        <p:strVal val="visible"/>
+                                      </p:to>
+                                    </p:set>
+                                    <p:animEffect transition="in" filter="fade">
+                                      <p:cBhvr>
+                                        <p:cTn id="7" dur="500"/>
+                                        <p:tgtEl>
+                                          <p:spTgt spid="53"/>
+                                        </p:tgtEl>
+                                      </p:cBhvr>
+                                    </p:animEffect>
+                                  </p:childTnLst>
+                                </p:cTn>
+                              </p:par>
+                              <p:par>
+                                <p:cTn id="8" presetID="10" presetClass="entr" presetSubtype="0" fill="hold" grpId="0" nodeType="withEffect">
+                                  <p:stCondLst>
+                                    <p:cond delay="0"/>
+                                  </p:stCondLst>
+                                  <p:childTnLst>
+                                    <p:set>
+                                      <p:cBhvr>
+                                        <p:cTn id="9" dur="1" fill="hold">
+                                          <p:stCondLst>
+                                            <p:cond delay="0"/>
+                                          </p:stCondLst>
+                                        </p:cTn>
+                                        <p:tgtEl>
+                                          <p:spTgt spid="52"/>
+                                        </p:tgtEl>
+                                        <p:attrNameLst>
+                                          <p:attrName>style.visibility</p:attrName>
+                                        </p:attrNameLst>
+                                      </p:cBhvr>
+                                      <p:to>
+                                        <p:strVal val="visible"/>
+                                      </p:to>
+                                    </p:set>
+                                    <p:animEffect transition="in" filter="fade">
+                                      <p:cBhvr>
+                                        <p:cTn id="10" dur="500"/>
+                                        <p:tgtEl>
+                                          <p:spTgt spid="52"/>
+                                        </p:tgtEl>
+                                      </p:cBhvr>
+                                    </p:animEffect>
+                                  </p:childTnLst>
+                                </p:cTn>
+                              </p:par>
+                            </p:childTnLst>
+                          </p:cTn>
+                        </p:par>
+                      </p:childTnLst>
+                    </p:cTn>
+                  </p:par>
+                </p:childTnLst>
+              </p:cTn>
+              <p:prevCondLst>
+                <p:cond evt="onPrev" delay="0">
+                  <p:tgtEl>
+                    <p:sldTgt/>
+                  </p:tgtEl>
+                </p:cond>
+              </p:prevCondLst>
+              <p:nextCondLst>
+                <p:cond evt="onNext" delay="0">
+                  <p:tgtEl>
+                    <p:sldTgt/>
+                  </p:tgtEl>
+                </p:cond>
+              </p:nextCondLst>
+            </p:seq>
+          </p:childTnLst>
+        </p:cTn>
+      </p:par>
+    </p:tnLst>
+    <p:bldLst>
+      <p:bldP spid="53" grpId="0" animBg="1"/>
+      <p:bldP spid="52" grpId="0"/>
+    </p:bldLst>
+  </p:timing>
 </p:sld>
 </file>
 
@@ -21391,10 +22535,10 @@
               <a:buNone/>
             </a:pPr>
             <a:r>
-              <a:rPr lang="en-GB"/>
+              <a:rPr lang="en-GB" dirty="0"/>
               <a:t>Hybrid-NL2SVA: Summary &amp; Contribution</a:t>
             </a:r>
-            <a:endParaRPr/>
+            <a:endParaRPr dirty="0"/>
           </a:p>
         </p:txBody>
       </p:sp>
@@ -21414,43 +22558,193 @@
             <p:ph type="body" idx="1"/>
           </p:nvPr>
         </p:nvSpPr>
-        <p:spPr/>
+        <p:spPr>
+          <a:xfrm>
+            <a:off x="311700" y="491203"/>
+            <a:ext cx="8520600" cy="3910678"/>
+          </a:xfrm>
+        </p:spPr>
         <p:txBody>
           <a:bodyPr/>
           <a:lstStyle/>
           <a:p>
+            <a:pPr indent="-368300">
+              <a:lnSpc>
+                <a:spcPct val="200000"/>
+              </a:lnSpc>
+              <a:buSzPts val="2200"/>
+            </a:pPr>
             <a:r>
               <a:rPr lang="en-US" altLang="zh-CN" dirty="0"/>
-              <a:t>RAG-based Framework for SVA Knowledge</a:t>
+              <a:t>RAG Augmenting </a:t>
             </a:r>
-          </a:p>
-          <a:p>
-            <a:endParaRPr lang="en-US" altLang="zh-CN" dirty="0"/>
-          </a:p>
-          <a:p>
+            <a:r>
+              <a:rPr lang="en-US" altLang="zh-CN" i="1" dirty="0">
+                <a:solidFill>
+                  <a:srgbClr val="C00000"/>
+                </a:solidFill>
+              </a:rPr>
+              <a:t>SVA Knowledge </a:t>
+            </a:r>
             <a:r>
               <a:rPr lang="en-US" altLang="zh-CN" dirty="0"/>
+              <a:t>for LLM</a:t>
+            </a:r>
+          </a:p>
+          <a:p>
+            <a:pPr indent="-368300">
+              <a:lnSpc>
+                <a:spcPct val="200000"/>
+              </a:lnSpc>
+              <a:buSzPts val="2200"/>
+            </a:pPr>
+            <a:r>
+              <a:rPr lang="en-US" altLang="zh-CN" i="1" dirty="0">
+                <a:solidFill>
+                  <a:srgbClr val="C00000"/>
+                </a:solidFill>
+              </a:rPr>
+              <a:t>Customized</a:t>
+            </a:r>
+            <a:r>
+              <a:rPr lang="en-US" altLang="zh-CN" dirty="0"/>
+              <a:t> </a:t>
+            </a:r>
+            <a:r>
+              <a:rPr lang="en-US" altLang="zh-CN" dirty="0">
+                <a:solidFill>
+                  <a:schemeClr val="bg2"/>
+                </a:solidFill>
+              </a:rPr>
+              <a:t>RAG Framework:</a:t>
+            </a:r>
+          </a:p>
+          <a:p>
+            <a:pPr lvl="1" indent="-368300">
+              <a:spcBef>
+                <a:spcPts val="0"/>
+              </a:spcBef>
+              <a:buSzPts val="2200"/>
+              <a:buFont typeface="Wingdings" panose="05000000000000000000" pitchFamily="2" charset="2"/>
+              <a:buChar char="Ø"/>
+            </a:pPr>
+            <a:r>
+              <a:rPr lang="en-US" altLang="zh-CN" sz="1600" dirty="0">
+                <a:solidFill>
+                  <a:schemeClr val="bg2"/>
+                </a:solidFill>
+              </a:rPr>
               <a:t>RAG Database: Textbooks for Hardware Design &amp; Verification</a:t>
             </a:r>
           </a:p>
           <a:p>
+            <a:pPr lvl="1" indent="-368300">
+              <a:lnSpc>
+                <a:spcPct val="200000"/>
+              </a:lnSpc>
+              <a:spcBef>
+                <a:spcPts val="0"/>
+              </a:spcBef>
+              <a:buSzPts val="2200"/>
+              <a:buFont typeface="Wingdings" panose="05000000000000000000" pitchFamily="2" charset="2"/>
+              <a:buChar char="Ø"/>
+            </a:pPr>
+            <a:r>
+              <a:rPr lang="en-US" altLang="zh-CN" sz="1600" dirty="0">
+                <a:solidFill>
+                  <a:schemeClr val="bg2"/>
+                </a:solidFill>
+              </a:rPr>
+              <a:t>Hybrid Retrieval + SVA Operator Rechecking</a:t>
+            </a:r>
             <a:endParaRPr lang="en-US" altLang="zh-CN" dirty="0"/>
           </a:p>
           <a:p>
+            <a:pPr indent="-368300">
+              <a:lnSpc>
+                <a:spcPct val="200000"/>
+              </a:lnSpc>
+              <a:buSzPts val="2200"/>
+            </a:pPr>
             <a:r>
-              <a:rPr lang="en-US" altLang="zh-CN" dirty="0"/>
-              <a:t>Customized RAG Framework: Hybrid Retrieval</a:t>
+              <a:rPr lang="en-US" altLang="zh-CN" i="1" dirty="0">
+                <a:solidFill>
+                  <a:srgbClr val="C00000"/>
+                </a:solidFill>
+              </a:rPr>
+              <a:t>Synthetic</a:t>
             </a:r>
-          </a:p>
-          <a:p>
-            <a:endParaRPr lang="en-US" altLang="zh-CN" dirty="0"/>
-          </a:p>
-          <a:p>
             <a:r>
-              <a:rPr lang="en-US" altLang="zh-CN" dirty="0"/>
-              <a:t>Finetuning for Lightweight LLMs</a:t>
+              <a:rPr lang="en-US" altLang="zh-CN" dirty="0">
+                <a:solidFill>
+                  <a:schemeClr val="bg2"/>
+                </a:solidFill>
+              </a:rPr>
+              <a:t> Finetuning Dataset: </a:t>
             </a:r>
-            <a:endParaRPr lang="zh-CN" altLang="en-US" dirty="0"/>
+          </a:p>
+          <a:p>
+            <a:pPr lvl="1" indent="-368300">
+              <a:spcBef>
+                <a:spcPts val="0"/>
+              </a:spcBef>
+              <a:buSzPts val="2200"/>
+              <a:buFont typeface="Wingdings" panose="05000000000000000000" pitchFamily="2" charset="2"/>
+              <a:buChar char="Ø"/>
+            </a:pPr>
+            <a:r>
+              <a:rPr lang="en-US" altLang="zh-CN" sz="1600" dirty="0">
+                <a:solidFill>
+                  <a:schemeClr val="bg2"/>
+                </a:solidFill>
+              </a:rPr>
+              <a:t>Golden SVA + </a:t>
+            </a:r>
+            <a:r>
+              <a:rPr lang="en-US" altLang="zh-CN" sz="1600" i="1" dirty="0">
+                <a:solidFill>
+                  <a:srgbClr val="C00000"/>
+                </a:solidFill>
+              </a:rPr>
+              <a:t>Prompt-guided Explanation</a:t>
+            </a:r>
+          </a:p>
+          <a:p>
+            <a:pPr lvl="1" indent="-368300">
+              <a:lnSpc>
+                <a:spcPct val="200000"/>
+              </a:lnSpc>
+              <a:spcBef>
+                <a:spcPts val="0"/>
+              </a:spcBef>
+              <a:buSzPts val="2200"/>
+              <a:buFont typeface="Wingdings" panose="05000000000000000000" pitchFamily="2" charset="2"/>
+              <a:buChar char="Ø"/>
+            </a:pPr>
+            <a:r>
+              <a:rPr lang="en-US" altLang="zh-CN" sz="1600" dirty="0">
+                <a:solidFill>
+                  <a:schemeClr val="bg2"/>
+                </a:solidFill>
+              </a:rPr>
+              <a:t>Finetuned Qwen2.5-Coder-7B</a:t>
+            </a:r>
+          </a:p>
+          <a:p>
+            <a:pPr marL="374650" indent="-285750">
+              <a:lnSpc>
+                <a:spcPct val="200000"/>
+              </a:lnSpc>
+              <a:buSzPts val="2200"/>
+            </a:pPr>
+            <a:r>
+              <a:rPr lang="en-US" altLang="zh-CN" dirty="0">
+                <a:solidFill>
+                  <a:schemeClr val="bg2"/>
+                </a:solidFill>
+              </a:rPr>
+              <a:t>Evaluation Dataset for NL2SVA</a:t>
+            </a:r>
           </a:p>
         </p:txBody>
       </p:sp>
@@ -21770,85 +23064,232 @@
   <p:clrMapOvr>
     <a:masterClrMapping/>
   </p:clrMapOvr>
-  <p:timing>
-    <p:tnLst>
-      <p:par>
-        <p:cTn id="1" dur="indefinite" restart="never" nodeType="tmRoot">
-          <p:childTnLst>
-            <p:seq concurrent="1" nextAc="seek">
-              <p:cTn id="2" dur="indefinite" nodeType="mainSeq">
-                <p:childTnLst>
-                  <p:par>
-                    <p:cTn id="3" fill="hold">
-                      <p:stCondLst>
-                        <p:cond delay="indefinite"/>
-                      </p:stCondLst>
-                      <p:childTnLst>
-                        <p:par>
-                          <p:cTn id="4" fill="hold">
-                            <p:stCondLst>
-                              <p:cond delay="0"/>
-                            </p:stCondLst>
-                            <p:childTnLst>
-                              <p:par>
-                                <p:cTn id="5" presetID="1" presetClass="entr" presetSubtype="0" fill="hold" nodeType="clickEffect">
-                                  <p:stCondLst>
-                                    <p:cond delay="0"/>
-                                  </p:stCondLst>
-                                  <p:childTnLst>
-                                    <p:set>
-                                      <p:cBhvr>
-                                        <p:cTn id="6" dur="1" fill="hold">
-                                          <p:stCondLst>
-                                            <p:cond delay="0"/>
-                                          </p:stCondLst>
-                                        </p:cTn>
-                                        <p:tgtEl>
-                                          <p:spTgt spid="106"/>
-                                        </p:tgtEl>
-                                        <p:attrNameLst>
-                                          <p:attrName>style.visibility</p:attrName>
-                                        </p:attrNameLst>
-                                      </p:cBhvr>
-                                      <p:to>
-                                        <p:strVal val="visible"/>
-                                      </p:to>
-                                    </p:set>
-                                  </p:childTnLst>
-                                </p:cTn>
-                              </p:par>
-                            </p:childTnLst>
-                          </p:cTn>
-                        </p:par>
-                      </p:childTnLst>
-                    </p:cTn>
-                  </p:par>
-                </p:childTnLst>
-              </p:cTn>
-              <p:prevCondLst>
-                <p:cond evt="onPrev" delay="0">
-                  <p:tgtEl>
-                    <p:sldTgt/>
-                  </p:tgtEl>
-                </p:cond>
-              </p:prevCondLst>
-              <p:nextCondLst>
-                <p:cond evt="onNext" delay="0">
-                  <p:tgtEl>
-                    <p:sldTgt/>
-                  </p:tgtEl>
-                </p:cond>
-              </p:nextCondLst>
-            </p:seq>
-          </p:childTnLst>
-        </p:cTn>
-      </p:par>
-    </p:tnLst>
-  </p:timing>
 </p:sld>
 </file>
 
 <file path=ppt/slides/slide8.xml><?xml version="1.0" encoding="utf-8"?>
+<p:sld xmlns:a="http://schemas.openxmlformats.org/drawingml/2006/main" xmlns:r="http://schemas.openxmlformats.org/officeDocument/2006/relationships" xmlns:p="http://schemas.openxmlformats.org/presentationml/2006/main">
+  <p:cSld>
+    <p:spTree>
+      <p:nvGrpSpPr>
+        <p:cNvPr id="1" name="Shape 105">
+          <a:extLst>
+            <a:ext uri="{FF2B5EF4-FFF2-40B4-BE49-F238E27FC236}">
+              <a16:creationId xmlns:a16="http://schemas.microsoft.com/office/drawing/2014/main" id="{0C0E3A13-C5B2-118A-B899-9ED4D256E649}"/>
+            </a:ext>
+          </a:extLst>
+        </p:cNvPr>
+        <p:cNvGrpSpPr/>
+        <p:nvPr/>
+      </p:nvGrpSpPr>
+      <p:grpSpPr>
+        <a:xfrm>
+          <a:off x="0" y="0"/>
+          <a:ext cx="0" cy="0"/>
+          <a:chOff x="0" y="0"/>
+          <a:chExt cx="0" cy="0"/>
+        </a:xfrm>
+      </p:grpSpPr>
+      <p:sp>
+        <p:nvSpPr>
+          <p:cNvPr id="107" name="Google Shape;107;g377f5a16067_0_17">
+            <a:extLst>
+              <a:ext uri="{FF2B5EF4-FFF2-40B4-BE49-F238E27FC236}">
+                <a16:creationId xmlns:a16="http://schemas.microsoft.com/office/drawing/2014/main" id="{317EF766-632A-E303-C5D6-186855FB5034}"/>
+              </a:ext>
+            </a:extLst>
+          </p:cNvPr>
+          <p:cNvSpPr txBox="1">
+            <a:spLocks noGrp="1"/>
+          </p:cNvSpPr>
+          <p:nvPr>
+            <p:ph type="sldNum" idx="12"/>
+          </p:nvPr>
+        </p:nvSpPr>
+        <p:spPr>
+          <a:xfrm>
+            <a:off x="8595300" y="4879200"/>
+            <a:ext cx="548700" cy="264300"/>
+          </a:xfrm>
+          <a:prstGeom prst="rect">
+            <a:avLst/>
+          </a:prstGeom>
+          <a:noFill/>
+          <a:ln>
+            <a:noFill/>
+          </a:ln>
+        </p:spPr>
+        <p:txBody>
+          <a:bodyPr spcFirstLastPara="1" wrap="square" lIns="91425" tIns="91425" rIns="91425" bIns="91425" anchor="ctr" anchorCtr="0">
+            <a:noAutofit/>
+          </a:bodyPr>
+          <a:lstStyle/>
+          <a:p>
+            <a:pPr marL="0" lvl="0" indent="0" algn="r" rtl="0">
+              <a:lnSpc>
+                <a:spcPct val="100000"/>
+              </a:lnSpc>
+              <a:spcBef>
+                <a:spcPts val="0"/>
+              </a:spcBef>
+              <a:spcAft>
+                <a:spcPts val="0"/>
+              </a:spcAft>
+              <a:buSzPts val="1000"/>
+              <a:buNone/>
+            </a:pPr>
+            <a:fld id="{00000000-1234-1234-1234-123412341234}" type="slidenum">
+              <a:rPr lang="en-GB"/>
+              <a:t>8</a:t>
+            </a:fld>
+            <a:endParaRPr/>
+          </a:p>
+        </p:txBody>
+      </p:sp>
+      <p:sp>
+        <p:nvSpPr>
+          <p:cNvPr id="108" name="Google Shape;108;g377f5a16067_0_17">
+            <a:extLst>
+              <a:ext uri="{FF2B5EF4-FFF2-40B4-BE49-F238E27FC236}">
+                <a16:creationId xmlns:a16="http://schemas.microsoft.com/office/drawing/2014/main" id="{60505058-07C6-F25B-5D31-8C58B8CC9370}"/>
+              </a:ext>
+            </a:extLst>
+          </p:cNvPr>
+          <p:cNvSpPr txBox="1">
+            <a:spLocks noGrp="1"/>
+          </p:cNvSpPr>
+          <p:nvPr>
+            <p:ph type="title"/>
+          </p:nvPr>
+        </p:nvSpPr>
+        <p:spPr>
+          <a:xfrm>
+            <a:off x="311700" y="0"/>
+            <a:ext cx="8520600" cy="439800"/>
+          </a:xfrm>
+          <a:prstGeom prst="rect">
+            <a:avLst/>
+          </a:prstGeom>
+          <a:noFill/>
+          <a:ln>
+            <a:noFill/>
+          </a:ln>
+        </p:spPr>
+        <p:txBody>
+          <a:bodyPr spcFirstLastPara="1" wrap="square" lIns="91425" tIns="91425" rIns="91425" bIns="91425" anchor="ctr" anchorCtr="0">
+            <a:noAutofit/>
+          </a:bodyPr>
+          <a:lstStyle/>
+          <a:p>
+            <a:pPr lvl="0"/>
+            <a:r>
+              <a:rPr lang="en-GB" altLang="zh-CN" sz="2000" dirty="0"/>
+              <a:t>Customized RAG Framework</a:t>
+            </a:r>
+            <a:r>
+              <a:rPr lang="en-US" altLang="zh-CN" sz="2000" dirty="0"/>
+              <a:t>:</a:t>
+            </a:r>
+            <a:r>
+              <a:rPr lang="zh-CN" altLang="en-US" sz="2000" dirty="0"/>
+              <a:t> </a:t>
+            </a:r>
+            <a:r>
+              <a:rPr lang="en-US" altLang="zh-CN" sz="2000" dirty="0"/>
+              <a:t>Overall Flow</a:t>
+            </a:r>
+            <a:endParaRPr sz="2000" dirty="0"/>
+          </a:p>
+        </p:txBody>
+      </p:sp>
+      <p:sp>
+        <p:nvSpPr>
+          <p:cNvPr id="2" name="文本框 1">
+            <a:extLst>
+              <a:ext uri="{FF2B5EF4-FFF2-40B4-BE49-F238E27FC236}">
+                <a16:creationId xmlns:a16="http://schemas.microsoft.com/office/drawing/2014/main" id="{576ED98A-036C-A9A8-A56B-6413DF22704A}"/>
+              </a:ext>
+            </a:extLst>
+          </p:cNvPr>
+          <p:cNvSpPr txBox="1"/>
+          <p:nvPr/>
+        </p:nvSpPr>
+        <p:spPr>
+          <a:xfrm>
+            <a:off x="1463111" y="4367570"/>
+            <a:ext cx="6617633" cy="307777"/>
+          </a:xfrm>
+          <a:prstGeom prst="rect">
+            <a:avLst/>
+          </a:prstGeom>
+          <a:noFill/>
+        </p:spPr>
+        <p:txBody>
+          <a:bodyPr wrap="square">
+            <a:spAutoFit/>
+          </a:bodyPr>
+          <a:lstStyle/>
+          <a:p>
+            <a:r>
+              <a:rPr lang="en-US" altLang="zh-CN" sz="1400" b="1" dirty="0">
+                <a:solidFill>
+                  <a:schemeClr val="bg2"/>
+                </a:solidFill>
+              </a:rPr>
+              <a:t>Proposed: Code Database + Hybrid Retrieval + Operator-based Rechecking</a:t>
+            </a:r>
+            <a:endParaRPr lang="zh-CN" altLang="en-US" dirty="0">
+              <a:solidFill>
+                <a:schemeClr val="bg2"/>
+              </a:solidFill>
+            </a:endParaRPr>
+          </a:p>
+        </p:txBody>
+      </p:sp>
+      <p:pic>
+        <p:nvPicPr>
+          <p:cNvPr id="5" name="图片 4">
+            <a:extLst>
+              <a:ext uri="{FF2B5EF4-FFF2-40B4-BE49-F238E27FC236}">
+                <a16:creationId xmlns:a16="http://schemas.microsoft.com/office/drawing/2014/main" id="{157F6C6B-2A3E-5B2C-D3AE-80371597955C}"/>
+              </a:ext>
+            </a:extLst>
+          </p:cNvPr>
+          <p:cNvPicPr>
+            <a:picLocks noChangeAspect="1"/>
+          </p:cNvPicPr>
+          <p:nvPr/>
+        </p:nvPicPr>
+        <p:blipFill>
+          <a:blip r:embed="rId3"/>
+          <a:stretch>
+            <a:fillRect/>
+          </a:stretch>
+        </p:blipFill>
+        <p:spPr>
+          <a:xfrm>
+            <a:off x="1136432" y="708836"/>
+            <a:ext cx="7104244" cy="3542045"/>
+          </a:xfrm>
+          <a:prstGeom prst="rect">
+            <a:avLst/>
+          </a:prstGeom>
+        </p:spPr>
+      </p:pic>
+    </p:spTree>
+    <p:extLst>
+      <p:ext uri="{BB962C8B-B14F-4D97-AF65-F5344CB8AC3E}">
+        <p14:creationId xmlns:p14="http://schemas.microsoft.com/office/powerpoint/2010/main" val="2340852419"/>
+      </p:ext>
+    </p:extLst>
+  </p:cSld>
+  <p:clrMapOvr>
+    <a:masterClrMapping/>
+  </p:clrMapOvr>
+</p:sld>
+</file>
+
+<file path=ppt/slides/slide9.xml><?xml version="1.0" encoding="utf-8"?>
 <p:sld xmlns:a="http://schemas.openxmlformats.org/drawingml/2006/main" xmlns:r="http://schemas.openxmlformats.org/officeDocument/2006/relationships" xmlns:p="http://schemas.openxmlformats.org/presentationml/2006/main">
   <p:cSld>
     <p:spTree>
@@ -21921,7 +23362,7 @@
             </a:pPr>
             <a:fld id="{00000000-1234-1234-1234-123412341234}" type="slidenum">
               <a:rPr lang="en-GB"/>
-              <a:t>8</a:t>
+              <a:t>9</a:t>
             </a:fld>
             <a:endParaRPr/>
           </a:p>
@@ -21983,12 +23424,241 @@
           </a:p>
         </p:txBody>
       </p:sp>
+      <p:pic>
+        <p:nvPicPr>
+          <p:cNvPr id="3" name="图片 2">
+            <a:extLst>
+              <a:ext uri="{FF2B5EF4-FFF2-40B4-BE49-F238E27FC236}">
+                <a16:creationId xmlns:a16="http://schemas.microsoft.com/office/drawing/2014/main" id="{20DE78D0-3B79-76CF-9B97-4EEE9F42A606}"/>
+              </a:ext>
+            </a:extLst>
+          </p:cNvPr>
+          <p:cNvPicPr>
+            <a:picLocks noChangeAspect="1"/>
+          </p:cNvPicPr>
+          <p:nvPr/>
+        </p:nvPicPr>
+        <p:blipFill>
+          <a:blip r:embed="rId3"/>
+          <a:stretch>
+            <a:fillRect/>
+          </a:stretch>
+        </p:blipFill>
+        <p:spPr>
+          <a:xfrm>
+            <a:off x="1013456" y="1206881"/>
+            <a:ext cx="967948" cy="1506633"/>
+          </a:xfrm>
+          <a:prstGeom prst="rect">
+            <a:avLst/>
+          </a:prstGeom>
+        </p:spPr>
+      </p:pic>
+      <p:pic>
+        <p:nvPicPr>
+          <p:cNvPr id="1026" name="Picture 2">
+            <a:extLst>
+              <a:ext uri="{FF2B5EF4-FFF2-40B4-BE49-F238E27FC236}">
+                <a16:creationId xmlns:a16="http://schemas.microsoft.com/office/drawing/2014/main" id="{4F786F7E-0669-8529-5876-D5CD4DF2AB45}"/>
+              </a:ext>
+            </a:extLst>
+          </p:cNvPr>
+          <p:cNvPicPr>
+            <a:picLocks noChangeAspect="1" noChangeArrowheads="1"/>
+          </p:cNvPicPr>
+          <p:nvPr/>
+        </p:nvPicPr>
+        <p:blipFill>
+          <a:blip r:embed="rId4">
+            <a:extLst>
+              <a:ext uri="{28A0092B-C50C-407E-A947-70E740481C1C}">
+                <a14:useLocalDpi xmlns:a14="http://schemas.microsoft.com/office/drawing/2010/main" val="0"/>
+              </a:ext>
+            </a:extLst>
+          </a:blip>
+          <a:srcRect/>
+          <a:stretch>
+            <a:fillRect/>
+          </a:stretch>
+        </p:blipFill>
+        <p:spPr bwMode="auto">
+          <a:xfrm>
+            <a:off x="410755" y="1686245"/>
+            <a:ext cx="1133918" cy="1652106"/>
+          </a:xfrm>
+          <a:prstGeom prst="rect">
+            <a:avLst/>
+          </a:prstGeom>
+          <a:noFill/>
+          <a:effectLst>
+            <a:outerShdw blurRad="50800" dist="38100" algn="l" rotWithShape="0">
+              <a:prstClr val="black">
+                <a:alpha val="40000"/>
+              </a:prstClr>
+            </a:outerShdw>
+          </a:effectLst>
+          <a:extLst>
+            <a:ext uri="{909E8E84-426E-40DD-AFC4-6F175D3DCCD1}">
+              <a14:hiddenFill xmlns:a14="http://schemas.microsoft.com/office/drawing/2010/main">
+                <a:solidFill>
+                  <a:srgbClr val="FFFFFF"/>
+                </a:solidFill>
+              </a14:hiddenFill>
+            </a:ext>
+          </a:extLst>
+        </p:spPr>
+      </p:pic>
       <p:sp>
         <p:nvSpPr>
-          <p:cNvPr id="4" name="Google Shape;244;g2afa511e966_0_39">
+          <p:cNvPr id="19" name="文本框 18">
             <a:extLst>
               <a:ext uri="{FF2B5EF4-FFF2-40B4-BE49-F238E27FC236}">
-                <a16:creationId xmlns:a16="http://schemas.microsoft.com/office/drawing/2014/main" id="{35C34E52-BE8C-F051-9579-9EE526B8F86A}"/>
+                <a16:creationId xmlns:a16="http://schemas.microsoft.com/office/drawing/2014/main" id="{4A09695F-6E4F-418D-3C88-636F63288C86}"/>
+              </a:ext>
+            </a:extLst>
+          </p:cNvPr>
+          <p:cNvSpPr txBox="1"/>
+          <p:nvPr/>
+        </p:nvSpPr>
+        <p:spPr>
+          <a:xfrm rot="18257788">
+            <a:off x="1386692" y="2345848"/>
+            <a:ext cx="415498" cy="369332"/>
+          </a:xfrm>
+          <a:prstGeom prst="rect">
+            <a:avLst/>
+          </a:prstGeom>
+          <a:noFill/>
+        </p:spPr>
+        <p:txBody>
+          <a:bodyPr wrap="none" rtlCol="0">
+            <a:spAutoFit/>
+          </a:bodyPr>
+          <a:lstStyle/>
+          <a:p>
+            <a:r>
+              <a:rPr lang="en-US" altLang="zh-CN" sz="1800" dirty="0"/>
+              <a:t>…</a:t>
+            </a:r>
+            <a:endParaRPr lang="zh-CN" altLang="en-US" sz="1800" dirty="0"/>
+          </a:p>
+        </p:txBody>
+      </p:sp>
+      <p:sp>
+        <p:nvSpPr>
+          <p:cNvPr id="21" name="文本框 20">
+            <a:extLst>
+              <a:ext uri="{FF2B5EF4-FFF2-40B4-BE49-F238E27FC236}">
+                <a16:creationId xmlns:a16="http://schemas.microsoft.com/office/drawing/2014/main" id="{0464B98F-8B8E-6A5B-D0B5-69D55179CE0B}"/>
+              </a:ext>
+            </a:extLst>
+          </p:cNvPr>
+          <p:cNvSpPr txBox="1"/>
+          <p:nvPr/>
+        </p:nvSpPr>
+        <p:spPr>
+          <a:xfrm>
+            <a:off x="204073" y="3480595"/>
+            <a:ext cx="2241493" cy="523220"/>
+          </a:xfrm>
+          <a:prstGeom prst="rect">
+            <a:avLst/>
+          </a:prstGeom>
+          <a:noFill/>
+        </p:spPr>
+        <p:txBody>
+          <a:bodyPr wrap="square">
+            <a:spAutoFit/>
+          </a:bodyPr>
+          <a:lstStyle/>
+          <a:p>
+            <a:pPr algn="ctr"/>
+            <a:r>
+              <a:rPr lang="en-US" altLang="zh-CN" b="1" dirty="0">
+                <a:solidFill>
+                  <a:schemeClr val="bg2"/>
+                </a:solidFill>
+              </a:rPr>
+              <a:t>10 Hardware Design &amp; Verification Textbooks </a:t>
+            </a:r>
+            <a:endParaRPr lang="zh-CN" altLang="en-US" dirty="0">
+              <a:solidFill>
+                <a:schemeClr val="bg2"/>
+              </a:solidFill>
+            </a:endParaRPr>
+          </a:p>
+        </p:txBody>
+      </p:sp>
+      <p:cxnSp>
+        <p:nvCxnSpPr>
+          <p:cNvPr id="22" name="Google Shape;87;g377f5a16067_0_8">
+            <a:extLst>
+              <a:ext uri="{FF2B5EF4-FFF2-40B4-BE49-F238E27FC236}">
+                <a16:creationId xmlns:a16="http://schemas.microsoft.com/office/drawing/2014/main" id="{1116A5EA-79F5-E34D-7AE0-1B9B1FC8FED2}"/>
+              </a:ext>
+            </a:extLst>
+          </p:cNvPr>
+          <p:cNvCxnSpPr>
+            <a:cxnSpLocks/>
+          </p:cNvCxnSpPr>
+          <p:nvPr/>
+        </p:nvCxnSpPr>
+        <p:spPr>
+          <a:xfrm>
+            <a:off x="2509361" y="2642990"/>
+            <a:ext cx="800908" cy="0"/>
+          </a:xfrm>
+          <a:prstGeom prst="straightConnector1">
+            <a:avLst/>
+          </a:prstGeom>
+          <a:noFill/>
+          <a:ln w="28575" cap="flat" cmpd="sng">
+            <a:solidFill>
+              <a:schemeClr val="dk2"/>
+            </a:solidFill>
+            <a:prstDash val="solid"/>
+            <a:round/>
+            <a:headEnd type="none" w="med" len="med"/>
+            <a:tailEnd type="arrow" w="med" len="med"/>
+          </a:ln>
+        </p:spPr>
+      </p:cxnSp>
+      <p:pic>
+        <p:nvPicPr>
+          <p:cNvPr id="28" name="图片 27">
+            <a:extLst>
+              <a:ext uri="{FF2B5EF4-FFF2-40B4-BE49-F238E27FC236}">
+                <a16:creationId xmlns:a16="http://schemas.microsoft.com/office/drawing/2014/main" id="{88A6948C-8F9E-DA63-024D-22A7147859B3}"/>
+              </a:ext>
+            </a:extLst>
+          </p:cNvPr>
+          <p:cNvPicPr>
+            <a:picLocks noChangeAspect="1"/>
+          </p:cNvPicPr>
+          <p:nvPr/>
+        </p:nvPicPr>
+        <p:blipFill>
+          <a:blip r:embed="rId5"/>
+          <a:stretch>
+            <a:fillRect/>
+          </a:stretch>
+        </p:blipFill>
+        <p:spPr>
+          <a:xfrm>
+            <a:off x="3359631" y="857488"/>
+            <a:ext cx="2171313" cy="3374270"/>
+          </a:xfrm>
+          <a:prstGeom prst="rect">
+            <a:avLst/>
+          </a:prstGeom>
+        </p:spPr>
+      </p:pic>
+      <p:sp>
+        <p:nvSpPr>
+          <p:cNvPr id="29" name="矩形: 圆角 28">
+            <a:extLst>
+              <a:ext uri="{FF2B5EF4-FFF2-40B4-BE49-F238E27FC236}">
+                <a16:creationId xmlns:a16="http://schemas.microsoft.com/office/drawing/2014/main" id="{105BAA2F-0B64-5873-615D-40456B96D428}"/>
               </a:ext>
             </a:extLst>
           </p:cNvPr>
@@ -21997,150 +23667,38 @@
         </p:nvSpPr>
         <p:spPr>
           <a:xfrm>
-            <a:off x="1042350" y="1649175"/>
-            <a:ext cx="2049300" cy="514200"/>
-          </a:xfrm>
-          <a:prstGeom prst="ellipse">
+            <a:off x="3444948" y="3090530"/>
+            <a:ext cx="1694121" cy="340242"/>
+          </a:xfrm>
+          <a:prstGeom prst="roundRect">
             <a:avLst/>
           </a:prstGeom>
-          <a:solidFill>
-            <a:schemeClr val="lt1"/>
-          </a:solidFill>
-          <a:ln w="9525" cap="flat" cmpd="sng">
+          <a:noFill/>
+          <a:ln w="28575" cap="flat" cmpd="sng">
             <a:solidFill>
               <a:schemeClr val="dk2"/>
             </a:solidFill>
             <a:prstDash val="solid"/>
             <a:round/>
-            <a:headEnd type="none" w="sm" len="sm"/>
-            <a:tailEnd type="none" w="sm" len="sm"/>
+            <a:headEnd type="none" w="med" len="med"/>
+            <a:tailEnd type="arrow" w="med" len="med"/>
           </a:ln>
         </p:spPr>
         <p:txBody>
-          <a:bodyPr spcFirstLastPara="1" wrap="square" lIns="91425" tIns="91425" rIns="91425" bIns="91425" anchor="ctr" anchorCtr="0">
-            <a:noAutofit/>
-          </a:bodyPr>
+          <a:bodyPr rtlCol="0" anchor="ctr"/>
           <a:lstStyle/>
           <a:p>
-            <a:pPr marL="0" marR="0" lvl="0" indent="0" algn="ctr" rtl="0">
-              <a:lnSpc>
-                <a:spcPct val="100000"/>
-              </a:lnSpc>
-              <a:spcBef>
-                <a:spcPts val="0"/>
-              </a:spcBef>
-              <a:spcAft>
-                <a:spcPts val="0"/>
-              </a:spcAft>
-              <a:buClr>
-                <a:srgbClr val="000000"/>
-              </a:buClr>
-              <a:buSzPts val="1400"/>
-              <a:buFont typeface="Arial"/>
-              <a:buNone/>
-            </a:pPr>
-            <a:r>
-              <a:rPr lang="en" sz="1400" b="0" i="0" u="none" strike="noStrike" cap="none">
-                <a:solidFill>
-                  <a:srgbClr val="000000"/>
-                </a:solidFill>
-                <a:highlight>
-                  <a:schemeClr val="lt1"/>
-                </a:highlight>
-                <a:latin typeface="Frank Ruhl Libre"/>
-                <a:ea typeface="Frank Ruhl Libre"/>
-                <a:cs typeface="Frank Ruhl Libre"/>
-                <a:sym typeface="Frank Ruhl Libre"/>
-              </a:rPr>
-              <a:t>Database</a:t>
-            </a:r>
-            <a:endParaRPr sz="1400" b="0" i="0" u="none" strike="noStrike" cap="none">
-              <a:solidFill>
-                <a:srgbClr val="000000"/>
-              </a:solidFill>
-              <a:highlight>
-                <a:schemeClr val="lt1"/>
-              </a:highlight>
-              <a:latin typeface="Frank Ruhl Libre"/>
-              <a:ea typeface="Frank Ruhl Libre"/>
-              <a:cs typeface="Frank Ruhl Libre"/>
-              <a:sym typeface="Frank Ruhl Libre"/>
-            </a:endParaRPr>
+            <a:pPr algn="ctr"/>
+            <a:endParaRPr lang="zh-CN" altLang="en-US"/>
           </a:p>
         </p:txBody>
       </p:sp>
-      <p:cxnSp>
-        <p:nvCxnSpPr>
-          <p:cNvPr id="5" name="Google Shape;245;g2afa511e966_0_39">
+      <p:sp>
+        <p:nvSpPr>
+          <p:cNvPr id="30" name="矩形: 圆角 29">
             <a:extLst>
               <a:ext uri="{FF2B5EF4-FFF2-40B4-BE49-F238E27FC236}">
-                <a16:creationId xmlns:a16="http://schemas.microsoft.com/office/drawing/2014/main" id="{3CEC0FA1-86AF-3234-F115-422B75B0D10C}"/>
-              </a:ext>
-            </a:extLst>
-          </p:cNvPr>
-          <p:cNvCxnSpPr>
-            <a:stCxn id="4" idx="2"/>
-          </p:cNvCxnSpPr>
-          <p:nvPr/>
-        </p:nvCxnSpPr>
-        <p:spPr>
-          <a:xfrm>
-            <a:off x="1042350" y="1906275"/>
-            <a:ext cx="0" cy="1269600"/>
-          </a:xfrm>
-          <a:prstGeom prst="straightConnector1">
-            <a:avLst/>
-          </a:prstGeom>
-          <a:noFill/>
-          <a:ln w="9525" cap="flat" cmpd="sng">
-            <a:solidFill>
-              <a:schemeClr val="dk2"/>
-            </a:solidFill>
-            <a:prstDash val="solid"/>
-            <a:round/>
-            <a:headEnd type="none" w="sm" len="sm"/>
-            <a:tailEnd type="none" w="sm" len="sm"/>
-          </a:ln>
-        </p:spPr>
-      </p:cxnSp>
-      <p:cxnSp>
-        <p:nvCxnSpPr>
-          <p:cNvPr id="6" name="Google Shape;246;g2afa511e966_0_39">
-            <a:extLst>
-              <a:ext uri="{FF2B5EF4-FFF2-40B4-BE49-F238E27FC236}">
-                <a16:creationId xmlns:a16="http://schemas.microsoft.com/office/drawing/2014/main" id="{EC3BC8BA-DC0B-B6F2-2DF8-BD0FDA8A01EE}"/>
-              </a:ext>
-            </a:extLst>
-          </p:cNvPr>
-          <p:cNvCxnSpPr/>
-          <p:nvPr/>
-        </p:nvCxnSpPr>
-        <p:spPr>
-          <a:xfrm>
-            <a:off x="3099750" y="1906275"/>
-            <a:ext cx="0" cy="1269600"/>
-          </a:xfrm>
-          <a:prstGeom prst="straightConnector1">
-            <a:avLst/>
-          </a:prstGeom>
-          <a:noFill/>
-          <a:ln w="9525" cap="flat" cmpd="sng">
-            <a:solidFill>
-              <a:schemeClr val="dk2"/>
-            </a:solidFill>
-            <a:prstDash val="solid"/>
-            <a:round/>
-            <a:headEnd type="none" w="sm" len="sm"/>
-            <a:tailEnd type="none" w="sm" len="sm"/>
-          </a:ln>
-        </p:spPr>
-      </p:cxnSp>
-      <p:sp>
-        <p:nvSpPr>
-          <p:cNvPr id="7" name="Google Shape;247;g2afa511e966_0_39">
-            <a:extLst>
-              <a:ext uri="{FF2B5EF4-FFF2-40B4-BE49-F238E27FC236}">
-                <a16:creationId xmlns:a16="http://schemas.microsoft.com/office/drawing/2014/main" id="{C65243C3-FF69-5152-5E56-0D07730939BB}"/>
+                <a16:creationId xmlns:a16="http://schemas.microsoft.com/office/drawing/2014/main" id="{53CB8CDE-F18E-BCAC-0EE6-A2242C805EA4}"/>
               </a:ext>
             </a:extLst>
           </p:cNvPr>
@@ -22149,66 +23707,244 @@
         </p:nvSpPr>
         <p:spPr>
           <a:xfrm>
-            <a:off x="1042350" y="2944575"/>
-            <a:ext cx="2049300" cy="514200"/>
-          </a:xfrm>
-          <a:prstGeom prst="ellipse">
+            <a:off x="3359631" y="2927496"/>
+            <a:ext cx="2171313" cy="935665"/>
+          </a:xfrm>
+          <a:prstGeom prst="roundRect">
             <a:avLst/>
           </a:prstGeom>
-          <a:solidFill>
+          <a:noFill/>
+          <a:ln w="28575">
+            <a:solidFill>
+              <a:srgbClr val="0070C0"/>
+            </a:solidFill>
+          </a:ln>
+        </p:spPr>
+        <p:style>
+          <a:lnRef idx="2">
+            <a:schemeClr val="accent1">
+              <a:shade val="15000"/>
+            </a:schemeClr>
+          </a:lnRef>
+          <a:fillRef idx="1">
+            <a:schemeClr val="accent1"/>
+          </a:fillRef>
+          <a:effectRef idx="0">
+            <a:schemeClr val="accent1"/>
+          </a:effectRef>
+          <a:fontRef idx="minor">
             <a:schemeClr val="lt1"/>
-          </a:solidFill>
-          <a:ln w="9525" cap="flat" cmpd="sng">
+          </a:fontRef>
+        </p:style>
+        <p:txBody>
+          <a:bodyPr rtlCol="0" anchor="ctr"/>
+          <a:lstStyle/>
+          <a:p>
+            <a:pPr algn="ctr"/>
+            <a:endParaRPr lang="zh-CN" altLang="en-US">
+              <a:solidFill>
+                <a:srgbClr val="0070C0"/>
+              </a:solidFill>
+              <a:latin typeface="+mn-lt"/>
+              <a:ea typeface="+mn-ea"/>
+              <a:cs typeface="+mn-cs"/>
+            </a:endParaRPr>
+          </a:p>
+        </p:txBody>
+      </p:sp>
+      <p:sp>
+        <p:nvSpPr>
+          <p:cNvPr id="32" name="文本框 31">
+            <a:extLst>
+              <a:ext uri="{FF2B5EF4-FFF2-40B4-BE49-F238E27FC236}">
+                <a16:creationId xmlns:a16="http://schemas.microsoft.com/office/drawing/2014/main" id="{8D212DFE-19A1-E10F-A91B-8918E6CC7476}"/>
+              </a:ext>
+            </a:extLst>
+          </p:cNvPr>
+          <p:cNvSpPr txBox="1"/>
+          <p:nvPr/>
+        </p:nvSpPr>
+        <p:spPr>
+          <a:xfrm>
+            <a:off x="2738125" y="2999041"/>
+            <a:ext cx="1032889" cy="523220"/>
+          </a:xfrm>
+          <a:prstGeom prst="rect">
+            <a:avLst/>
+          </a:prstGeom>
+          <a:noFill/>
+        </p:spPr>
+        <p:txBody>
+          <a:bodyPr wrap="square">
+            <a:spAutoFit/>
+          </a:bodyPr>
+          <a:lstStyle/>
+          <a:p>
+            <a:r>
+              <a:rPr lang="en-US" altLang="zh-CN" b="1" dirty="0">
+                <a:solidFill>
+                  <a:schemeClr val="bg2"/>
+                </a:solidFill>
+              </a:rPr>
+              <a:t>Code Block</a:t>
+            </a:r>
+            <a:endParaRPr lang="zh-CN" altLang="en-US" dirty="0"/>
+          </a:p>
+        </p:txBody>
+      </p:sp>
+      <p:sp>
+        <p:nvSpPr>
+          <p:cNvPr id="33" name="文本框 32">
+            <a:extLst>
+              <a:ext uri="{FF2B5EF4-FFF2-40B4-BE49-F238E27FC236}">
+                <a16:creationId xmlns:a16="http://schemas.microsoft.com/office/drawing/2014/main" id="{60988382-EE7F-4C00-ED42-BC374F495B28}"/>
+              </a:ext>
+            </a:extLst>
+          </p:cNvPr>
+          <p:cNvSpPr txBox="1"/>
+          <p:nvPr/>
+        </p:nvSpPr>
+        <p:spPr>
+          <a:xfrm>
+            <a:off x="5463336" y="3395328"/>
+            <a:ext cx="1114673" cy="738664"/>
+          </a:xfrm>
+          <a:prstGeom prst="rect">
+            <a:avLst/>
+          </a:prstGeom>
+          <a:noFill/>
+        </p:spPr>
+        <p:txBody>
+          <a:bodyPr wrap="square">
+            <a:spAutoFit/>
+          </a:bodyPr>
+          <a:lstStyle/>
+          <a:p>
+            <a:r>
+              <a:rPr lang="en-US" altLang="zh-CN" b="1" dirty="0">
+                <a:solidFill>
+                  <a:srgbClr val="0070C0"/>
+                </a:solidFill>
+              </a:rPr>
+              <a:t>code-centric chunk</a:t>
+            </a:r>
+            <a:endParaRPr lang="zh-CN" altLang="en-US" dirty="0">
+              <a:solidFill>
+                <a:srgbClr val="0070C0"/>
+              </a:solidFill>
+            </a:endParaRPr>
+          </a:p>
+        </p:txBody>
+      </p:sp>
+      <p:cxnSp>
+        <p:nvCxnSpPr>
+          <p:cNvPr id="35" name="Google Shape;87;g377f5a16067_0_8">
+            <a:extLst>
+              <a:ext uri="{FF2B5EF4-FFF2-40B4-BE49-F238E27FC236}">
+                <a16:creationId xmlns:a16="http://schemas.microsoft.com/office/drawing/2014/main" id="{02553E05-6C7A-0074-0545-8C1727A1DA10}"/>
+              </a:ext>
+            </a:extLst>
+          </p:cNvPr>
+          <p:cNvCxnSpPr>
+            <a:cxnSpLocks/>
+          </p:cNvCxnSpPr>
+          <p:nvPr/>
+        </p:nvCxnSpPr>
+        <p:spPr>
+          <a:xfrm>
+            <a:off x="6069994" y="3635441"/>
+            <a:ext cx="587981" cy="0"/>
+          </a:xfrm>
+          <a:prstGeom prst="straightConnector1">
+            <a:avLst/>
+          </a:prstGeom>
+          <a:noFill/>
+          <a:ln w="28575" cap="flat" cmpd="sng">
             <a:solidFill>
               <a:schemeClr val="dk2"/>
             </a:solidFill>
             <a:prstDash val="solid"/>
             <a:round/>
-            <a:headEnd type="none" w="sm" len="sm"/>
-            <a:tailEnd type="none" w="sm" len="sm"/>
+            <a:headEnd type="none" w="med" len="med"/>
+            <a:tailEnd type="arrow" w="med" len="med"/>
           </a:ln>
         </p:spPr>
-        <p:txBody>
-          <a:bodyPr spcFirstLastPara="1" wrap="square" lIns="91425" tIns="91425" rIns="91425" bIns="91425" anchor="ctr" anchorCtr="0">
-            <a:noAutofit/>
-          </a:bodyPr>
-          <a:lstStyle/>
-          <a:p>
-            <a:pPr marL="0" marR="0" lvl="0" indent="0" algn="ctr" rtl="0">
-              <a:lnSpc>
-                <a:spcPct val="100000"/>
-              </a:lnSpc>
-              <a:spcBef>
-                <a:spcPts val="0"/>
-              </a:spcBef>
-              <a:spcAft>
-                <a:spcPts val="0"/>
-              </a:spcAft>
-              <a:buClr>
-                <a:srgbClr val="000000"/>
-              </a:buClr>
-              <a:buSzPts val="1400"/>
-              <a:buFont typeface="Arial"/>
-              <a:buNone/>
-            </a:pPr>
-            <a:endParaRPr sz="1400" b="0" i="0" u="none" strike="noStrike" cap="none">
-              <a:solidFill>
-                <a:srgbClr val="000000"/>
-              </a:solidFill>
-              <a:latin typeface="Montserrat"/>
-              <a:ea typeface="Montserrat"/>
-              <a:cs typeface="Montserrat"/>
-              <a:sym typeface="Montserrat"/>
-            </a:endParaRPr>
-          </a:p>
-        </p:txBody>
-      </p:sp>
+      </p:cxnSp>
+      <p:cxnSp>
+        <p:nvCxnSpPr>
+          <p:cNvPr id="42" name="Google Shape;245;g2afa511e966_0_39">
+            <a:extLst>
+              <a:ext uri="{FF2B5EF4-FFF2-40B4-BE49-F238E27FC236}">
+                <a16:creationId xmlns:a16="http://schemas.microsoft.com/office/drawing/2014/main" id="{7E2DFA29-EA60-2865-FDE1-CB82F624B5DE}"/>
+              </a:ext>
+            </a:extLst>
+          </p:cNvPr>
+          <p:cNvCxnSpPr>
+            <a:cxnSpLocks/>
+          </p:cNvCxnSpPr>
+          <p:nvPr/>
+        </p:nvCxnSpPr>
+        <p:spPr>
+          <a:xfrm>
+            <a:off x="6852357" y="3216274"/>
+            <a:ext cx="0" cy="904319"/>
+          </a:xfrm>
+          <a:prstGeom prst="straightConnector1">
+            <a:avLst/>
+          </a:prstGeom>
+          <a:noFill/>
+          <a:ln w="28575" cap="flat" cmpd="sng">
+            <a:solidFill>
+              <a:schemeClr val="dk2"/>
+            </a:solidFill>
+            <a:prstDash val="solid"/>
+            <a:round/>
+            <a:headEnd type="none" w="med" len="med"/>
+            <a:tailEnd type="none" w="med" len="med"/>
+          </a:ln>
+        </p:spPr>
+      </p:cxnSp>
+      <p:cxnSp>
+        <p:nvCxnSpPr>
+          <p:cNvPr id="43" name="Google Shape;246;g2afa511e966_0_39">
+            <a:extLst>
+              <a:ext uri="{FF2B5EF4-FFF2-40B4-BE49-F238E27FC236}">
+                <a16:creationId xmlns:a16="http://schemas.microsoft.com/office/drawing/2014/main" id="{3743C162-E077-D886-078F-93383E0790F1}"/>
+              </a:ext>
+            </a:extLst>
+          </p:cNvPr>
+          <p:cNvCxnSpPr>
+            <a:cxnSpLocks/>
+            <a:stCxn id="59" idx="6"/>
+          </p:cNvCxnSpPr>
+          <p:nvPr/>
+        </p:nvCxnSpPr>
+        <p:spPr>
+          <a:xfrm>
+            <a:off x="8436766" y="3205523"/>
+            <a:ext cx="0" cy="929616"/>
+          </a:xfrm>
+          <a:prstGeom prst="straightConnector1">
+            <a:avLst/>
+          </a:prstGeom>
+          <a:noFill/>
+          <a:ln w="28575" cap="flat" cmpd="sng">
+            <a:solidFill>
+              <a:schemeClr val="dk2"/>
+            </a:solidFill>
+            <a:prstDash val="solid"/>
+            <a:round/>
+            <a:headEnd type="none" w="med" len="med"/>
+            <a:tailEnd type="none" w="med" len="med"/>
+          </a:ln>
+        </p:spPr>
+      </p:cxnSp>
       <p:sp>
         <p:nvSpPr>
-          <p:cNvPr id="8" name="Google Shape;248;g2afa511e966_0_39">
+          <p:cNvPr id="44" name="Google Shape;247;g2afa511e966_0_39">
             <a:extLst>
               <a:ext uri="{FF2B5EF4-FFF2-40B4-BE49-F238E27FC236}">
-                <a16:creationId xmlns:a16="http://schemas.microsoft.com/office/drawing/2014/main" id="{859C0B1C-A20F-5BCA-9E89-7BD4C0A00029}"/>
+                <a16:creationId xmlns:a16="http://schemas.microsoft.com/office/drawing/2014/main" id="{4534E42D-8446-4303-12D8-76BE3E7BCD40}"/>
               </a:ext>
             </a:extLst>
           </p:cNvPr>
@@ -22217,135 +23953,99 @@
         </p:nvSpPr>
         <p:spPr>
           <a:xfrm>
-            <a:off x="1102850" y="2392075"/>
-            <a:ext cx="866700" cy="146100"/>
+            <a:off x="6852357" y="3889293"/>
+            <a:ext cx="1584409" cy="418386"/>
           </a:xfrm>
           <a:prstGeom prst="ellipse">
             <a:avLst/>
           </a:prstGeom>
-          <a:solidFill>
-            <a:schemeClr val="lt1"/>
-          </a:solidFill>
-          <a:ln w="9525" cap="flat" cmpd="sng">
+          <a:noFill/>
+          <a:ln w="28575" cap="flat" cmpd="sng">
             <a:solidFill>
-              <a:schemeClr val="dk1"/>
+              <a:schemeClr val="dk2"/>
             </a:solidFill>
             <a:prstDash val="solid"/>
             <a:round/>
-            <a:headEnd type="none" w="sm" len="sm"/>
-            <a:tailEnd type="none" w="sm" len="sm"/>
+            <a:headEnd type="none" w="med" len="med"/>
+            <a:tailEnd type="arrow" w="med" len="med"/>
           </a:ln>
         </p:spPr>
         <p:txBody>
-          <a:bodyPr spcFirstLastPara="1" wrap="square" lIns="91425" tIns="91425" rIns="91425" bIns="91425" anchor="ctr" anchorCtr="0">
-            <a:noAutofit/>
-          </a:bodyPr>
+          <a:bodyPr rtlCol="0" anchor="ctr"/>
           <a:lstStyle/>
           <a:p>
-            <a:pPr marL="0" marR="0" lvl="0" indent="0" algn="ctr" rtl="0">
-              <a:lnSpc>
-                <a:spcPct val="100000"/>
-              </a:lnSpc>
-              <a:spcBef>
-                <a:spcPts val="0"/>
-              </a:spcBef>
-              <a:spcAft>
-                <a:spcPts val="0"/>
-              </a:spcAft>
-              <a:buClr>
-                <a:srgbClr val="000000"/>
-              </a:buClr>
-              <a:buSzPts val="1400"/>
-              <a:buFont typeface="Arial"/>
-              <a:buNone/>
-            </a:pPr>
-            <a:endParaRPr sz="1400" b="0" i="0" u="none" strike="noStrike" cap="none">
-              <a:solidFill>
-                <a:srgbClr val="000000"/>
-              </a:solidFill>
-              <a:highlight>
-                <a:schemeClr val="lt1"/>
-              </a:highlight>
-              <a:latin typeface="Frank Ruhl Libre"/>
-              <a:ea typeface="Frank Ruhl Libre"/>
-              <a:cs typeface="Frank Ruhl Libre"/>
-              <a:sym typeface="Frank Ruhl Libre"/>
+            <a:pPr algn="ctr"/>
+            <a:endParaRPr>
+              <a:sym typeface="Montserrat"/>
             </a:endParaRPr>
           </a:p>
         </p:txBody>
       </p:sp>
-      <p:cxnSp>
-        <p:nvCxnSpPr>
-          <p:cNvPr id="9" name="Google Shape;249;g2afa511e966_0_39">
+      <p:sp>
+        <p:nvSpPr>
+          <p:cNvPr id="55" name="Google Shape;256;g2afa511e966_0_39">
             <a:extLst>
               <a:ext uri="{FF2B5EF4-FFF2-40B4-BE49-F238E27FC236}">
-                <a16:creationId xmlns:a16="http://schemas.microsoft.com/office/drawing/2014/main" id="{07D900E0-BA94-2597-AD69-66F0D0FC8ACC}"/>
+                <a16:creationId xmlns:a16="http://schemas.microsoft.com/office/drawing/2014/main" id="{2A457D3A-4ABA-8B9C-3C4D-F5630391415C}"/>
               </a:ext>
             </a:extLst>
           </p:cNvPr>
-          <p:cNvCxnSpPr>
-            <a:stCxn id="8" idx="2"/>
-          </p:cNvCxnSpPr>
+          <p:cNvSpPr txBox="1"/>
           <p:nvPr/>
-        </p:nvCxnSpPr>
+        </p:nvSpPr>
         <p:spPr>
           <a:xfrm>
-            <a:off x="1102850" y="2465125"/>
-            <a:ext cx="0" cy="360900"/>
-          </a:xfrm>
-          <a:prstGeom prst="straightConnector1">
+            <a:off x="6915061" y="3500339"/>
+            <a:ext cx="1655195" cy="307777"/>
+          </a:xfrm>
+          <a:prstGeom prst="rect">
             <a:avLst/>
           </a:prstGeom>
           <a:noFill/>
-          <a:ln w="9525" cap="flat" cmpd="sng">
-            <a:solidFill>
-              <a:schemeClr val="dk1"/>
-            </a:solidFill>
-            <a:prstDash val="solid"/>
-            <a:round/>
-            <a:headEnd type="none" w="sm" len="sm"/>
-            <a:tailEnd type="none" w="sm" len="sm"/>
-          </a:ln>
-        </p:spPr>
-      </p:cxnSp>
-      <p:cxnSp>
-        <p:nvCxnSpPr>
-          <p:cNvPr id="10" name="Google Shape;250;g2afa511e966_0_39">
+        </p:spPr>
+        <p:txBody>
+          <a:bodyPr wrap="square">
+            <a:spAutoFit/>
+          </a:bodyPr>
+          <a:lstStyle>
+            <a:defPPr marR="0" lvl="0" algn="l" rtl="0">
+              <a:lnSpc>
+                <a:spcPct val="100000"/>
+              </a:lnSpc>
+              <a:spcBef>
+                <a:spcPts val="0"/>
+              </a:spcBef>
+              <a:spcAft>
+                <a:spcPts val="0"/>
+              </a:spcAft>
+            </a:defPPr>
+            <a:lvl1pPr>
+              <a:defRPr b="1">
+                <a:solidFill>
+                  <a:schemeClr val="bg2"/>
+                </a:solidFill>
+              </a:defRPr>
+            </a:lvl1pPr>
+          </a:lstStyle>
+          <a:p>
+            <a:r>
+              <a:rPr lang="en" dirty="0">
+                <a:sym typeface="Frank Ruhl Libre"/>
+              </a:rPr>
+              <a:t>Code database</a:t>
+            </a:r>
+            <a:endParaRPr dirty="0">
+              <a:sym typeface="Frank Ruhl Libre"/>
+            </a:endParaRPr>
+          </a:p>
+        </p:txBody>
+      </p:sp>
+      <p:sp>
+        <p:nvSpPr>
+          <p:cNvPr id="59" name="Google Shape;247;g2afa511e966_0_39">
             <a:extLst>
               <a:ext uri="{FF2B5EF4-FFF2-40B4-BE49-F238E27FC236}">
-                <a16:creationId xmlns:a16="http://schemas.microsoft.com/office/drawing/2014/main" id="{86B7F7CD-C351-A310-CA53-3F0908990325}"/>
-              </a:ext>
-            </a:extLst>
-          </p:cNvPr>
-          <p:cNvCxnSpPr/>
-          <p:nvPr/>
-        </p:nvCxnSpPr>
-        <p:spPr>
-          <a:xfrm>
-            <a:off x="1973075" y="2465125"/>
-            <a:ext cx="0" cy="360900"/>
-          </a:xfrm>
-          <a:prstGeom prst="straightConnector1">
-            <a:avLst/>
-          </a:prstGeom>
-          <a:noFill/>
-          <a:ln w="9525" cap="flat" cmpd="sng">
-            <a:solidFill>
-              <a:schemeClr val="dk1"/>
-            </a:solidFill>
-            <a:prstDash val="solid"/>
-            <a:round/>
-            <a:headEnd type="none" w="sm" len="sm"/>
-            <a:tailEnd type="none" w="sm" len="sm"/>
-          </a:ln>
-        </p:spPr>
-      </p:cxnSp>
-      <p:sp>
-        <p:nvSpPr>
-          <p:cNvPr id="11" name="Google Shape;251;g2afa511e966_0_39">
-            <a:extLst>
-              <a:ext uri="{FF2B5EF4-FFF2-40B4-BE49-F238E27FC236}">
-                <a16:creationId xmlns:a16="http://schemas.microsoft.com/office/drawing/2014/main" id="{47B18664-E9C9-7984-6243-48DD2477AAC1}"/>
+                <a16:creationId xmlns:a16="http://schemas.microsoft.com/office/drawing/2014/main" id="{C3F4AE23-6535-FBE9-4E0D-65B3147C1046}"/>
               </a:ext>
             </a:extLst>
           </p:cNvPr>
@@ -22354,956 +24054,31 @@
         </p:nvSpPr>
         <p:spPr>
           <a:xfrm>
-            <a:off x="1102850" y="2760136"/>
-            <a:ext cx="866700" cy="146100"/>
+            <a:off x="6852357" y="2996330"/>
+            <a:ext cx="1584409" cy="418386"/>
           </a:xfrm>
           <a:prstGeom prst="ellipse">
             <a:avLst/>
           </a:prstGeom>
-          <a:solidFill>
-            <a:schemeClr val="lt1"/>
-          </a:solidFill>
-          <a:ln w="9525" cap="flat" cmpd="sng">
+          <a:noFill/>
+          <a:ln w="28575" cap="flat" cmpd="sng">
             <a:solidFill>
-              <a:schemeClr val="dk1"/>
+              <a:schemeClr val="dk2"/>
             </a:solidFill>
             <a:prstDash val="solid"/>
             <a:round/>
-            <a:headEnd type="none" w="sm" len="sm"/>
-            <a:tailEnd type="none" w="sm" len="sm"/>
+            <a:headEnd type="none" w="med" len="med"/>
+            <a:tailEnd type="arrow" w="med" len="med"/>
           </a:ln>
         </p:spPr>
         <p:txBody>
-          <a:bodyPr spcFirstLastPara="1" wrap="square" lIns="91425" tIns="91425" rIns="91425" bIns="91425" anchor="ctr" anchorCtr="0">
-            <a:noAutofit/>
-          </a:bodyPr>
+          <a:bodyPr rtlCol="0" anchor="ctr"/>
           <a:lstStyle/>
           <a:p>
-            <a:pPr marL="0" marR="0" lvl="0" indent="0" algn="ctr" rtl="0">
-              <a:lnSpc>
-                <a:spcPct val="100000"/>
-              </a:lnSpc>
-              <a:spcBef>
-                <a:spcPts val="0"/>
-              </a:spcBef>
-              <a:spcAft>
-                <a:spcPts val="0"/>
-              </a:spcAft>
-              <a:buClr>
-                <a:srgbClr val="000000"/>
-              </a:buClr>
-              <a:buSzPts val="1400"/>
-              <a:buFont typeface="Arial"/>
-              <a:buNone/>
-            </a:pPr>
-            <a:endParaRPr sz="1400" b="0" i="0" u="none" strike="noStrike" cap="none">
-              <a:solidFill>
-                <a:srgbClr val="000000"/>
-              </a:solidFill>
-              <a:latin typeface="Montserrat"/>
-              <a:ea typeface="Montserrat"/>
-              <a:cs typeface="Montserrat"/>
+            <a:pPr algn="ctr"/>
+            <a:endParaRPr>
               <a:sym typeface="Montserrat"/>
             </a:endParaRPr>
-          </a:p>
-        </p:txBody>
-      </p:sp>
-      <p:sp>
-        <p:nvSpPr>
-          <p:cNvPr id="12" name="Google Shape;252;g2afa511e966_0_39">
-            <a:extLst>
-              <a:ext uri="{FF2B5EF4-FFF2-40B4-BE49-F238E27FC236}">
-                <a16:creationId xmlns:a16="http://schemas.microsoft.com/office/drawing/2014/main" id="{8E4260A0-8FA1-50B8-CDC4-F2DFA2066CDE}"/>
-              </a:ext>
-            </a:extLst>
-          </p:cNvPr>
-          <p:cNvSpPr/>
-          <p:nvPr/>
-        </p:nvSpPr>
-        <p:spPr>
-          <a:xfrm>
-            <a:off x="2169650" y="2392075"/>
-            <a:ext cx="866700" cy="146100"/>
-          </a:xfrm>
-          <a:prstGeom prst="ellipse">
-            <a:avLst/>
-          </a:prstGeom>
-          <a:solidFill>
-            <a:schemeClr val="lt1"/>
-          </a:solidFill>
-          <a:ln w="9525" cap="flat" cmpd="sng">
-            <a:solidFill>
-              <a:srgbClr val="FF00FF"/>
-            </a:solidFill>
-            <a:prstDash val="solid"/>
-            <a:round/>
-            <a:headEnd type="none" w="sm" len="sm"/>
-            <a:tailEnd type="none" w="sm" len="sm"/>
-          </a:ln>
-        </p:spPr>
-        <p:txBody>
-          <a:bodyPr spcFirstLastPara="1" wrap="square" lIns="91425" tIns="91425" rIns="91425" bIns="91425" anchor="ctr" anchorCtr="0">
-            <a:noAutofit/>
-          </a:bodyPr>
-          <a:lstStyle/>
-          <a:p>
-            <a:pPr marL="0" marR="0" lvl="0" indent="0" algn="ctr" rtl="0">
-              <a:lnSpc>
-                <a:spcPct val="100000"/>
-              </a:lnSpc>
-              <a:spcBef>
-                <a:spcPts val="0"/>
-              </a:spcBef>
-              <a:spcAft>
-                <a:spcPts val="0"/>
-              </a:spcAft>
-              <a:buClr>
-                <a:srgbClr val="000000"/>
-              </a:buClr>
-              <a:buSzPts val="1400"/>
-              <a:buFont typeface="Arial"/>
-              <a:buNone/>
-            </a:pPr>
-            <a:endParaRPr sz="1400" b="0" i="0" u="none" strike="noStrike" cap="none">
-              <a:solidFill>
-                <a:srgbClr val="000000"/>
-              </a:solidFill>
-              <a:highlight>
-                <a:schemeClr val="lt1"/>
-              </a:highlight>
-              <a:latin typeface="Frank Ruhl Libre"/>
-              <a:ea typeface="Frank Ruhl Libre"/>
-              <a:cs typeface="Frank Ruhl Libre"/>
-              <a:sym typeface="Frank Ruhl Libre"/>
-            </a:endParaRPr>
-          </a:p>
-        </p:txBody>
-      </p:sp>
-      <p:cxnSp>
-        <p:nvCxnSpPr>
-          <p:cNvPr id="13" name="Google Shape;253;g2afa511e966_0_39">
-            <a:extLst>
-              <a:ext uri="{FF2B5EF4-FFF2-40B4-BE49-F238E27FC236}">
-                <a16:creationId xmlns:a16="http://schemas.microsoft.com/office/drawing/2014/main" id="{078BAFEB-31B3-7C10-C719-B1947E7BB2B9}"/>
-              </a:ext>
-            </a:extLst>
-          </p:cNvPr>
-          <p:cNvCxnSpPr>
-            <a:stCxn id="12" idx="2"/>
-          </p:cNvCxnSpPr>
-          <p:nvPr/>
-        </p:nvCxnSpPr>
-        <p:spPr>
-          <a:xfrm>
-            <a:off x="2169650" y="2465125"/>
-            <a:ext cx="0" cy="360900"/>
-          </a:xfrm>
-          <a:prstGeom prst="straightConnector1">
-            <a:avLst/>
-          </a:prstGeom>
-          <a:noFill/>
-          <a:ln w="9525" cap="flat" cmpd="sng">
-            <a:solidFill>
-              <a:srgbClr val="FF00FF"/>
-            </a:solidFill>
-            <a:prstDash val="solid"/>
-            <a:round/>
-            <a:headEnd type="none" w="sm" len="sm"/>
-            <a:tailEnd type="none" w="sm" len="sm"/>
-          </a:ln>
-        </p:spPr>
-      </p:cxnSp>
-      <p:cxnSp>
-        <p:nvCxnSpPr>
-          <p:cNvPr id="14" name="Google Shape;254;g2afa511e966_0_39">
-            <a:extLst>
-              <a:ext uri="{FF2B5EF4-FFF2-40B4-BE49-F238E27FC236}">
-                <a16:creationId xmlns:a16="http://schemas.microsoft.com/office/drawing/2014/main" id="{E99C334D-A2A4-06B1-6DDB-453086D4AD83}"/>
-              </a:ext>
-            </a:extLst>
-          </p:cNvPr>
-          <p:cNvCxnSpPr/>
-          <p:nvPr/>
-        </p:nvCxnSpPr>
-        <p:spPr>
-          <a:xfrm>
-            <a:off x="3039875" y="2465125"/>
-            <a:ext cx="0" cy="360900"/>
-          </a:xfrm>
-          <a:prstGeom prst="straightConnector1">
-            <a:avLst/>
-          </a:prstGeom>
-          <a:noFill/>
-          <a:ln w="9525" cap="flat" cmpd="sng">
-            <a:solidFill>
-              <a:srgbClr val="FF00FF"/>
-            </a:solidFill>
-            <a:prstDash val="solid"/>
-            <a:round/>
-            <a:headEnd type="none" w="sm" len="sm"/>
-            <a:tailEnd type="none" w="sm" len="sm"/>
-          </a:ln>
-        </p:spPr>
-      </p:cxnSp>
-      <p:sp>
-        <p:nvSpPr>
-          <p:cNvPr id="15" name="Google Shape;255;g2afa511e966_0_39">
-            <a:extLst>
-              <a:ext uri="{FF2B5EF4-FFF2-40B4-BE49-F238E27FC236}">
-                <a16:creationId xmlns:a16="http://schemas.microsoft.com/office/drawing/2014/main" id="{B2DB0297-DFAC-E392-6219-72D9B3E55DD2}"/>
-              </a:ext>
-            </a:extLst>
-          </p:cNvPr>
-          <p:cNvSpPr/>
-          <p:nvPr/>
-        </p:nvSpPr>
-        <p:spPr>
-          <a:xfrm>
-            <a:off x="2169650" y="2760136"/>
-            <a:ext cx="866700" cy="146100"/>
-          </a:xfrm>
-          <a:prstGeom prst="ellipse">
-            <a:avLst/>
-          </a:prstGeom>
-          <a:solidFill>
-            <a:schemeClr val="lt1"/>
-          </a:solidFill>
-          <a:ln w="9525" cap="flat" cmpd="sng">
-            <a:solidFill>
-              <a:srgbClr val="FF00FF"/>
-            </a:solidFill>
-            <a:prstDash val="solid"/>
-            <a:round/>
-            <a:headEnd type="none" w="sm" len="sm"/>
-            <a:tailEnd type="none" w="sm" len="sm"/>
-          </a:ln>
-        </p:spPr>
-        <p:txBody>
-          <a:bodyPr spcFirstLastPara="1" wrap="square" lIns="91425" tIns="91425" rIns="91425" bIns="91425" anchor="ctr" anchorCtr="0">
-            <a:noAutofit/>
-          </a:bodyPr>
-          <a:lstStyle/>
-          <a:p>
-            <a:pPr marL="0" marR="0" lvl="0" indent="0" algn="ctr" rtl="0">
-              <a:lnSpc>
-                <a:spcPct val="100000"/>
-              </a:lnSpc>
-              <a:spcBef>
-                <a:spcPts val="0"/>
-              </a:spcBef>
-              <a:spcAft>
-                <a:spcPts val="0"/>
-              </a:spcAft>
-              <a:buClr>
-                <a:srgbClr val="000000"/>
-              </a:buClr>
-              <a:buSzPts val="1400"/>
-              <a:buFont typeface="Arial"/>
-              <a:buNone/>
-            </a:pPr>
-            <a:endParaRPr sz="1400" b="0" i="0" u="none" strike="noStrike" cap="none">
-              <a:solidFill>
-                <a:srgbClr val="000000"/>
-              </a:solidFill>
-              <a:latin typeface="Montserrat"/>
-              <a:ea typeface="Montserrat"/>
-              <a:cs typeface="Montserrat"/>
-              <a:sym typeface="Montserrat"/>
-            </a:endParaRPr>
-          </a:p>
-        </p:txBody>
-      </p:sp>
-      <p:sp>
-        <p:nvSpPr>
-          <p:cNvPr id="16" name="Google Shape;256;g2afa511e966_0_39">
-            <a:extLst>
-              <a:ext uri="{FF2B5EF4-FFF2-40B4-BE49-F238E27FC236}">
-                <a16:creationId xmlns:a16="http://schemas.microsoft.com/office/drawing/2014/main" id="{02FF8379-9728-E1DA-69F7-ED0CAAC6CF33}"/>
-              </a:ext>
-            </a:extLst>
-          </p:cNvPr>
-          <p:cNvSpPr txBox="1"/>
-          <p:nvPr/>
-        </p:nvSpPr>
-        <p:spPr>
-          <a:xfrm>
-            <a:off x="1074350" y="2491675"/>
-            <a:ext cx="866700" cy="307800"/>
-          </a:xfrm>
-          <a:prstGeom prst="rect">
-            <a:avLst/>
-          </a:prstGeom>
-          <a:noFill/>
-          <a:ln>
-            <a:noFill/>
-          </a:ln>
-        </p:spPr>
-        <p:txBody>
-          <a:bodyPr spcFirstLastPara="1" wrap="square" lIns="91425" tIns="91425" rIns="91425" bIns="91425" anchor="t" anchorCtr="0">
-            <a:spAutoFit/>
-          </a:bodyPr>
-          <a:lstStyle/>
-          <a:p>
-            <a:pPr marL="0" marR="0" lvl="0" indent="0" algn="ctr" rtl="0">
-              <a:lnSpc>
-                <a:spcPct val="100000"/>
-              </a:lnSpc>
-              <a:spcBef>
-                <a:spcPts val="0"/>
-              </a:spcBef>
-              <a:spcAft>
-                <a:spcPts val="0"/>
-              </a:spcAft>
-              <a:buClr>
-                <a:srgbClr val="000000"/>
-              </a:buClr>
-              <a:buSzPts val="800"/>
-              <a:buFont typeface="Arial"/>
-              <a:buNone/>
-            </a:pPr>
-            <a:r>
-              <a:rPr lang="en" sz="800" b="0" i="0" u="none" strike="noStrike" cap="none">
-                <a:solidFill>
-                  <a:schemeClr val="dk1"/>
-                </a:solidFill>
-                <a:latin typeface="Frank Ruhl Libre"/>
-                <a:ea typeface="Frank Ruhl Libre"/>
-                <a:cs typeface="Frank Ruhl Libre"/>
-                <a:sym typeface="Frank Ruhl Libre"/>
-              </a:rPr>
-              <a:t>Code database</a:t>
-            </a:r>
-            <a:endParaRPr sz="800" b="0" i="0" u="none" strike="noStrike" cap="none">
-              <a:solidFill>
-                <a:schemeClr val="dk1"/>
-              </a:solidFill>
-              <a:latin typeface="Frank Ruhl Libre"/>
-              <a:ea typeface="Frank Ruhl Libre"/>
-              <a:cs typeface="Frank Ruhl Libre"/>
-              <a:sym typeface="Frank Ruhl Libre"/>
-            </a:endParaRPr>
-          </a:p>
-        </p:txBody>
-      </p:sp>
-      <p:sp>
-        <p:nvSpPr>
-          <p:cNvPr id="17" name="Google Shape;257;g2afa511e966_0_39">
-            <a:extLst>
-              <a:ext uri="{FF2B5EF4-FFF2-40B4-BE49-F238E27FC236}">
-                <a16:creationId xmlns:a16="http://schemas.microsoft.com/office/drawing/2014/main" id="{91D260C3-6BC2-B05D-C004-4E27C79908AC}"/>
-              </a:ext>
-            </a:extLst>
-          </p:cNvPr>
-          <p:cNvSpPr txBox="1"/>
-          <p:nvPr/>
-        </p:nvSpPr>
-        <p:spPr>
-          <a:xfrm>
-            <a:off x="2141150" y="2491675"/>
-            <a:ext cx="866700" cy="307800"/>
-          </a:xfrm>
-          <a:prstGeom prst="rect">
-            <a:avLst/>
-          </a:prstGeom>
-          <a:noFill/>
-          <a:ln>
-            <a:noFill/>
-          </a:ln>
-        </p:spPr>
-        <p:txBody>
-          <a:bodyPr spcFirstLastPara="1" wrap="square" lIns="91425" tIns="91425" rIns="91425" bIns="91425" anchor="t" anchorCtr="0">
-            <a:spAutoFit/>
-          </a:bodyPr>
-          <a:lstStyle/>
-          <a:p>
-            <a:pPr marL="0" marR="0" lvl="0" indent="0" algn="ctr" rtl="0">
-              <a:lnSpc>
-                <a:spcPct val="100000"/>
-              </a:lnSpc>
-              <a:spcBef>
-                <a:spcPts val="0"/>
-              </a:spcBef>
-              <a:spcAft>
-                <a:spcPts val="0"/>
-              </a:spcAft>
-              <a:buClr>
-                <a:srgbClr val="000000"/>
-              </a:buClr>
-              <a:buSzPts val="800"/>
-              <a:buFont typeface="Arial"/>
-              <a:buNone/>
-            </a:pPr>
-            <a:r>
-              <a:rPr lang="en" sz="800" b="0" i="0" u="none" strike="noStrike" cap="none">
-                <a:solidFill>
-                  <a:srgbClr val="FF00FF"/>
-                </a:solidFill>
-                <a:latin typeface="Frank Ruhl Libre"/>
-                <a:ea typeface="Frank Ruhl Libre"/>
-                <a:cs typeface="Frank Ruhl Libre"/>
-                <a:sym typeface="Frank Ruhl Libre"/>
-              </a:rPr>
-              <a:t>Text database</a:t>
-            </a:r>
-            <a:endParaRPr sz="800" b="0" i="0" u="none" strike="noStrike" cap="none">
-              <a:solidFill>
-                <a:srgbClr val="FF00FF"/>
-              </a:solidFill>
-              <a:latin typeface="Frank Ruhl Libre"/>
-              <a:ea typeface="Frank Ruhl Libre"/>
-              <a:cs typeface="Frank Ruhl Libre"/>
-              <a:sym typeface="Frank Ruhl Libre"/>
-            </a:endParaRPr>
-          </a:p>
-        </p:txBody>
-      </p:sp>
-      <p:sp>
-        <p:nvSpPr>
-          <p:cNvPr id="18" name="Google Shape;258;g2afa511e966_0_39">
-            <a:extLst>
-              <a:ext uri="{FF2B5EF4-FFF2-40B4-BE49-F238E27FC236}">
-                <a16:creationId xmlns:a16="http://schemas.microsoft.com/office/drawing/2014/main" id="{EF51CC83-B2E8-1B2A-B4C0-8B0AA2D85E57}"/>
-              </a:ext>
-            </a:extLst>
-          </p:cNvPr>
-          <p:cNvSpPr txBox="1"/>
-          <p:nvPr/>
-        </p:nvSpPr>
-        <p:spPr>
-          <a:xfrm>
-            <a:off x="4106675" y="1182025"/>
-            <a:ext cx="3942000" cy="2918400"/>
-          </a:xfrm>
-          <a:prstGeom prst="rect">
-            <a:avLst/>
-          </a:prstGeom>
-          <a:solidFill>
-            <a:schemeClr val="lt2"/>
-          </a:solidFill>
-          <a:ln>
-            <a:noFill/>
-          </a:ln>
-        </p:spPr>
-        <p:txBody>
-          <a:bodyPr spcFirstLastPara="1" wrap="square" lIns="91425" tIns="91425" rIns="91425" bIns="91425" anchor="t" anchorCtr="0">
-            <a:spAutoFit/>
-          </a:bodyPr>
-          <a:lstStyle/>
-          <a:p>
-            <a:pPr marL="0" marR="0" lvl="0" indent="0" algn="l" rtl="0">
-              <a:lnSpc>
-                <a:spcPct val="115000"/>
-              </a:lnSpc>
-              <a:spcBef>
-                <a:spcPts val="0"/>
-              </a:spcBef>
-              <a:spcAft>
-                <a:spcPts val="0"/>
-              </a:spcAft>
-              <a:buClr>
-                <a:srgbClr val="000000"/>
-              </a:buClr>
-              <a:buSzPts val="1200"/>
-              <a:buFont typeface="Arial"/>
-              <a:buNone/>
-            </a:pPr>
-            <a:r>
-              <a:rPr lang="en" sz="1200" b="1" i="0" u="none" strike="noStrike" cap="none" dirty="0">
-                <a:solidFill>
-                  <a:srgbClr val="0000FF"/>
-                </a:solidFill>
-                <a:latin typeface="Courier New"/>
-                <a:ea typeface="Courier New"/>
-                <a:cs typeface="Courier New"/>
-                <a:sym typeface="Courier New"/>
-              </a:rPr>
-              <a:t>// code database</a:t>
-            </a:r>
-            <a:endParaRPr sz="1200" b="1" i="0" u="none" strike="noStrike" cap="none" dirty="0">
-              <a:solidFill>
-                <a:srgbClr val="0000FF"/>
-              </a:solidFill>
-              <a:latin typeface="Courier New"/>
-              <a:ea typeface="Courier New"/>
-              <a:cs typeface="Courier New"/>
-              <a:sym typeface="Courier New"/>
-            </a:endParaRPr>
-          </a:p>
-          <a:p>
-            <a:pPr marL="0" marR="0" lvl="0" indent="0" algn="l" rtl="0">
-              <a:lnSpc>
-                <a:spcPct val="115000"/>
-              </a:lnSpc>
-              <a:spcBef>
-                <a:spcPts val="0"/>
-              </a:spcBef>
-              <a:spcAft>
-                <a:spcPts val="0"/>
-              </a:spcAft>
-              <a:buClr>
-                <a:srgbClr val="000000"/>
-              </a:buClr>
-              <a:buSzPts val="1200"/>
-              <a:buFont typeface="Arial"/>
-              <a:buNone/>
-            </a:pPr>
-            <a:r>
-              <a:rPr lang="en" sz="1200" b="1" dirty="0">
-                <a:solidFill>
-                  <a:srgbClr val="1E1E1E"/>
-                </a:solidFill>
-                <a:latin typeface="Courier New"/>
-                <a:ea typeface="Courier New"/>
-                <a:cs typeface="Courier New"/>
-                <a:sym typeface="Courier New"/>
-              </a:rPr>
-              <a:t>last paragraph + </a:t>
-            </a:r>
-            <a:r>
-              <a:rPr lang="en" sz="1200" b="1" i="0" u="none" strike="noStrike" cap="none" dirty="0">
-                <a:solidFill>
-                  <a:srgbClr val="1E1E1E"/>
-                </a:solidFill>
-                <a:latin typeface="Courier New"/>
-                <a:ea typeface="Courier New"/>
-                <a:cs typeface="Courier New"/>
-                <a:sym typeface="Courier New"/>
-              </a:rPr>
-              <a:t>Code blocks (</a:t>
-            </a:r>
-            <a:r>
-              <a:rPr lang="en" sz="1200" b="1" i="1" dirty="0">
-                <a:solidFill>
-                  <a:srgbClr val="C00000"/>
-                </a:solidFill>
-                <a:latin typeface="Courier New"/>
-                <a:ea typeface="Courier New"/>
-                <a:cs typeface="Courier New"/>
-                <a:sym typeface="Courier New"/>
-              </a:rPr>
-              <a:t>font-based detection</a:t>
-            </a:r>
-            <a:r>
-              <a:rPr lang="en" sz="1200" b="1" i="0" u="none" strike="noStrike" cap="none" dirty="0">
-                <a:solidFill>
-                  <a:srgbClr val="1E1E1E"/>
-                </a:solidFill>
-                <a:latin typeface="Courier New"/>
-                <a:ea typeface="Courier New"/>
-                <a:cs typeface="Courier New"/>
-                <a:sym typeface="Courier New"/>
-              </a:rPr>
-              <a:t>) + </a:t>
-            </a:r>
-            <a:r>
-              <a:rPr lang="en" sz="1200" b="1" dirty="0">
-                <a:solidFill>
-                  <a:srgbClr val="1E1E1E"/>
-                </a:solidFill>
-                <a:latin typeface="Courier New"/>
-                <a:ea typeface="Courier New"/>
-                <a:cs typeface="Courier New"/>
-                <a:sym typeface="Courier New"/>
-              </a:rPr>
-              <a:t>next paragraph</a:t>
-            </a:r>
-            <a:endParaRPr sz="1200" b="1" i="0" u="none" strike="noStrike" cap="none" dirty="0">
-              <a:solidFill>
-                <a:srgbClr val="1E1E1E"/>
-              </a:solidFill>
-              <a:latin typeface="Courier New"/>
-              <a:ea typeface="Courier New"/>
-              <a:cs typeface="Courier New"/>
-              <a:sym typeface="Courier New"/>
-            </a:endParaRPr>
-          </a:p>
-          <a:p>
-            <a:pPr marL="0" marR="0" lvl="0" indent="0" algn="l" rtl="0">
-              <a:lnSpc>
-                <a:spcPct val="115000"/>
-              </a:lnSpc>
-              <a:spcBef>
-                <a:spcPts val="0"/>
-              </a:spcBef>
-              <a:spcAft>
-                <a:spcPts val="0"/>
-              </a:spcAft>
-              <a:buClr>
-                <a:srgbClr val="000000"/>
-              </a:buClr>
-              <a:buSzPts val="1200"/>
-              <a:buFont typeface="Arial"/>
-              <a:buNone/>
-            </a:pPr>
-            <a:endParaRPr sz="1200" b="1" i="0" u="none" strike="noStrike" cap="none" dirty="0">
-              <a:solidFill>
-                <a:srgbClr val="1E1E1E"/>
-              </a:solidFill>
-              <a:latin typeface="Courier New"/>
-              <a:ea typeface="Courier New"/>
-              <a:cs typeface="Courier New"/>
-              <a:sym typeface="Courier New"/>
-            </a:endParaRPr>
-          </a:p>
-          <a:p>
-            <a:pPr marL="0" marR="0" lvl="0" indent="0" algn="l" rtl="0">
-              <a:lnSpc>
-                <a:spcPct val="115000"/>
-              </a:lnSpc>
-              <a:spcBef>
-                <a:spcPts val="0"/>
-              </a:spcBef>
-              <a:spcAft>
-                <a:spcPts val="0"/>
-              </a:spcAft>
-              <a:buClr>
-                <a:srgbClr val="000000"/>
-              </a:buClr>
-              <a:buSzPts val="1200"/>
-              <a:buFont typeface="Arial"/>
-              <a:buNone/>
-            </a:pPr>
-            <a:r>
-              <a:rPr lang="en" sz="1200" b="1" i="0" u="none" strike="noStrike" cap="none" dirty="0">
-                <a:solidFill>
-                  <a:srgbClr val="0000FF"/>
-                </a:solidFill>
-                <a:latin typeface="Courier New"/>
-                <a:ea typeface="Courier New"/>
-                <a:cs typeface="Courier New"/>
-                <a:sym typeface="Courier New"/>
-              </a:rPr>
-              <a:t>// text database</a:t>
-            </a:r>
-            <a:endParaRPr sz="1200" b="1" i="0" u="none" strike="noStrike" cap="none" dirty="0">
-              <a:solidFill>
-                <a:srgbClr val="0000FF"/>
-              </a:solidFill>
-              <a:latin typeface="Courier New"/>
-              <a:ea typeface="Courier New"/>
-              <a:cs typeface="Courier New"/>
-              <a:sym typeface="Courier New"/>
-            </a:endParaRPr>
-          </a:p>
-          <a:p>
-            <a:pPr marL="0" marR="0" lvl="0" indent="0" algn="l" rtl="0">
-              <a:lnSpc>
-                <a:spcPct val="115000"/>
-              </a:lnSpc>
-              <a:spcBef>
-                <a:spcPts val="0"/>
-              </a:spcBef>
-              <a:spcAft>
-                <a:spcPts val="0"/>
-              </a:spcAft>
-              <a:buClr>
-                <a:srgbClr val="000000"/>
-              </a:buClr>
-              <a:buSzPts val="1200"/>
-              <a:buFont typeface="Arial"/>
-              <a:buNone/>
-            </a:pPr>
-            <a:r>
-              <a:rPr lang="en" sz="1200" b="1" dirty="0">
-                <a:solidFill>
-                  <a:schemeClr val="dk2"/>
-                </a:solidFill>
-                <a:latin typeface="Courier New"/>
-                <a:ea typeface="Courier New"/>
-                <a:cs typeface="Courier New"/>
-                <a:sym typeface="Courier New"/>
-              </a:rPr>
-              <a:t>Each paragraph of r</a:t>
-            </a:r>
-            <a:r>
-              <a:rPr lang="en" sz="1200" b="1" i="0" u="none" strike="noStrike" cap="none" dirty="0">
-                <a:solidFill>
-                  <a:schemeClr val="dk2"/>
-                </a:solidFill>
-                <a:latin typeface="Courier New"/>
-                <a:ea typeface="Courier New"/>
-                <a:cs typeface="Courier New"/>
-                <a:sym typeface="Courier New"/>
-              </a:rPr>
-              <a:t>emaining texts</a:t>
-            </a:r>
-            <a:endParaRPr sz="1200" b="1" i="0" u="none" strike="noStrike" cap="none" dirty="0">
-              <a:solidFill>
-                <a:schemeClr val="dk2"/>
-              </a:solidFill>
-              <a:latin typeface="Courier New"/>
-              <a:ea typeface="Courier New"/>
-              <a:cs typeface="Courier New"/>
-              <a:sym typeface="Courier New"/>
-            </a:endParaRPr>
-          </a:p>
-          <a:p>
-            <a:pPr marL="0" marR="0" lvl="0" indent="0" algn="l" rtl="0">
-              <a:lnSpc>
-                <a:spcPct val="115000"/>
-              </a:lnSpc>
-              <a:spcBef>
-                <a:spcPts val="0"/>
-              </a:spcBef>
-              <a:spcAft>
-                <a:spcPts val="0"/>
-              </a:spcAft>
-              <a:buClr>
-                <a:srgbClr val="000000"/>
-              </a:buClr>
-              <a:buSzPts val="1200"/>
-              <a:buFont typeface="Arial"/>
-              <a:buNone/>
-            </a:pPr>
-            <a:endParaRPr sz="1200" b="1" dirty="0">
-              <a:solidFill>
-                <a:schemeClr val="dk2"/>
-              </a:solidFill>
-              <a:latin typeface="Courier New"/>
-              <a:ea typeface="Courier New"/>
-              <a:cs typeface="Courier New"/>
-              <a:sym typeface="Courier New"/>
-            </a:endParaRPr>
-          </a:p>
-          <a:p>
-            <a:pPr marL="0" lvl="0" indent="0" algn="l" rtl="0">
-              <a:lnSpc>
-                <a:spcPct val="115000"/>
-              </a:lnSpc>
-              <a:spcBef>
-                <a:spcPts val="0"/>
-              </a:spcBef>
-              <a:spcAft>
-                <a:spcPts val="0"/>
-              </a:spcAft>
-              <a:buClr>
-                <a:srgbClr val="000000"/>
-              </a:buClr>
-              <a:buSzPts val="1200"/>
-              <a:buFont typeface="Arial"/>
-              <a:buNone/>
-            </a:pPr>
-            <a:r>
-              <a:rPr lang="en" sz="1200" b="1" dirty="0">
-                <a:solidFill>
-                  <a:srgbClr val="0000FF"/>
-                </a:solidFill>
-                <a:latin typeface="Courier New"/>
-                <a:ea typeface="Courier New"/>
-                <a:cs typeface="Courier New"/>
-                <a:sym typeface="Courier New"/>
-              </a:rPr>
-              <a:t>// how to work (Dynamic RAG framework)</a:t>
-            </a:r>
-            <a:endParaRPr sz="1200" b="1" dirty="0">
-              <a:solidFill>
-                <a:srgbClr val="0000FF"/>
-              </a:solidFill>
-              <a:latin typeface="Courier New"/>
-              <a:ea typeface="Courier New"/>
-              <a:cs typeface="Courier New"/>
-              <a:sym typeface="Courier New"/>
-            </a:endParaRPr>
-          </a:p>
-          <a:p>
-            <a:pPr marL="457200" lvl="0" indent="-304800" algn="l" rtl="0">
-              <a:lnSpc>
-                <a:spcPct val="115000"/>
-              </a:lnSpc>
-              <a:spcBef>
-                <a:spcPts val="0"/>
-              </a:spcBef>
-              <a:spcAft>
-                <a:spcPts val="0"/>
-              </a:spcAft>
-              <a:buClr>
-                <a:schemeClr val="dk2"/>
-              </a:buClr>
-              <a:buSzPts val="1200"/>
-              <a:buFont typeface="Courier New"/>
-              <a:buAutoNum type="arabicPeriod"/>
-            </a:pPr>
-            <a:r>
-              <a:rPr lang="en" sz="1200" b="1" dirty="0">
-                <a:solidFill>
-                  <a:srgbClr val="1E1E1E"/>
-                </a:solidFill>
-                <a:latin typeface="Courier New"/>
-                <a:ea typeface="Courier New"/>
-                <a:cs typeface="Courier New"/>
-                <a:sym typeface="Courier New"/>
-              </a:rPr>
-              <a:t>Query type: code task / text task;</a:t>
-            </a:r>
-            <a:endParaRPr sz="1200" b="1" dirty="0">
-              <a:solidFill>
-                <a:srgbClr val="1E1E1E"/>
-              </a:solidFill>
-              <a:latin typeface="Courier New"/>
-              <a:ea typeface="Courier New"/>
-              <a:cs typeface="Courier New"/>
-              <a:sym typeface="Courier New"/>
-            </a:endParaRPr>
-          </a:p>
-          <a:p>
-            <a:pPr marL="457200" lvl="0" indent="-304800" algn="l" rtl="0">
-              <a:lnSpc>
-                <a:spcPct val="115000"/>
-              </a:lnSpc>
-              <a:spcBef>
-                <a:spcPts val="0"/>
-              </a:spcBef>
-              <a:spcAft>
-                <a:spcPts val="0"/>
-              </a:spcAft>
-              <a:buClr>
-                <a:srgbClr val="1E1E1E"/>
-              </a:buClr>
-              <a:buSzPts val="1200"/>
-              <a:buFont typeface="Courier New"/>
-              <a:buAutoNum type="arabicPeriod"/>
-            </a:pPr>
-            <a:r>
-              <a:rPr lang="en" sz="1200" b="1" dirty="0">
-                <a:solidFill>
-                  <a:srgbClr val="1E1E1E"/>
-                </a:solidFill>
-                <a:latin typeface="Courier New"/>
-                <a:ea typeface="Courier New"/>
-                <a:cs typeface="Courier New"/>
-                <a:sym typeface="Courier New"/>
-              </a:rPr>
-              <a:t>Get the corresponding database;</a:t>
-            </a:r>
-            <a:endParaRPr sz="1200" b="1" dirty="0">
-              <a:solidFill>
-                <a:srgbClr val="1E1E1E"/>
-              </a:solidFill>
-              <a:latin typeface="Courier New"/>
-              <a:ea typeface="Courier New"/>
-              <a:cs typeface="Courier New"/>
-              <a:sym typeface="Courier New"/>
-            </a:endParaRPr>
-          </a:p>
-          <a:p>
-            <a:pPr marL="457200" lvl="0" indent="-304800" algn="l" rtl="0">
-              <a:lnSpc>
-                <a:spcPct val="115000"/>
-              </a:lnSpc>
-              <a:spcBef>
-                <a:spcPts val="0"/>
-              </a:spcBef>
-              <a:spcAft>
-                <a:spcPts val="0"/>
-              </a:spcAft>
-              <a:buClr>
-                <a:srgbClr val="1E1E1E"/>
-              </a:buClr>
-              <a:buSzPts val="1200"/>
-              <a:buFont typeface="Courier New"/>
-              <a:buAutoNum type="arabicPeriod"/>
-            </a:pPr>
-            <a:r>
-              <a:rPr lang="en" sz="1200" b="1" dirty="0">
-                <a:solidFill>
-                  <a:srgbClr val="1E1E1E"/>
-                </a:solidFill>
-                <a:latin typeface="Courier New"/>
-                <a:ea typeface="Courier New"/>
-                <a:cs typeface="Courier New"/>
-                <a:sym typeface="Courier New"/>
-              </a:rPr>
-              <a:t>Do similarity search in the database;</a:t>
-            </a:r>
-            <a:endParaRPr sz="1200" b="1" dirty="0">
-              <a:solidFill>
-                <a:srgbClr val="1E1E1E"/>
-              </a:solidFill>
-              <a:latin typeface="Courier New"/>
-              <a:ea typeface="Courier New"/>
-              <a:cs typeface="Courier New"/>
-              <a:sym typeface="Courier New"/>
-            </a:endParaRPr>
-          </a:p>
-          <a:p>
-            <a:pPr marL="457200" lvl="0" indent="-304800" algn="l" rtl="0">
-              <a:lnSpc>
-                <a:spcPct val="115000"/>
-              </a:lnSpc>
-              <a:spcBef>
-                <a:spcPts val="0"/>
-              </a:spcBef>
-              <a:spcAft>
-                <a:spcPts val="0"/>
-              </a:spcAft>
-              <a:buClr>
-                <a:srgbClr val="1E1E1E"/>
-              </a:buClr>
-              <a:buSzPts val="1200"/>
-              <a:buFont typeface="Courier New"/>
-              <a:buAutoNum type="arabicPeriod"/>
-            </a:pPr>
-            <a:r>
-              <a:rPr lang="en" sz="1200" b="1" dirty="0">
-                <a:solidFill>
-                  <a:srgbClr val="1E1E1E"/>
-                </a:solidFill>
-                <a:latin typeface="Courier New"/>
-                <a:ea typeface="Courier New"/>
-                <a:cs typeface="Courier New"/>
-                <a:sym typeface="Courier New"/>
-              </a:rPr>
-              <a:t>Use extracted context information.</a:t>
-            </a:r>
-            <a:endParaRPr sz="1200" b="1" i="0" u="none" strike="noStrike" cap="none" dirty="0">
-              <a:solidFill>
-                <a:schemeClr val="dk2"/>
-              </a:solidFill>
-              <a:latin typeface="Courier New"/>
-              <a:ea typeface="Courier New"/>
-              <a:cs typeface="Courier New"/>
-              <a:sym typeface="Courier New"/>
-            </a:endParaRPr>
-          </a:p>
-        </p:txBody>
-      </p:sp>
-      <p:sp>
-        <p:nvSpPr>
-          <p:cNvPr id="20" name="文本框 19">
-            <a:extLst>
-              <a:ext uri="{FF2B5EF4-FFF2-40B4-BE49-F238E27FC236}">
-                <a16:creationId xmlns:a16="http://schemas.microsoft.com/office/drawing/2014/main" id="{7000A744-CAC8-D400-1102-723EF50D9E67}"/>
-              </a:ext>
-            </a:extLst>
-          </p:cNvPr>
-          <p:cNvSpPr txBox="1"/>
-          <p:nvPr/>
-        </p:nvSpPr>
-        <p:spPr>
-          <a:xfrm>
-            <a:off x="883291" y="3587743"/>
-            <a:ext cx="2795572" cy="369332"/>
-          </a:xfrm>
-          <a:prstGeom prst="rect">
-            <a:avLst/>
-          </a:prstGeom>
-          <a:noFill/>
-        </p:spPr>
-        <p:txBody>
-          <a:bodyPr wrap="square">
-            <a:spAutoFit/>
-          </a:bodyPr>
-          <a:lstStyle/>
-          <a:p>
-            <a:r>
-              <a:rPr lang="en" altLang="zh-CN" sz="1800" dirty="0">
-                <a:solidFill>
-                  <a:schemeClr val="dk2"/>
-                </a:solidFill>
-              </a:rPr>
-              <a:t>Dynamic Chunk Splitting</a:t>
-            </a:r>
-            <a:endParaRPr lang="zh-CN" altLang="en-US" sz="1800" dirty="0"/>
           </a:p>
         </p:txBody>
       </p:sp>
@@ -23317,1312 +24092,449 @@
   <p:clrMapOvr>
     <a:masterClrMapping/>
   </p:clrMapOvr>
-</p:sld>
-</file>
-
-<file path=ppt/slides/slide9.xml><?xml version="1.0" encoding="utf-8"?>
-<p:sld xmlns:a="http://schemas.openxmlformats.org/drawingml/2006/main" xmlns:r="http://schemas.openxmlformats.org/officeDocument/2006/relationships" xmlns:p="http://schemas.openxmlformats.org/presentationml/2006/main">
-  <p:cSld>
-    <p:spTree>
-      <p:nvGrpSpPr>
-        <p:cNvPr id="1" name="Shape 241"/>
-        <p:cNvGrpSpPr/>
-        <p:nvPr/>
-      </p:nvGrpSpPr>
-      <p:grpSpPr>
-        <a:xfrm>
-          <a:off x="0" y="0"/>
-          <a:ext cx="0" cy="0"/>
-          <a:chOff x="0" y="0"/>
-          <a:chExt cx="0" cy="0"/>
-        </a:xfrm>
-      </p:grpSpPr>
-      <p:sp>
-        <p:nvSpPr>
-          <p:cNvPr id="242" name="Google Shape;242;g2afa511e966_0_39"/>
-          <p:cNvSpPr txBox="1"/>
-          <p:nvPr/>
-        </p:nvSpPr>
-        <p:spPr>
-          <a:xfrm>
-            <a:off x="26350" y="709950"/>
-            <a:ext cx="8762100" cy="400200"/>
-          </a:xfrm>
-          <a:prstGeom prst="rect">
-            <a:avLst/>
-          </a:prstGeom>
-          <a:noFill/>
-          <a:ln>
-            <a:noFill/>
-          </a:ln>
-        </p:spPr>
-        <p:txBody>
-          <a:bodyPr spcFirstLastPara="1" wrap="square" lIns="91425" tIns="45700" rIns="91425" bIns="45700" anchor="t" anchorCtr="0">
-            <a:spAutoFit/>
-          </a:bodyPr>
-          <a:lstStyle/>
-          <a:p>
-            <a:pPr marL="285750" marR="0" lvl="0" indent="-285750" algn="l" rtl="0">
-              <a:lnSpc>
-                <a:spcPct val="100000"/>
-              </a:lnSpc>
-              <a:spcBef>
-                <a:spcPts val="0"/>
-              </a:spcBef>
-              <a:spcAft>
-                <a:spcPts val="0"/>
-              </a:spcAft>
-              <a:buClr>
-                <a:srgbClr val="000000"/>
-              </a:buClr>
-              <a:buSzPts val="2000"/>
-              <a:buFont typeface="Arial"/>
-              <a:buChar char="•"/>
-            </a:pPr>
-            <a:r>
-              <a:rPr lang="en" sz="2000" dirty="0">
-                <a:solidFill>
-                  <a:schemeClr val="dk2"/>
-                </a:solidFill>
-              </a:rPr>
-              <a:t>Proposed dynamic chunk splitting</a:t>
-            </a:r>
-            <a:endParaRPr sz="2000" b="0" i="0" u="none" strike="noStrike" cap="none" dirty="0">
-              <a:solidFill>
-                <a:schemeClr val="dk2"/>
-              </a:solidFill>
-              <a:latin typeface="Arial"/>
-              <a:ea typeface="Arial"/>
-              <a:cs typeface="Arial"/>
-              <a:sym typeface="Arial"/>
-            </a:endParaRPr>
-          </a:p>
-        </p:txBody>
-      </p:sp>
-      <p:sp>
-        <p:nvSpPr>
-          <p:cNvPr id="244" name="Google Shape;244;g2afa511e966_0_39"/>
-          <p:cNvSpPr/>
-          <p:nvPr/>
-        </p:nvSpPr>
-        <p:spPr>
-          <a:xfrm>
-            <a:off x="1042350" y="1649175"/>
-            <a:ext cx="2049300" cy="514200"/>
-          </a:xfrm>
-          <a:prstGeom prst="ellipse">
-            <a:avLst/>
-          </a:prstGeom>
-          <a:solidFill>
-            <a:schemeClr val="lt1"/>
-          </a:solidFill>
-          <a:ln w="9525" cap="flat" cmpd="sng">
-            <a:solidFill>
-              <a:schemeClr val="dk2"/>
-            </a:solidFill>
-            <a:prstDash val="solid"/>
-            <a:round/>
-            <a:headEnd type="none" w="sm" len="sm"/>
-            <a:tailEnd type="none" w="sm" len="sm"/>
-          </a:ln>
-        </p:spPr>
-        <p:txBody>
-          <a:bodyPr spcFirstLastPara="1" wrap="square" lIns="91425" tIns="91425" rIns="91425" bIns="91425" anchor="ctr" anchorCtr="0">
-            <a:noAutofit/>
-          </a:bodyPr>
-          <a:lstStyle/>
-          <a:p>
-            <a:pPr marL="0" marR="0" lvl="0" indent="0" algn="ctr" rtl="0">
-              <a:lnSpc>
-                <a:spcPct val="100000"/>
-              </a:lnSpc>
-              <a:spcBef>
-                <a:spcPts val="0"/>
-              </a:spcBef>
-              <a:spcAft>
-                <a:spcPts val="0"/>
-              </a:spcAft>
-              <a:buClr>
-                <a:srgbClr val="000000"/>
-              </a:buClr>
-              <a:buSzPts val="1400"/>
-              <a:buFont typeface="Arial"/>
-              <a:buNone/>
-            </a:pPr>
-            <a:r>
-              <a:rPr lang="en" sz="1400" b="0" i="0" u="none" strike="noStrike" cap="none">
-                <a:solidFill>
-                  <a:srgbClr val="000000"/>
-                </a:solidFill>
-                <a:highlight>
-                  <a:schemeClr val="lt1"/>
-                </a:highlight>
-                <a:latin typeface="Frank Ruhl Libre"/>
-                <a:ea typeface="Frank Ruhl Libre"/>
-                <a:cs typeface="Frank Ruhl Libre"/>
-                <a:sym typeface="Frank Ruhl Libre"/>
-              </a:rPr>
-              <a:t>Database</a:t>
-            </a:r>
-            <a:endParaRPr sz="1400" b="0" i="0" u="none" strike="noStrike" cap="none">
-              <a:solidFill>
-                <a:srgbClr val="000000"/>
-              </a:solidFill>
-              <a:highlight>
-                <a:schemeClr val="lt1"/>
-              </a:highlight>
-              <a:latin typeface="Frank Ruhl Libre"/>
-              <a:ea typeface="Frank Ruhl Libre"/>
-              <a:cs typeface="Frank Ruhl Libre"/>
-              <a:sym typeface="Frank Ruhl Libre"/>
-            </a:endParaRPr>
-          </a:p>
-        </p:txBody>
-      </p:sp>
-      <p:cxnSp>
-        <p:nvCxnSpPr>
-          <p:cNvPr id="245" name="Google Shape;245;g2afa511e966_0_39"/>
-          <p:cNvCxnSpPr>
-            <a:stCxn id="244" idx="2"/>
-          </p:cNvCxnSpPr>
-          <p:nvPr/>
-        </p:nvCxnSpPr>
-        <p:spPr>
-          <a:xfrm>
-            <a:off x="1042350" y="1906275"/>
-            <a:ext cx="0" cy="1269600"/>
-          </a:xfrm>
-          <a:prstGeom prst="straightConnector1">
-            <a:avLst/>
-          </a:prstGeom>
-          <a:noFill/>
-          <a:ln w="9525" cap="flat" cmpd="sng">
-            <a:solidFill>
-              <a:schemeClr val="dk2"/>
-            </a:solidFill>
-            <a:prstDash val="solid"/>
-            <a:round/>
-            <a:headEnd type="none" w="sm" len="sm"/>
-            <a:tailEnd type="none" w="sm" len="sm"/>
-          </a:ln>
-        </p:spPr>
-      </p:cxnSp>
-      <p:cxnSp>
-        <p:nvCxnSpPr>
-          <p:cNvPr id="246" name="Google Shape;246;g2afa511e966_0_39"/>
-          <p:cNvCxnSpPr/>
-          <p:nvPr/>
-        </p:nvCxnSpPr>
-        <p:spPr>
-          <a:xfrm>
-            <a:off x="3099750" y="1906275"/>
-            <a:ext cx="0" cy="1269600"/>
-          </a:xfrm>
-          <a:prstGeom prst="straightConnector1">
-            <a:avLst/>
-          </a:prstGeom>
-          <a:noFill/>
-          <a:ln w="9525" cap="flat" cmpd="sng">
-            <a:solidFill>
-              <a:schemeClr val="dk2"/>
-            </a:solidFill>
-            <a:prstDash val="solid"/>
-            <a:round/>
-            <a:headEnd type="none" w="sm" len="sm"/>
-            <a:tailEnd type="none" w="sm" len="sm"/>
-          </a:ln>
-        </p:spPr>
-      </p:cxnSp>
-      <p:sp>
-        <p:nvSpPr>
-          <p:cNvPr id="247" name="Google Shape;247;g2afa511e966_0_39"/>
-          <p:cNvSpPr/>
-          <p:nvPr/>
-        </p:nvSpPr>
-        <p:spPr>
-          <a:xfrm>
-            <a:off x="1042350" y="2944575"/>
-            <a:ext cx="2049300" cy="514200"/>
-          </a:xfrm>
-          <a:prstGeom prst="ellipse">
-            <a:avLst/>
-          </a:prstGeom>
-          <a:solidFill>
-            <a:schemeClr val="lt1"/>
-          </a:solidFill>
-          <a:ln w="9525" cap="flat" cmpd="sng">
-            <a:solidFill>
-              <a:schemeClr val="dk2"/>
-            </a:solidFill>
-            <a:prstDash val="solid"/>
-            <a:round/>
-            <a:headEnd type="none" w="sm" len="sm"/>
-            <a:tailEnd type="none" w="sm" len="sm"/>
-          </a:ln>
-        </p:spPr>
-        <p:txBody>
-          <a:bodyPr spcFirstLastPara="1" wrap="square" lIns="91425" tIns="91425" rIns="91425" bIns="91425" anchor="ctr" anchorCtr="0">
-            <a:noAutofit/>
-          </a:bodyPr>
-          <a:lstStyle/>
-          <a:p>
-            <a:pPr marL="0" marR="0" lvl="0" indent="0" algn="ctr" rtl="0">
-              <a:lnSpc>
-                <a:spcPct val="100000"/>
-              </a:lnSpc>
-              <a:spcBef>
-                <a:spcPts val="0"/>
-              </a:spcBef>
-              <a:spcAft>
-                <a:spcPts val="0"/>
-              </a:spcAft>
-              <a:buClr>
-                <a:srgbClr val="000000"/>
-              </a:buClr>
-              <a:buSzPts val="1400"/>
-              <a:buFont typeface="Arial"/>
-              <a:buNone/>
-            </a:pPr>
-            <a:endParaRPr sz="1400" b="0" i="0" u="none" strike="noStrike" cap="none">
-              <a:solidFill>
-                <a:srgbClr val="000000"/>
-              </a:solidFill>
-              <a:latin typeface="Montserrat"/>
-              <a:ea typeface="Montserrat"/>
-              <a:cs typeface="Montserrat"/>
-              <a:sym typeface="Montserrat"/>
-            </a:endParaRPr>
-          </a:p>
-        </p:txBody>
-      </p:sp>
-      <p:sp>
-        <p:nvSpPr>
-          <p:cNvPr id="248" name="Google Shape;248;g2afa511e966_0_39"/>
-          <p:cNvSpPr/>
-          <p:nvPr/>
-        </p:nvSpPr>
-        <p:spPr>
-          <a:xfrm>
-            <a:off x="1102850" y="2392075"/>
-            <a:ext cx="866700" cy="146100"/>
-          </a:xfrm>
-          <a:prstGeom prst="ellipse">
-            <a:avLst/>
-          </a:prstGeom>
-          <a:solidFill>
-            <a:schemeClr val="lt1"/>
-          </a:solidFill>
-          <a:ln w="9525" cap="flat" cmpd="sng">
-            <a:solidFill>
-              <a:schemeClr val="dk1"/>
-            </a:solidFill>
-            <a:prstDash val="solid"/>
-            <a:round/>
-            <a:headEnd type="none" w="sm" len="sm"/>
-            <a:tailEnd type="none" w="sm" len="sm"/>
-          </a:ln>
-        </p:spPr>
-        <p:txBody>
-          <a:bodyPr spcFirstLastPara="1" wrap="square" lIns="91425" tIns="91425" rIns="91425" bIns="91425" anchor="ctr" anchorCtr="0">
-            <a:noAutofit/>
-          </a:bodyPr>
-          <a:lstStyle/>
-          <a:p>
-            <a:pPr marL="0" marR="0" lvl="0" indent="0" algn="ctr" rtl="0">
-              <a:lnSpc>
-                <a:spcPct val="100000"/>
-              </a:lnSpc>
-              <a:spcBef>
-                <a:spcPts val="0"/>
-              </a:spcBef>
-              <a:spcAft>
-                <a:spcPts val="0"/>
-              </a:spcAft>
-              <a:buClr>
-                <a:srgbClr val="000000"/>
-              </a:buClr>
-              <a:buSzPts val="1400"/>
-              <a:buFont typeface="Arial"/>
-              <a:buNone/>
-            </a:pPr>
-            <a:endParaRPr sz="1400" b="0" i="0" u="none" strike="noStrike" cap="none">
-              <a:solidFill>
-                <a:srgbClr val="000000"/>
-              </a:solidFill>
-              <a:highlight>
-                <a:schemeClr val="lt1"/>
-              </a:highlight>
-              <a:latin typeface="Frank Ruhl Libre"/>
-              <a:ea typeface="Frank Ruhl Libre"/>
-              <a:cs typeface="Frank Ruhl Libre"/>
-              <a:sym typeface="Frank Ruhl Libre"/>
-            </a:endParaRPr>
-          </a:p>
-        </p:txBody>
-      </p:sp>
-      <p:cxnSp>
-        <p:nvCxnSpPr>
-          <p:cNvPr id="249" name="Google Shape;249;g2afa511e966_0_39"/>
-          <p:cNvCxnSpPr>
-            <a:stCxn id="248" idx="2"/>
-          </p:cNvCxnSpPr>
-          <p:nvPr/>
-        </p:nvCxnSpPr>
-        <p:spPr>
-          <a:xfrm>
-            <a:off x="1102850" y="2465125"/>
-            <a:ext cx="0" cy="360900"/>
-          </a:xfrm>
-          <a:prstGeom prst="straightConnector1">
-            <a:avLst/>
-          </a:prstGeom>
-          <a:noFill/>
-          <a:ln w="9525" cap="flat" cmpd="sng">
-            <a:solidFill>
-              <a:schemeClr val="dk1"/>
-            </a:solidFill>
-            <a:prstDash val="solid"/>
-            <a:round/>
-            <a:headEnd type="none" w="sm" len="sm"/>
-            <a:tailEnd type="none" w="sm" len="sm"/>
-          </a:ln>
-        </p:spPr>
-      </p:cxnSp>
-      <p:cxnSp>
-        <p:nvCxnSpPr>
-          <p:cNvPr id="250" name="Google Shape;250;g2afa511e966_0_39"/>
-          <p:cNvCxnSpPr/>
-          <p:nvPr/>
-        </p:nvCxnSpPr>
-        <p:spPr>
-          <a:xfrm>
-            <a:off x="1973075" y="2465125"/>
-            <a:ext cx="0" cy="360900"/>
-          </a:xfrm>
-          <a:prstGeom prst="straightConnector1">
-            <a:avLst/>
-          </a:prstGeom>
-          <a:noFill/>
-          <a:ln w="9525" cap="flat" cmpd="sng">
-            <a:solidFill>
-              <a:schemeClr val="dk1"/>
-            </a:solidFill>
-            <a:prstDash val="solid"/>
-            <a:round/>
-            <a:headEnd type="none" w="sm" len="sm"/>
-            <a:tailEnd type="none" w="sm" len="sm"/>
-          </a:ln>
-        </p:spPr>
-      </p:cxnSp>
-      <p:sp>
-        <p:nvSpPr>
-          <p:cNvPr id="251" name="Google Shape;251;g2afa511e966_0_39"/>
-          <p:cNvSpPr/>
-          <p:nvPr/>
-        </p:nvSpPr>
-        <p:spPr>
-          <a:xfrm>
-            <a:off x="1102850" y="2760136"/>
-            <a:ext cx="866700" cy="146100"/>
-          </a:xfrm>
-          <a:prstGeom prst="ellipse">
-            <a:avLst/>
-          </a:prstGeom>
-          <a:solidFill>
-            <a:schemeClr val="lt1"/>
-          </a:solidFill>
-          <a:ln w="9525" cap="flat" cmpd="sng">
-            <a:solidFill>
-              <a:schemeClr val="dk1"/>
-            </a:solidFill>
-            <a:prstDash val="solid"/>
-            <a:round/>
-            <a:headEnd type="none" w="sm" len="sm"/>
-            <a:tailEnd type="none" w="sm" len="sm"/>
-          </a:ln>
-        </p:spPr>
-        <p:txBody>
-          <a:bodyPr spcFirstLastPara="1" wrap="square" lIns="91425" tIns="91425" rIns="91425" bIns="91425" anchor="ctr" anchorCtr="0">
-            <a:noAutofit/>
-          </a:bodyPr>
-          <a:lstStyle/>
-          <a:p>
-            <a:pPr marL="0" marR="0" lvl="0" indent="0" algn="ctr" rtl="0">
-              <a:lnSpc>
-                <a:spcPct val="100000"/>
-              </a:lnSpc>
-              <a:spcBef>
-                <a:spcPts val="0"/>
-              </a:spcBef>
-              <a:spcAft>
-                <a:spcPts val="0"/>
-              </a:spcAft>
-              <a:buClr>
-                <a:srgbClr val="000000"/>
-              </a:buClr>
-              <a:buSzPts val="1400"/>
-              <a:buFont typeface="Arial"/>
-              <a:buNone/>
-            </a:pPr>
-            <a:endParaRPr sz="1400" b="0" i="0" u="none" strike="noStrike" cap="none">
-              <a:solidFill>
-                <a:srgbClr val="000000"/>
-              </a:solidFill>
-              <a:latin typeface="Montserrat"/>
-              <a:ea typeface="Montserrat"/>
-              <a:cs typeface="Montserrat"/>
-              <a:sym typeface="Montserrat"/>
-            </a:endParaRPr>
-          </a:p>
-        </p:txBody>
-      </p:sp>
-      <p:sp>
-        <p:nvSpPr>
-          <p:cNvPr id="252" name="Google Shape;252;g2afa511e966_0_39"/>
-          <p:cNvSpPr/>
-          <p:nvPr/>
-        </p:nvSpPr>
-        <p:spPr>
-          <a:xfrm>
-            <a:off x="2169650" y="2392075"/>
-            <a:ext cx="866700" cy="146100"/>
-          </a:xfrm>
-          <a:prstGeom prst="ellipse">
-            <a:avLst/>
-          </a:prstGeom>
-          <a:solidFill>
-            <a:schemeClr val="lt1"/>
-          </a:solidFill>
-          <a:ln w="9525" cap="flat" cmpd="sng">
-            <a:solidFill>
-              <a:srgbClr val="FF00FF"/>
-            </a:solidFill>
-            <a:prstDash val="solid"/>
-            <a:round/>
-            <a:headEnd type="none" w="sm" len="sm"/>
-            <a:tailEnd type="none" w="sm" len="sm"/>
-          </a:ln>
-        </p:spPr>
-        <p:txBody>
-          <a:bodyPr spcFirstLastPara="1" wrap="square" lIns="91425" tIns="91425" rIns="91425" bIns="91425" anchor="ctr" anchorCtr="0">
-            <a:noAutofit/>
-          </a:bodyPr>
-          <a:lstStyle/>
-          <a:p>
-            <a:pPr marL="0" marR="0" lvl="0" indent="0" algn="ctr" rtl="0">
-              <a:lnSpc>
-                <a:spcPct val="100000"/>
-              </a:lnSpc>
-              <a:spcBef>
-                <a:spcPts val="0"/>
-              </a:spcBef>
-              <a:spcAft>
-                <a:spcPts val="0"/>
-              </a:spcAft>
-              <a:buClr>
-                <a:srgbClr val="000000"/>
-              </a:buClr>
-              <a:buSzPts val="1400"/>
-              <a:buFont typeface="Arial"/>
-              <a:buNone/>
-            </a:pPr>
-            <a:endParaRPr sz="1400" b="0" i="0" u="none" strike="noStrike" cap="none">
-              <a:solidFill>
-                <a:srgbClr val="000000"/>
-              </a:solidFill>
-              <a:highlight>
-                <a:schemeClr val="lt1"/>
-              </a:highlight>
-              <a:latin typeface="Frank Ruhl Libre"/>
-              <a:ea typeface="Frank Ruhl Libre"/>
-              <a:cs typeface="Frank Ruhl Libre"/>
-              <a:sym typeface="Frank Ruhl Libre"/>
-            </a:endParaRPr>
-          </a:p>
-        </p:txBody>
-      </p:sp>
-      <p:cxnSp>
-        <p:nvCxnSpPr>
-          <p:cNvPr id="253" name="Google Shape;253;g2afa511e966_0_39"/>
-          <p:cNvCxnSpPr>
-            <a:stCxn id="252" idx="2"/>
-          </p:cNvCxnSpPr>
-          <p:nvPr/>
-        </p:nvCxnSpPr>
-        <p:spPr>
-          <a:xfrm>
-            <a:off x="2169650" y="2465125"/>
-            <a:ext cx="0" cy="360900"/>
-          </a:xfrm>
-          <a:prstGeom prst="straightConnector1">
-            <a:avLst/>
-          </a:prstGeom>
-          <a:noFill/>
-          <a:ln w="9525" cap="flat" cmpd="sng">
-            <a:solidFill>
-              <a:srgbClr val="FF00FF"/>
-            </a:solidFill>
-            <a:prstDash val="solid"/>
-            <a:round/>
-            <a:headEnd type="none" w="sm" len="sm"/>
-            <a:tailEnd type="none" w="sm" len="sm"/>
-          </a:ln>
-        </p:spPr>
-      </p:cxnSp>
-      <p:cxnSp>
-        <p:nvCxnSpPr>
-          <p:cNvPr id="254" name="Google Shape;254;g2afa511e966_0_39"/>
-          <p:cNvCxnSpPr/>
-          <p:nvPr/>
-        </p:nvCxnSpPr>
-        <p:spPr>
-          <a:xfrm>
-            <a:off x="3039875" y="2465125"/>
-            <a:ext cx="0" cy="360900"/>
-          </a:xfrm>
-          <a:prstGeom prst="straightConnector1">
-            <a:avLst/>
-          </a:prstGeom>
-          <a:noFill/>
-          <a:ln w="9525" cap="flat" cmpd="sng">
-            <a:solidFill>
-              <a:srgbClr val="FF00FF"/>
-            </a:solidFill>
-            <a:prstDash val="solid"/>
-            <a:round/>
-            <a:headEnd type="none" w="sm" len="sm"/>
-            <a:tailEnd type="none" w="sm" len="sm"/>
-          </a:ln>
-        </p:spPr>
-      </p:cxnSp>
-      <p:sp>
-        <p:nvSpPr>
-          <p:cNvPr id="255" name="Google Shape;255;g2afa511e966_0_39"/>
-          <p:cNvSpPr/>
-          <p:nvPr/>
-        </p:nvSpPr>
-        <p:spPr>
-          <a:xfrm>
-            <a:off x="2169650" y="2760136"/>
-            <a:ext cx="866700" cy="146100"/>
-          </a:xfrm>
-          <a:prstGeom prst="ellipse">
-            <a:avLst/>
-          </a:prstGeom>
-          <a:solidFill>
-            <a:schemeClr val="lt1"/>
-          </a:solidFill>
-          <a:ln w="9525" cap="flat" cmpd="sng">
-            <a:solidFill>
-              <a:srgbClr val="FF00FF"/>
-            </a:solidFill>
-            <a:prstDash val="solid"/>
-            <a:round/>
-            <a:headEnd type="none" w="sm" len="sm"/>
-            <a:tailEnd type="none" w="sm" len="sm"/>
-          </a:ln>
-        </p:spPr>
-        <p:txBody>
-          <a:bodyPr spcFirstLastPara="1" wrap="square" lIns="91425" tIns="91425" rIns="91425" bIns="91425" anchor="ctr" anchorCtr="0">
-            <a:noAutofit/>
-          </a:bodyPr>
-          <a:lstStyle/>
-          <a:p>
-            <a:pPr marL="0" marR="0" lvl="0" indent="0" algn="ctr" rtl="0">
-              <a:lnSpc>
-                <a:spcPct val="100000"/>
-              </a:lnSpc>
-              <a:spcBef>
-                <a:spcPts val="0"/>
-              </a:spcBef>
-              <a:spcAft>
-                <a:spcPts val="0"/>
-              </a:spcAft>
-              <a:buClr>
-                <a:srgbClr val="000000"/>
-              </a:buClr>
-              <a:buSzPts val="1400"/>
-              <a:buFont typeface="Arial"/>
-              <a:buNone/>
-            </a:pPr>
-            <a:endParaRPr sz="1400" b="0" i="0" u="none" strike="noStrike" cap="none">
-              <a:solidFill>
-                <a:srgbClr val="000000"/>
-              </a:solidFill>
-              <a:latin typeface="Montserrat"/>
-              <a:ea typeface="Montserrat"/>
-              <a:cs typeface="Montserrat"/>
-              <a:sym typeface="Montserrat"/>
-            </a:endParaRPr>
-          </a:p>
-        </p:txBody>
-      </p:sp>
-      <p:sp>
-        <p:nvSpPr>
-          <p:cNvPr id="256" name="Google Shape;256;g2afa511e966_0_39"/>
-          <p:cNvSpPr txBox="1"/>
-          <p:nvPr/>
-        </p:nvSpPr>
-        <p:spPr>
-          <a:xfrm>
-            <a:off x="1074350" y="2491675"/>
-            <a:ext cx="866700" cy="307800"/>
-          </a:xfrm>
-          <a:prstGeom prst="rect">
-            <a:avLst/>
-          </a:prstGeom>
-          <a:noFill/>
-          <a:ln>
-            <a:noFill/>
-          </a:ln>
-        </p:spPr>
-        <p:txBody>
-          <a:bodyPr spcFirstLastPara="1" wrap="square" lIns="91425" tIns="91425" rIns="91425" bIns="91425" anchor="t" anchorCtr="0">
-            <a:spAutoFit/>
-          </a:bodyPr>
-          <a:lstStyle/>
-          <a:p>
-            <a:pPr marL="0" marR="0" lvl="0" indent="0" algn="ctr" rtl="0">
-              <a:lnSpc>
-                <a:spcPct val="100000"/>
-              </a:lnSpc>
-              <a:spcBef>
-                <a:spcPts val="0"/>
-              </a:spcBef>
-              <a:spcAft>
-                <a:spcPts val="0"/>
-              </a:spcAft>
-              <a:buClr>
-                <a:srgbClr val="000000"/>
-              </a:buClr>
-              <a:buSzPts val="800"/>
-              <a:buFont typeface="Arial"/>
-              <a:buNone/>
-            </a:pPr>
-            <a:r>
-              <a:rPr lang="en" sz="800" b="0" i="0" u="none" strike="noStrike" cap="none">
-                <a:solidFill>
-                  <a:schemeClr val="dk1"/>
-                </a:solidFill>
-                <a:latin typeface="Frank Ruhl Libre"/>
-                <a:ea typeface="Frank Ruhl Libre"/>
-                <a:cs typeface="Frank Ruhl Libre"/>
-                <a:sym typeface="Frank Ruhl Libre"/>
-              </a:rPr>
-              <a:t>Code database</a:t>
-            </a:r>
-            <a:endParaRPr sz="800" b="0" i="0" u="none" strike="noStrike" cap="none">
-              <a:solidFill>
-                <a:schemeClr val="dk1"/>
-              </a:solidFill>
-              <a:latin typeface="Frank Ruhl Libre"/>
-              <a:ea typeface="Frank Ruhl Libre"/>
-              <a:cs typeface="Frank Ruhl Libre"/>
-              <a:sym typeface="Frank Ruhl Libre"/>
-            </a:endParaRPr>
-          </a:p>
-        </p:txBody>
-      </p:sp>
-      <p:sp>
-        <p:nvSpPr>
-          <p:cNvPr id="257" name="Google Shape;257;g2afa511e966_0_39"/>
-          <p:cNvSpPr txBox="1"/>
-          <p:nvPr/>
-        </p:nvSpPr>
-        <p:spPr>
-          <a:xfrm>
-            <a:off x="2141150" y="2491675"/>
-            <a:ext cx="866700" cy="307800"/>
-          </a:xfrm>
-          <a:prstGeom prst="rect">
-            <a:avLst/>
-          </a:prstGeom>
-          <a:noFill/>
-          <a:ln>
-            <a:noFill/>
-          </a:ln>
-        </p:spPr>
-        <p:txBody>
-          <a:bodyPr spcFirstLastPara="1" wrap="square" lIns="91425" tIns="91425" rIns="91425" bIns="91425" anchor="t" anchorCtr="0">
-            <a:spAutoFit/>
-          </a:bodyPr>
-          <a:lstStyle/>
-          <a:p>
-            <a:pPr marL="0" marR="0" lvl="0" indent="0" algn="ctr" rtl="0">
-              <a:lnSpc>
-                <a:spcPct val="100000"/>
-              </a:lnSpc>
-              <a:spcBef>
-                <a:spcPts val="0"/>
-              </a:spcBef>
-              <a:spcAft>
-                <a:spcPts val="0"/>
-              </a:spcAft>
-              <a:buClr>
-                <a:srgbClr val="000000"/>
-              </a:buClr>
-              <a:buSzPts val="800"/>
-              <a:buFont typeface="Arial"/>
-              <a:buNone/>
-            </a:pPr>
-            <a:r>
-              <a:rPr lang="en" sz="800" b="0" i="0" u="none" strike="noStrike" cap="none">
-                <a:solidFill>
-                  <a:srgbClr val="FF00FF"/>
-                </a:solidFill>
-                <a:latin typeface="Frank Ruhl Libre"/>
-                <a:ea typeface="Frank Ruhl Libre"/>
-                <a:cs typeface="Frank Ruhl Libre"/>
-                <a:sym typeface="Frank Ruhl Libre"/>
-              </a:rPr>
-              <a:t>Text database</a:t>
-            </a:r>
-            <a:endParaRPr sz="800" b="0" i="0" u="none" strike="noStrike" cap="none">
-              <a:solidFill>
-                <a:srgbClr val="FF00FF"/>
-              </a:solidFill>
-              <a:latin typeface="Frank Ruhl Libre"/>
-              <a:ea typeface="Frank Ruhl Libre"/>
-              <a:cs typeface="Frank Ruhl Libre"/>
-              <a:sym typeface="Frank Ruhl Libre"/>
-            </a:endParaRPr>
-          </a:p>
-        </p:txBody>
-      </p:sp>
-      <p:sp>
-        <p:nvSpPr>
-          <p:cNvPr id="258" name="Google Shape;258;g2afa511e966_0_39"/>
-          <p:cNvSpPr txBox="1"/>
-          <p:nvPr/>
-        </p:nvSpPr>
-        <p:spPr>
-          <a:xfrm>
-            <a:off x="4106675" y="1182025"/>
-            <a:ext cx="3942000" cy="2918400"/>
-          </a:xfrm>
-          <a:prstGeom prst="rect">
-            <a:avLst/>
-          </a:prstGeom>
-          <a:solidFill>
-            <a:schemeClr val="lt2"/>
-          </a:solidFill>
-          <a:ln>
-            <a:noFill/>
-          </a:ln>
-        </p:spPr>
-        <p:txBody>
-          <a:bodyPr spcFirstLastPara="1" wrap="square" lIns="91425" tIns="91425" rIns="91425" bIns="91425" anchor="t" anchorCtr="0">
-            <a:spAutoFit/>
-          </a:bodyPr>
-          <a:lstStyle/>
-          <a:p>
-            <a:pPr marL="0" marR="0" lvl="0" indent="0" algn="l" rtl="0">
-              <a:lnSpc>
-                <a:spcPct val="115000"/>
-              </a:lnSpc>
-              <a:spcBef>
-                <a:spcPts val="0"/>
-              </a:spcBef>
-              <a:spcAft>
-                <a:spcPts val="0"/>
-              </a:spcAft>
-              <a:buClr>
-                <a:srgbClr val="000000"/>
-              </a:buClr>
-              <a:buSzPts val="1200"/>
-              <a:buFont typeface="Arial"/>
-              <a:buNone/>
-            </a:pPr>
-            <a:r>
-              <a:rPr lang="en" sz="1200" b="1" i="0" u="none" strike="noStrike" cap="none">
-                <a:solidFill>
-                  <a:srgbClr val="0000FF"/>
-                </a:solidFill>
-                <a:latin typeface="Courier New"/>
-                <a:ea typeface="Courier New"/>
-                <a:cs typeface="Courier New"/>
-                <a:sym typeface="Courier New"/>
-              </a:rPr>
-              <a:t>// code database</a:t>
-            </a:r>
-            <a:endParaRPr sz="1200" b="1" i="0" u="none" strike="noStrike" cap="none">
-              <a:solidFill>
-                <a:srgbClr val="0000FF"/>
-              </a:solidFill>
-              <a:latin typeface="Courier New"/>
-              <a:ea typeface="Courier New"/>
-              <a:cs typeface="Courier New"/>
-              <a:sym typeface="Courier New"/>
-            </a:endParaRPr>
-          </a:p>
-          <a:p>
-            <a:pPr marL="0" marR="0" lvl="0" indent="0" algn="l" rtl="0">
-              <a:lnSpc>
-                <a:spcPct val="115000"/>
-              </a:lnSpc>
-              <a:spcBef>
-                <a:spcPts val="0"/>
-              </a:spcBef>
-              <a:spcAft>
-                <a:spcPts val="0"/>
-              </a:spcAft>
-              <a:buClr>
-                <a:srgbClr val="000000"/>
-              </a:buClr>
-              <a:buSzPts val="1200"/>
-              <a:buFont typeface="Arial"/>
-              <a:buNone/>
-            </a:pPr>
-            <a:r>
-              <a:rPr lang="en" sz="1200" b="1">
-                <a:solidFill>
-                  <a:srgbClr val="1E1E1E"/>
-                </a:solidFill>
-                <a:latin typeface="Courier New"/>
-                <a:ea typeface="Courier New"/>
-                <a:cs typeface="Courier New"/>
-                <a:sym typeface="Courier New"/>
-              </a:rPr>
-              <a:t>last paragraph + </a:t>
-            </a:r>
-            <a:r>
-              <a:rPr lang="en" sz="1200" b="1" i="0" u="none" strike="noStrike" cap="none">
-                <a:solidFill>
-                  <a:srgbClr val="1E1E1E"/>
-                </a:solidFill>
-                <a:latin typeface="Courier New"/>
-                <a:ea typeface="Courier New"/>
-                <a:cs typeface="Courier New"/>
-                <a:sym typeface="Courier New"/>
-              </a:rPr>
-              <a:t>Code blocks (</a:t>
-            </a:r>
-            <a:r>
-              <a:rPr lang="en" sz="1200" b="1" i="1">
-                <a:solidFill>
-                  <a:schemeClr val="accent6"/>
-                </a:solidFill>
-                <a:latin typeface="Courier New"/>
-                <a:ea typeface="Courier New"/>
-                <a:cs typeface="Courier New"/>
-                <a:sym typeface="Courier New"/>
-              </a:rPr>
-              <a:t>font-based detection</a:t>
-            </a:r>
-            <a:r>
-              <a:rPr lang="en" sz="1200" b="1" i="0" u="none" strike="noStrike" cap="none">
-                <a:solidFill>
-                  <a:srgbClr val="1E1E1E"/>
-                </a:solidFill>
-                <a:latin typeface="Courier New"/>
-                <a:ea typeface="Courier New"/>
-                <a:cs typeface="Courier New"/>
-                <a:sym typeface="Courier New"/>
-              </a:rPr>
-              <a:t>) + </a:t>
-            </a:r>
-            <a:r>
-              <a:rPr lang="en" sz="1200" b="1">
-                <a:solidFill>
-                  <a:srgbClr val="1E1E1E"/>
-                </a:solidFill>
-                <a:latin typeface="Courier New"/>
-                <a:ea typeface="Courier New"/>
-                <a:cs typeface="Courier New"/>
-                <a:sym typeface="Courier New"/>
-              </a:rPr>
-              <a:t>next paragraph</a:t>
-            </a:r>
-            <a:endParaRPr sz="1200" b="1" i="0" u="none" strike="noStrike" cap="none">
-              <a:solidFill>
-                <a:srgbClr val="1E1E1E"/>
-              </a:solidFill>
-              <a:latin typeface="Courier New"/>
-              <a:ea typeface="Courier New"/>
-              <a:cs typeface="Courier New"/>
-              <a:sym typeface="Courier New"/>
-            </a:endParaRPr>
-          </a:p>
-          <a:p>
-            <a:pPr marL="0" marR="0" lvl="0" indent="0" algn="l" rtl="0">
-              <a:lnSpc>
-                <a:spcPct val="115000"/>
-              </a:lnSpc>
-              <a:spcBef>
-                <a:spcPts val="0"/>
-              </a:spcBef>
-              <a:spcAft>
-                <a:spcPts val="0"/>
-              </a:spcAft>
-              <a:buClr>
-                <a:srgbClr val="000000"/>
-              </a:buClr>
-              <a:buSzPts val="1200"/>
-              <a:buFont typeface="Arial"/>
-              <a:buNone/>
-            </a:pPr>
-            <a:endParaRPr sz="1200" b="1" i="0" u="none" strike="noStrike" cap="none">
-              <a:solidFill>
-                <a:srgbClr val="1E1E1E"/>
-              </a:solidFill>
-              <a:latin typeface="Courier New"/>
-              <a:ea typeface="Courier New"/>
-              <a:cs typeface="Courier New"/>
-              <a:sym typeface="Courier New"/>
-            </a:endParaRPr>
-          </a:p>
-          <a:p>
-            <a:pPr marL="0" marR="0" lvl="0" indent="0" algn="l" rtl="0">
-              <a:lnSpc>
-                <a:spcPct val="115000"/>
-              </a:lnSpc>
-              <a:spcBef>
-                <a:spcPts val="0"/>
-              </a:spcBef>
-              <a:spcAft>
-                <a:spcPts val="0"/>
-              </a:spcAft>
-              <a:buClr>
-                <a:srgbClr val="000000"/>
-              </a:buClr>
-              <a:buSzPts val="1200"/>
-              <a:buFont typeface="Arial"/>
-              <a:buNone/>
-            </a:pPr>
-            <a:r>
-              <a:rPr lang="en" sz="1200" b="1" i="0" u="none" strike="noStrike" cap="none">
-                <a:solidFill>
-                  <a:srgbClr val="0000FF"/>
-                </a:solidFill>
-                <a:latin typeface="Courier New"/>
-                <a:ea typeface="Courier New"/>
-                <a:cs typeface="Courier New"/>
-                <a:sym typeface="Courier New"/>
-              </a:rPr>
-              <a:t>// text database</a:t>
-            </a:r>
-            <a:endParaRPr sz="1200" b="1" i="0" u="none" strike="noStrike" cap="none">
-              <a:solidFill>
-                <a:srgbClr val="0000FF"/>
-              </a:solidFill>
-              <a:latin typeface="Courier New"/>
-              <a:ea typeface="Courier New"/>
-              <a:cs typeface="Courier New"/>
-              <a:sym typeface="Courier New"/>
-            </a:endParaRPr>
-          </a:p>
-          <a:p>
-            <a:pPr marL="0" marR="0" lvl="0" indent="0" algn="l" rtl="0">
-              <a:lnSpc>
-                <a:spcPct val="115000"/>
-              </a:lnSpc>
-              <a:spcBef>
-                <a:spcPts val="0"/>
-              </a:spcBef>
-              <a:spcAft>
-                <a:spcPts val="0"/>
-              </a:spcAft>
-              <a:buClr>
-                <a:srgbClr val="000000"/>
-              </a:buClr>
-              <a:buSzPts val="1200"/>
-              <a:buFont typeface="Arial"/>
-              <a:buNone/>
-            </a:pPr>
-            <a:r>
-              <a:rPr lang="en" sz="1200" b="1">
-                <a:solidFill>
-                  <a:schemeClr val="dk2"/>
-                </a:solidFill>
-                <a:latin typeface="Courier New"/>
-                <a:ea typeface="Courier New"/>
-                <a:cs typeface="Courier New"/>
-                <a:sym typeface="Courier New"/>
-              </a:rPr>
-              <a:t>Each paragraph of r</a:t>
-            </a:r>
-            <a:r>
-              <a:rPr lang="en" sz="1200" b="1" i="0" u="none" strike="noStrike" cap="none">
-                <a:solidFill>
-                  <a:schemeClr val="dk2"/>
-                </a:solidFill>
-                <a:latin typeface="Courier New"/>
-                <a:ea typeface="Courier New"/>
-                <a:cs typeface="Courier New"/>
-                <a:sym typeface="Courier New"/>
-              </a:rPr>
-              <a:t>emaining texts</a:t>
-            </a:r>
-            <a:endParaRPr sz="1200" b="1" i="0" u="none" strike="noStrike" cap="none">
-              <a:solidFill>
-                <a:schemeClr val="dk2"/>
-              </a:solidFill>
-              <a:latin typeface="Courier New"/>
-              <a:ea typeface="Courier New"/>
-              <a:cs typeface="Courier New"/>
-              <a:sym typeface="Courier New"/>
-            </a:endParaRPr>
-          </a:p>
-          <a:p>
-            <a:pPr marL="0" marR="0" lvl="0" indent="0" algn="l" rtl="0">
-              <a:lnSpc>
-                <a:spcPct val="115000"/>
-              </a:lnSpc>
-              <a:spcBef>
-                <a:spcPts val="0"/>
-              </a:spcBef>
-              <a:spcAft>
-                <a:spcPts val="0"/>
-              </a:spcAft>
-              <a:buClr>
-                <a:srgbClr val="000000"/>
-              </a:buClr>
-              <a:buSzPts val="1200"/>
-              <a:buFont typeface="Arial"/>
-              <a:buNone/>
-            </a:pPr>
-            <a:endParaRPr sz="1200" b="1">
-              <a:solidFill>
-                <a:schemeClr val="dk2"/>
-              </a:solidFill>
-              <a:latin typeface="Courier New"/>
-              <a:ea typeface="Courier New"/>
-              <a:cs typeface="Courier New"/>
-              <a:sym typeface="Courier New"/>
-            </a:endParaRPr>
-          </a:p>
-          <a:p>
-            <a:pPr marL="0" lvl="0" indent="0" algn="l" rtl="0">
-              <a:lnSpc>
-                <a:spcPct val="115000"/>
-              </a:lnSpc>
-              <a:spcBef>
-                <a:spcPts val="0"/>
-              </a:spcBef>
-              <a:spcAft>
-                <a:spcPts val="0"/>
-              </a:spcAft>
-              <a:buClr>
-                <a:srgbClr val="000000"/>
-              </a:buClr>
-              <a:buSzPts val="1200"/>
-              <a:buFont typeface="Arial"/>
-              <a:buNone/>
-            </a:pPr>
-            <a:r>
-              <a:rPr lang="en" sz="1200" b="1">
-                <a:solidFill>
-                  <a:srgbClr val="0000FF"/>
-                </a:solidFill>
-                <a:latin typeface="Courier New"/>
-                <a:ea typeface="Courier New"/>
-                <a:cs typeface="Courier New"/>
-                <a:sym typeface="Courier New"/>
-              </a:rPr>
-              <a:t>// how to work (Dynamic RAG framework)</a:t>
-            </a:r>
-            <a:endParaRPr sz="1200" b="1">
-              <a:solidFill>
-                <a:srgbClr val="0000FF"/>
-              </a:solidFill>
-              <a:latin typeface="Courier New"/>
-              <a:ea typeface="Courier New"/>
-              <a:cs typeface="Courier New"/>
-              <a:sym typeface="Courier New"/>
-            </a:endParaRPr>
-          </a:p>
-          <a:p>
-            <a:pPr marL="457200" lvl="0" indent="-304800" algn="l" rtl="0">
-              <a:lnSpc>
-                <a:spcPct val="115000"/>
-              </a:lnSpc>
-              <a:spcBef>
-                <a:spcPts val="0"/>
-              </a:spcBef>
-              <a:spcAft>
-                <a:spcPts val="0"/>
-              </a:spcAft>
-              <a:buClr>
-                <a:schemeClr val="dk2"/>
-              </a:buClr>
-              <a:buSzPts val="1200"/>
-              <a:buFont typeface="Courier New"/>
-              <a:buAutoNum type="arabicPeriod"/>
-            </a:pPr>
-            <a:r>
-              <a:rPr lang="en" sz="1200" b="1">
-                <a:solidFill>
-                  <a:srgbClr val="1E1E1E"/>
-                </a:solidFill>
-                <a:latin typeface="Courier New"/>
-                <a:ea typeface="Courier New"/>
-                <a:cs typeface="Courier New"/>
-                <a:sym typeface="Courier New"/>
-              </a:rPr>
-              <a:t>Query type: code task / text task;</a:t>
-            </a:r>
-            <a:endParaRPr sz="1200" b="1">
-              <a:solidFill>
-                <a:srgbClr val="1E1E1E"/>
-              </a:solidFill>
-              <a:latin typeface="Courier New"/>
-              <a:ea typeface="Courier New"/>
-              <a:cs typeface="Courier New"/>
-              <a:sym typeface="Courier New"/>
-            </a:endParaRPr>
-          </a:p>
-          <a:p>
-            <a:pPr marL="457200" lvl="0" indent="-304800" algn="l" rtl="0">
-              <a:lnSpc>
-                <a:spcPct val="115000"/>
-              </a:lnSpc>
-              <a:spcBef>
-                <a:spcPts val="0"/>
-              </a:spcBef>
-              <a:spcAft>
-                <a:spcPts val="0"/>
-              </a:spcAft>
-              <a:buClr>
-                <a:srgbClr val="1E1E1E"/>
-              </a:buClr>
-              <a:buSzPts val="1200"/>
-              <a:buFont typeface="Courier New"/>
-              <a:buAutoNum type="arabicPeriod"/>
-            </a:pPr>
-            <a:r>
-              <a:rPr lang="en" sz="1200" b="1">
-                <a:solidFill>
-                  <a:srgbClr val="1E1E1E"/>
-                </a:solidFill>
-                <a:latin typeface="Courier New"/>
-                <a:ea typeface="Courier New"/>
-                <a:cs typeface="Courier New"/>
-                <a:sym typeface="Courier New"/>
-              </a:rPr>
-              <a:t>Get the corresponding database;</a:t>
-            </a:r>
-            <a:endParaRPr sz="1200" b="1">
-              <a:solidFill>
-                <a:srgbClr val="1E1E1E"/>
-              </a:solidFill>
-              <a:latin typeface="Courier New"/>
-              <a:ea typeface="Courier New"/>
-              <a:cs typeface="Courier New"/>
-              <a:sym typeface="Courier New"/>
-            </a:endParaRPr>
-          </a:p>
-          <a:p>
-            <a:pPr marL="457200" lvl="0" indent="-304800" algn="l" rtl="0">
-              <a:lnSpc>
-                <a:spcPct val="115000"/>
-              </a:lnSpc>
-              <a:spcBef>
-                <a:spcPts val="0"/>
-              </a:spcBef>
-              <a:spcAft>
-                <a:spcPts val="0"/>
-              </a:spcAft>
-              <a:buClr>
-                <a:srgbClr val="1E1E1E"/>
-              </a:buClr>
-              <a:buSzPts val="1200"/>
-              <a:buFont typeface="Courier New"/>
-              <a:buAutoNum type="arabicPeriod"/>
-            </a:pPr>
-            <a:r>
-              <a:rPr lang="en" sz="1200" b="1">
-                <a:solidFill>
-                  <a:srgbClr val="1E1E1E"/>
-                </a:solidFill>
-                <a:latin typeface="Courier New"/>
-                <a:ea typeface="Courier New"/>
-                <a:cs typeface="Courier New"/>
-                <a:sym typeface="Courier New"/>
-              </a:rPr>
-              <a:t>Do similarity search in the database;</a:t>
-            </a:r>
-            <a:endParaRPr sz="1200" b="1">
-              <a:solidFill>
-                <a:srgbClr val="1E1E1E"/>
-              </a:solidFill>
-              <a:latin typeface="Courier New"/>
-              <a:ea typeface="Courier New"/>
-              <a:cs typeface="Courier New"/>
-              <a:sym typeface="Courier New"/>
-            </a:endParaRPr>
-          </a:p>
-          <a:p>
-            <a:pPr marL="457200" lvl="0" indent="-304800" algn="l" rtl="0">
-              <a:lnSpc>
-                <a:spcPct val="115000"/>
-              </a:lnSpc>
-              <a:spcBef>
-                <a:spcPts val="0"/>
-              </a:spcBef>
-              <a:spcAft>
-                <a:spcPts val="0"/>
-              </a:spcAft>
-              <a:buClr>
-                <a:srgbClr val="1E1E1E"/>
-              </a:buClr>
-              <a:buSzPts val="1200"/>
-              <a:buFont typeface="Courier New"/>
-              <a:buAutoNum type="arabicPeriod"/>
-            </a:pPr>
-            <a:r>
-              <a:rPr lang="en" sz="1200" b="1">
-                <a:solidFill>
-                  <a:srgbClr val="1E1E1E"/>
-                </a:solidFill>
-                <a:latin typeface="Courier New"/>
-                <a:ea typeface="Courier New"/>
-                <a:cs typeface="Courier New"/>
-                <a:sym typeface="Courier New"/>
-              </a:rPr>
-              <a:t>Use extracted context information.</a:t>
-            </a:r>
-            <a:endParaRPr sz="1200" b="1" i="0" u="none" strike="noStrike" cap="none">
-              <a:solidFill>
-                <a:schemeClr val="dk2"/>
-              </a:solidFill>
-              <a:latin typeface="Courier New"/>
-              <a:ea typeface="Courier New"/>
-              <a:cs typeface="Courier New"/>
-              <a:sym typeface="Courier New"/>
-            </a:endParaRPr>
-          </a:p>
-        </p:txBody>
-      </p:sp>
-      <p:sp>
-        <p:nvSpPr>
-          <p:cNvPr id="3" name="标题 2">
-            <a:extLst>
-              <a:ext uri="{FF2B5EF4-FFF2-40B4-BE49-F238E27FC236}">
-                <a16:creationId xmlns:a16="http://schemas.microsoft.com/office/drawing/2014/main" id="{0EC69D57-96E5-8DA3-E5C6-730E22514CA5}"/>
-              </a:ext>
-            </a:extLst>
-          </p:cNvPr>
-          <p:cNvSpPr>
-            <a:spLocks noGrp="1"/>
-          </p:cNvSpPr>
-          <p:nvPr>
-            <p:ph type="title"/>
-          </p:nvPr>
-        </p:nvSpPr>
-        <p:spPr/>
-        <p:txBody>
-          <a:bodyPr/>
-          <a:lstStyle/>
-          <a:p>
-            <a:endParaRPr lang="zh-CN" altLang="en-US"/>
-          </a:p>
-        </p:txBody>
-      </p:sp>
-    </p:spTree>
-  </p:cSld>
-  <p:clrMapOvr>
-    <a:masterClrMapping/>
-  </p:clrMapOvr>
+  <p:timing>
+    <p:tnLst>
+      <p:par>
+        <p:cTn id="1" dur="indefinite" restart="never" nodeType="tmRoot">
+          <p:childTnLst>
+            <p:seq concurrent="1" nextAc="seek">
+              <p:cTn id="2" dur="indefinite" nodeType="mainSeq">
+                <p:childTnLst>
+                  <p:par>
+                    <p:cTn id="3" fill="hold">
+                      <p:stCondLst>
+                        <p:cond delay="indefinite"/>
+                      </p:stCondLst>
+                      <p:childTnLst>
+                        <p:par>
+                          <p:cTn id="4" fill="hold">
+                            <p:stCondLst>
+                              <p:cond delay="0"/>
+                            </p:stCondLst>
+                            <p:childTnLst>
+                              <p:par>
+                                <p:cTn id="5" presetID="10" presetClass="entr" presetSubtype="0" fill="hold" grpId="0" nodeType="clickEffect">
+                                  <p:stCondLst>
+                                    <p:cond delay="0"/>
+                                  </p:stCondLst>
+                                  <p:childTnLst>
+                                    <p:set>
+                                      <p:cBhvr>
+                                        <p:cTn id="6" dur="1" fill="hold">
+                                          <p:stCondLst>
+                                            <p:cond delay="0"/>
+                                          </p:stCondLst>
+                                        </p:cTn>
+                                        <p:tgtEl>
+                                          <p:spTgt spid="29"/>
+                                        </p:tgtEl>
+                                        <p:attrNameLst>
+                                          <p:attrName>style.visibility</p:attrName>
+                                        </p:attrNameLst>
+                                      </p:cBhvr>
+                                      <p:to>
+                                        <p:strVal val="visible"/>
+                                      </p:to>
+                                    </p:set>
+                                    <p:animEffect transition="in" filter="fade">
+                                      <p:cBhvr>
+                                        <p:cTn id="7" dur="500"/>
+                                        <p:tgtEl>
+                                          <p:spTgt spid="29"/>
+                                        </p:tgtEl>
+                                      </p:cBhvr>
+                                    </p:animEffect>
+                                  </p:childTnLst>
+                                </p:cTn>
+                              </p:par>
+                              <p:par>
+                                <p:cTn id="8" presetID="10" presetClass="entr" presetSubtype="0" fill="hold" grpId="0" nodeType="withEffect">
+                                  <p:stCondLst>
+                                    <p:cond delay="0"/>
+                                  </p:stCondLst>
+                                  <p:childTnLst>
+                                    <p:set>
+                                      <p:cBhvr>
+                                        <p:cTn id="9" dur="1" fill="hold">
+                                          <p:stCondLst>
+                                            <p:cond delay="0"/>
+                                          </p:stCondLst>
+                                        </p:cTn>
+                                        <p:tgtEl>
+                                          <p:spTgt spid="32"/>
+                                        </p:tgtEl>
+                                        <p:attrNameLst>
+                                          <p:attrName>style.visibility</p:attrName>
+                                        </p:attrNameLst>
+                                      </p:cBhvr>
+                                      <p:to>
+                                        <p:strVal val="visible"/>
+                                      </p:to>
+                                    </p:set>
+                                    <p:animEffect transition="in" filter="fade">
+                                      <p:cBhvr>
+                                        <p:cTn id="10" dur="500"/>
+                                        <p:tgtEl>
+                                          <p:spTgt spid="32"/>
+                                        </p:tgtEl>
+                                      </p:cBhvr>
+                                    </p:animEffect>
+                                  </p:childTnLst>
+                                </p:cTn>
+                              </p:par>
+                            </p:childTnLst>
+                          </p:cTn>
+                        </p:par>
+                      </p:childTnLst>
+                    </p:cTn>
+                  </p:par>
+                  <p:par>
+                    <p:cTn id="11" fill="hold">
+                      <p:stCondLst>
+                        <p:cond delay="indefinite"/>
+                      </p:stCondLst>
+                      <p:childTnLst>
+                        <p:par>
+                          <p:cTn id="12" fill="hold">
+                            <p:stCondLst>
+                              <p:cond delay="0"/>
+                            </p:stCondLst>
+                            <p:childTnLst>
+                              <p:par>
+                                <p:cTn id="13" presetID="10" presetClass="entr" presetSubtype="0" fill="hold" grpId="0" nodeType="clickEffect">
+                                  <p:stCondLst>
+                                    <p:cond delay="0"/>
+                                  </p:stCondLst>
+                                  <p:childTnLst>
+                                    <p:set>
+                                      <p:cBhvr>
+                                        <p:cTn id="14" dur="1" fill="hold">
+                                          <p:stCondLst>
+                                            <p:cond delay="0"/>
+                                          </p:stCondLst>
+                                        </p:cTn>
+                                        <p:tgtEl>
+                                          <p:spTgt spid="33"/>
+                                        </p:tgtEl>
+                                        <p:attrNameLst>
+                                          <p:attrName>style.visibility</p:attrName>
+                                        </p:attrNameLst>
+                                      </p:cBhvr>
+                                      <p:to>
+                                        <p:strVal val="visible"/>
+                                      </p:to>
+                                    </p:set>
+                                    <p:animEffect transition="in" filter="fade">
+                                      <p:cBhvr>
+                                        <p:cTn id="15" dur="500"/>
+                                        <p:tgtEl>
+                                          <p:spTgt spid="33"/>
+                                        </p:tgtEl>
+                                      </p:cBhvr>
+                                    </p:animEffect>
+                                  </p:childTnLst>
+                                </p:cTn>
+                              </p:par>
+                              <p:par>
+                                <p:cTn id="16" presetID="10" presetClass="entr" presetSubtype="0" fill="hold" grpId="0" nodeType="withEffect">
+                                  <p:stCondLst>
+                                    <p:cond delay="0"/>
+                                  </p:stCondLst>
+                                  <p:childTnLst>
+                                    <p:set>
+                                      <p:cBhvr>
+                                        <p:cTn id="17" dur="1" fill="hold">
+                                          <p:stCondLst>
+                                            <p:cond delay="0"/>
+                                          </p:stCondLst>
+                                        </p:cTn>
+                                        <p:tgtEl>
+                                          <p:spTgt spid="30"/>
+                                        </p:tgtEl>
+                                        <p:attrNameLst>
+                                          <p:attrName>style.visibility</p:attrName>
+                                        </p:attrNameLst>
+                                      </p:cBhvr>
+                                      <p:to>
+                                        <p:strVal val="visible"/>
+                                      </p:to>
+                                    </p:set>
+                                    <p:animEffect transition="in" filter="fade">
+                                      <p:cBhvr>
+                                        <p:cTn id="18" dur="500"/>
+                                        <p:tgtEl>
+                                          <p:spTgt spid="30"/>
+                                        </p:tgtEl>
+                                      </p:cBhvr>
+                                    </p:animEffect>
+                                  </p:childTnLst>
+                                </p:cTn>
+                              </p:par>
+                            </p:childTnLst>
+                          </p:cTn>
+                        </p:par>
+                      </p:childTnLst>
+                    </p:cTn>
+                  </p:par>
+                  <p:par>
+                    <p:cTn id="19" fill="hold">
+                      <p:stCondLst>
+                        <p:cond delay="indefinite"/>
+                      </p:stCondLst>
+                      <p:childTnLst>
+                        <p:par>
+                          <p:cTn id="20" fill="hold">
+                            <p:stCondLst>
+                              <p:cond delay="0"/>
+                            </p:stCondLst>
+                            <p:childTnLst>
+                              <p:par>
+                                <p:cTn id="21" presetID="10" presetClass="entr" presetSubtype="0" fill="hold" nodeType="clickEffect">
+                                  <p:stCondLst>
+                                    <p:cond delay="0"/>
+                                  </p:stCondLst>
+                                  <p:childTnLst>
+                                    <p:set>
+                                      <p:cBhvr>
+                                        <p:cTn id="22" dur="1" fill="hold">
+                                          <p:stCondLst>
+                                            <p:cond delay="0"/>
+                                          </p:stCondLst>
+                                        </p:cTn>
+                                        <p:tgtEl>
+                                          <p:spTgt spid="35"/>
+                                        </p:tgtEl>
+                                        <p:attrNameLst>
+                                          <p:attrName>style.visibility</p:attrName>
+                                        </p:attrNameLst>
+                                      </p:cBhvr>
+                                      <p:to>
+                                        <p:strVal val="visible"/>
+                                      </p:to>
+                                    </p:set>
+                                    <p:animEffect transition="in" filter="fade">
+                                      <p:cBhvr>
+                                        <p:cTn id="23" dur="500"/>
+                                        <p:tgtEl>
+                                          <p:spTgt spid="35"/>
+                                        </p:tgtEl>
+                                      </p:cBhvr>
+                                    </p:animEffect>
+                                  </p:childTnLst>
+                                </p:cTn>
+                              </p:par>
+                              <p:par>
+                                <p:cTn id="24" presetID="10" presetClass="entr" presetSubtype="0" fill="hold" nodeType="withEffect">
+                                  <p:stCondLst>
+                                    <p:cond delay="0"/>
+                                  </p:stCondLst>
+                                  <p:childTnLst>
+                                    <p:set>
+                                      <p:cBhvr>
+                                        <p:cTn id="25" dur="1" fill="hold">
+                                          <p:stCondLst>
+                                            <p:cond delay="0"/>
+                                          </p:stCondLst>
+                                        </p:cTn>
+                                        <p:tgtEl>
+                                          <p:spTgt spid="42"/>
+                                        </p:tgtEl>
+                                        <p:attrNameLst>
+                                          <p:attrName>style.visibility</p:attrName>
+                                        </p:attrNameLst>
+                                      </p:cBhvr>
+                                      <p:to>
+                                        <p:strVal val="visible"/>
+                                      </p:to>
+                                    </p:set>
+                                    <p:animEffect transition="in" filter="fade">
+                                      <p:cBhvr>
+                                        <p:cTn id="26" dur="500"/>
+                                        <p:tgtEl>
+                                          <p:spTgt spid="42"/>
+                                        </p:tgtEl>
+                                      </p:cBhvr>
+                                    </p:animEffect>
+                                  </p:childTnLst>
+                                </p:cTn>
+                              </p:par>
+                              <p:par>
+                                <p:cTn id="27" presetID="10" presetClass="entr" presetSubtype="0" fill="hold" nodeType="withEffect">
+                                  <p:stCondLst>
+                                    <p:cond delay="0"/>
+                                  </p:stCondLst>
+                                  <p:childTnLst>
+                                    <p:set>
+                                      <p:cBhvr>
+                                        <p:cTn id="28" dur="1" fill="hold">
+                                          <p:stCondLst>
+                                            <p:cond delay="0"/>
+                                          </p:stCondLst>
+                                        </p:cTn>
+                                        <p:tgtEl>
+                                          <p:spTgt spid="43"/>
+                                        </p:tgtEl>
+                                        <p:attrNameLst>
+                                          <p:attrName>style.visibility</p:attrName>
+                                        </p:attrNameLst>
+                                      </p:cBhvr>
+                                      <p:to>
+                                        <p:strVal val="visible"/>
+                                      </p:to>
+                                    </p:set>
+                                    <p:animEffect transition="in" filter="fade">
+                                      <p:cBhvr>
+                                        <p:cTn id="29" dur="500"/>
+                                        <p:tgtEl>
+                                          <p:spTgt spid="43"/>
+                                        </p:tgtEl>
+                                      </p:cBhvr>
+                                    </p:animEffect>
+                                  </p:childTnLst>
+                                </p:cTn>
+                              </p:par>
+                              <p:par>
+                                <p:cTn id="30" presetID="10" presetClass="entr" presetSubtype="0" fill="hold" grpId="0" nodeType="withEffect">
+                                  <p:stCondLst>
+                                    <p:cond delay="0"/>
+                                  </p:stCondLst>
+                                  <p:childTnLst>
+                                    <p:set>
+                                      <p:cBhvr>
+                                        <p:cTn id="31" dur="1" fill="hold">
+                                          <p:stCondLst>
+                                            <p:cond delay="0"/>
+                                          </p:stCondLst>
+                                        </p:cTn>
+                                        <p:tgtEl>
+                                          <p:spTgt spid="44"/>
+                                        </p:tgtEl>
+                                        <p:attrNameLst>
+                                          <p:attrName>style.visibility</p:attrName>
+                                        </p:attrNameLst>
+                                      </p:cBhvr>
+                                      <p:to>
+                                        <p:strVal val="visible"/>
+                                      </p:to>
+                                    </p:set>
+                                    <p:animEffect transition="in" filter="fade">
+                                      <p:cBhvr>
+                                        <p:cTn id="32" dur="500"/>
+                                        <p:tgtEl>
+                                          <p:spTgt spid="44"/>
+                                        </p:tgtEl>
+                                      </p:cBhvr>
+                                    </p:animEffect>
+                                  </p:childTnLst>
+                                </p:cTn>
+                              </p:par>
+                              <p:par>
+                                <p:cTn id="33" presetID="10" presetClass="entr" presetSubtype="0" fill="hold" grpId="0" nodeType="withEffect">
+                                  <p:stCondLst>
+                                    <p:cond delay="0"/>
+                                  </p:stCondLst>
+                                  <p:childTnLst>
+                                    <p:set>
+                                      <p:cBhvr>
+                                        <p:cTn id="34" dur="1" fill="hold">
+                                          <p:stCondLst>
+                                            <p:cond delay="0"/>
+                                          </p:stCondLst>
+                                        </p:cTn>
+                                        <p:tgtEl>
+                                          <p:spTgt spid="55"/>
+                                        </p:tgtEl>
+                                        <p:attrNameLst>
+                                          <p:attrName>style.visibility</p:attrName>
+                                        </p:attrNameLst>
+                                      </p:cBhvr>
+                                      <p:to>
+                                        <p:strVal val="visible"/>
+                                      </p:to>
+                                    </p:set>
+                                    <p:animEffect transition="in" filter="fade">
+                                      <p:cBhvr>
+                                        <p:cTn id="35" dur="500"/>
+                                        <p:tgtEl>
+                                          <p:spTgt spid="55"/>
+                                        </p:tgtEl>
+                                      </p:cBhvr>
+                                    </p:animEffect>
+                                  </p:childTnLst>
+                                </p:cTn>
+                              </p:par>
+                              <p:par>
+                                <p:cTn id="36" presetID="10" presetClass="entr" presetSubtype="0" fill="hold" grpId="0" nodeType="withEffect">
+                                  <p:stCondLst>
+                                    <p:cond delay="0"/>
+                                  </p:stCondLst>
+                                  <p:childTnLst>
+                                    <p:set>
+                                      <p:cBhvr>
+                                        <p:cTn id="37" dur="1" fill="hold">
+                                          <p:stCondLst>
+                                            <p:cond delay="0"/>
+                                          </p:stCondLst>
+                                        </p:cTn>
+                                        <p:tgtEl>
+                                          <p:spTgt spid="59"/>
+                                        </p:tgtEl>
+                                        <p:attrNameLst>
+                                          <p:attrName>style.visibility</p:attrName>
+                                        </p:attrNameLst>
+                                      </p:cBhvr>
+                                      <p:to>
+                                        <p:strVal val="visible"/>
+                                      </p:to>
+                                    </p:set>
+                                    <p:animEffect transition="in" filter="fade">
+                                      <p:cBhvr>
+                                        <p:cTn id="38" dur="500"/>
+                                        <p:tgtEl>
+                                          <p:spTgt spid="59"/>
+                                        </p:tgtEl>
+                                      </p:cBhvr>
+                                    </p:animEffect>
+                                  </p:childTnLst>
+                                </p:cTn>
+                              </p:par>
+                            </p:childTnLst>
+                          </p:cTn>
+                        </p:par>
+                      </p:childTnLst>
+                    </p:cTn>
+                  </p:par>
+                </p:childTnLst>
+              </p:cTn>
+              <p:prevCondLst>
+                <p:cond evt="onPrev" delay="0">
+                  <p:tgtEl>
+                    <p:sldTgt/>
+                  </p:tgtEl>
+                </p:cond>
+              </p:prevCondLst>
+              <p:nextCondLst>
+                <p:cond evt="onNext" delay="0">
+                  <p:tgtEl>
+                    <p:sldTgt/>
+                  </p:tgtEl>
+                </p:cond>
+              </p:nextCondLst>
+            </p:seq>
+          </p:childTnLst>
+        </p:cTn>
+      </p:par>
+    </p:tnLst>
+    <p:bldLst>
+      <p:bldP spid="29" grpId="0" animBg="1"/>
+      <p:bldP spid="30" grpId="0" animBg="1"/>
+      <p:bldP spid="32" grpId="0"/>
+      <p:bldP spid="33" grpId="0"/>
+      <p:bldP spid="44" grpId="0" animBg="1"/>
+      <p:bldP spid="55" grpId="0"/>
+      <p:bldP spid="59" grpId="0" animBg="1"/>
+    </p:bldLst>
+  </p:timing>
 </p:sld>
 </file>
 
